--- a/PureScript- JS.la presentation.pptx
+++ b/PureScript- JS.la presentation.pptx
@@ -572,7 +572,7 @@
   <p:cSld>
     <p:spTree>
       <p:nvGrpSpPr>
-        <p:cNvPr id="70" name="Shape 70"/>
+        <p:cNvPr id="72" name="Shape 72"/>
         <p:cNvGrpSpPr/>
         <p:nvPr/>
       </p:nvGrpSpPr>
@@ -586,7 +586,7 @@
       </p:grpSpPr>
       <p:sp>
         <p:nvSpPr>
-          <p:cNvPr id="71" name="Shape 71"/>
+          <p:cNvPr id="73" name="Shape 73"/>
           <p:cNvSpPr/>
           <p:nvPr>
             <p:ph idx="2" type="sldImg"/>
@@ -620,7 +620,7 @@
       </p:sp>
       <p:sp>
         <p:nvSpPr>
-          <p:cNvPr id="72" name="Shape 72"/>
+          <p:cNvPr id="74" name="Shape 74"/>
           <p:cNvSpPr txBox="1"/>
           <p:nvPr>
             <p:ph idx="1" type="body"/>
@@ -4692,6 +4692,72 @@
           </a:p>
         </p:txBody>
       </p:sp>
+      <p:pic>
+        <p:nvPicPr>
+          <p:cNvPr descr="QvVio4id.jpeg" id="70" name="Shape 70"/>
+          <p:cNvPicPr preferRelativeResize="0"/>
+          <p:nvPr/>
+        </p:nvPicPr>
+        <p:blipFill>
+          <a:blip r:embed="rId3">
+            <a:alphaModFix/>
+          </a:blip>
+          <a:stretch>
+            <a:fillRect/>
+          </a:stretch>
+        </p:blipFill>
+        <p:spPr>
+          <a:xfrm>
+            <a:off x="2525300" y="240875"/>
+            <a:ext cx="3810000" cy="3810000"/>
+          </a:xfrm>
+          <a:prstGeom prst="rect">
+            <a:avLst/>
+          </a:prstGeom>
+          <a:noFill/>
+          <a:ln>
+            <a:noFill/>
+          </a:ln>
+        </p:spPr>
+      </p:pic>
+      <p:sp>
+        <p:nvSpPr>
+          <p:cNvPr id="71" name="Shape 71"/>
+          <p:cNvSpPr txBox="1"/>
+          <p:nvPr/>
+        </p:nvSpPr>
+        <p:spPr>
+          <a:xfrm>
+            <a:off x="311700" y="4307525"/>
+            <a:ext cx="8520600" cy="481800"/>
+          </a:xfrm>
+          <a:prstGeom prst="rect">
+            <a:avLst/>
+          </a:prstGeom>
+          <a:noFill/>
+          <a:ln>
+            <a:noFill/>
+          </a:ln>
+        </p:spPr>
+        <p:txBody>
+          <a:bodyPr anchorCtr="0" anchor="t" bIns="91425" lIns="91425" rIns="91425" tIns="91425">
+            <a:noAutofit/>
+          </a:bodyPr>
+          <a:lstStyle/>
+          <a:p>
+            <a:pPr lvl="0" algn="ctr">
+              <a:spcBef>
+                <a:spcPts val="0"/>
+              </a:spcBef>
+              <a:buNone/>
+            </a:pPr>
+            <a:r>
+              <a:rPr b="1" lang="en"/>
+              <a:t>Shout out to Carlo Flores, RIP</a:t>
+            </a:r>
+          </a:p>
+        </p:txBody>
+      </p:sp>
     </p:spTree>
   </p:cSld>
   <p:clrMapOvr>
@@ -4705,7 +4771,7 @@
   <p:cSld>
     <p:spTree>
       <p:nvGrpSpPr>
-        <p:cNvPr id="73" name="Shape 73"/>
+        <p:cNvPr id="75" name="Shape 75"/>
         <p:cNvGrpSpPr/>
         <p:nvPr/>
       </p:nvGrpSpPr>
@@ -4719,7 +4785,7 @@
       </p:grpSpPr>
       <p:sp>
         <p:nvSpPr>
-          <p:cNvPr id="74" name="Shape 74"/>
+          <p:cNvPr id="76" name="Shape 76"/>
           <p:cNvSpPr txBox="1"/>
           <p:nvPr>
             <p:ph type="title"/>
@@ -4755,7 +4821,7 @@
       </p:sp>
       <p:sp>
         <p:nvSpPr>
-          <p:cNvPr id="75" name="Shape 75"/>
+          <p:cNvPr id="77" name="Shape 77"/>
           <p:cNvSpPr txBox="1"/>
           <p:nvPr>
             <p:ph idx="1" type="body"/>

--- a/PureScript- JS.la presentation.pptx
+++ b/PureScript- JS.la presentation.pptx
@@ -11,16 +11,18 @@
     <p:sldId id="256" r:id="rId5"/>
     <p:sldId id="257" r:id="rId6"/>
     <p:sldId id="258" r:id="rId7"/>
+    <p:sldId id="259" r:id="rId8"/>
+    <p:sldId id="260" r:id="rId9"/>
   </p:sldIdLst>
   <p:sldSz cy="5143500" cx="9144000"/>
   <p:notesSz cx="6858000" cy="9144000"/>
   <p:embeddedFontLst>
     <p:embeddedFont>
       <p:font typeface="Proxima Nova"/>
-      <p:regular r:id="rId8"/>
-      <p:bold r:id="rId9"/>
-      <p:italic r:id="rId10"/>
-      <p:boldItalic r:id="rId11"/>
+      <p:regular r:id="rId10"/>
+      <p:bold r:id="rId11"/>
+      <p:italic r:id="rId12"/>
+      <p:boldItalic r:id="rId13"/>
     </p:embeddedFont>
   </p:embeddedFontLst>
   <p:defaultTextStyle>
@@ -621,6 +623,196 @@
       <p:sp>
         <p:nvSpPr>
           <p:cNvPr id="74" name="Shape 74"/>
+          <p:cNvSpPr txBox="1"/>
+          <p:nvPr>
+            <p:ph idx="1" type="body"/>
+          </p:nvPr>
+        </p:nvSpPr>
+        <p:spPr>
+          <a:xfrm>
+            <a:off x="685800" y="4343400"/>
+            <a:ext cx="5486400" cy="4114800"/>
+          </a:xfrm>
+          <a:prstGeom prst="rect">
+            <a:avLst/>
+          </a:prstGeom>
+        </p:spPr>
+        <p:txBody>
+          <a:bodyPr anchorCtr="0" anchor="t" bIns="91425" lIns="91425" rIns="91425" tIns="91425">
+            <a:noAutofit/>
+          </a:bodyPr>
+          <a:lstStyle/>
+          <a:p>
+            <a:pPr lvl="0">
+              <a:spcBef>
+                <a:spcPts val="0"/>
+              </a:spcBef>
+              <a:buNone/>
+            </a:pPr>
+            <a:r>
+              <a:t/>
+            </a:r>
+            <a:endParaRPr/>
+          </a:p>
+        </p:txBody>
+      </p:sp>
+    </p:spTree>
+  </p:cSld>
+  <p:clrMapOvr>
+    <a:masterClrMapping/>
+  </p:clrMapOvr>
+</p:notes>
+</file>
+
+<file path=ppt/notesSlides/notesSlide4.xml><?xml version="1.0" encoding="utf-8"?>
+<p:notes xmlns:a="http://schemas.openxmlformats.org/drawingml/2006/main" xmlns:r="http://schemas.openxmlformats.org/officeDocument/2006/relationships" xmlns:mc="http://schemas.openxmlformats.org/markup-compatibility/2006" xmlns:mv="urn:schemas-microsoft-com:mac:vml" xmlns:p="http://schemas.openxmlformats.org/presentationml/2006/main" xmlns:c="http://schemas.openxmlformats.org/drawingml/2006/chart" xmlns:dgm="http://schemas.openxmlformats.org/drawingml/2006/diagram" xmlns:o="urn:schemas-microsoft-com:office:office" xmlns:v="urn:schemas-microsoft-com:vml" xmlns:pvml="urn:schemas-microsoft-com:office:powerpoint" xmlns:com="http://schemas.openxmlformats.org/drawingml/2006/compatibility" xmlns:p14="http://schemas.microsoft.com/office/powerpoint/2010/main" showMasterPhAnim="0" showMasterSp="0">
+  <p:cSld>
+    <p:spTree>
+      <p:nvGrpSpPr>
+        <p:cNvPr id="79" name="Shape 79"/>
+        <p:cNvGrpSpPr/>
+        <p:nvPr/>
+      </p:nvGrpSpPr>
+      <p:grpSpPr>
+        <a:xfrm>
+          <a:off x="0" y="0"/>
+          <a:ext cx="0" cy="0"/>
+          <a:chOff x="0" y="0"/>
+          <a:chExt cx="0" cy="0"/>
+        </a:xfrm>
+      </p:grpSpPr>
+      <p:sp>
+        <p:nvSpPr>
+          <p:cNvPr id="80" name="Shape 80"/>
+          <p:cNvSpPr/>
+          <p:nvPr>
+            <p:ph idx="2" type="sldImg"/>
+          </p:nvPr>
+        </p:nvSpPr>
+        <p:spPr>
+          <a:xfrm>
+            <a:off x="381300" y="685800"/>
+            <a:ext cx="6096000" cy="3429000"/>
+          </a:xfrm>
+          <a:custGeom>
+            <a:pathLst>
+              <a:path extrusionOk="0" h="120000" w="120000">
+                <a:moveTo>
+                  <a:pt x="0" y="0"/>
+                </a:moveTo>
+                <a:lnTo>
+                  <a:pt x="120000" y="0"/>
+                </a:lnTo>
+                <a:lnTo>
+                  <a:pt x="120000" y="120000"/>
+                </a:lnTo>
+                <a:lnTo>
+                  <a:pt x="0" y="120000"/>
+                </a:lnTo>
+                <a:close/>
+              </a:path>
+            </a:pathLst>
+          </a:custGeom>
+        </p:spPr>
+      </p:sp>
+      <p:sp>
+        <p:nvSpPr>
+          <p:cNvPr id="81" name="Shape 81"/>
+          <p:cNvSpPr txBox="1"/>
+          <p:nvPr>
+            <p:ph idx="1" type="body"/>
+          </p:nvPr>
+        </p:nvSpPr>
+        <p:spPr>
+          <a:xfrm>
+            <a:off x="685800" y="4343400"/>
+            <a:ext cx="5486400" cy="4114800"/>
+          </a:xfrm>
+          <a:prstGeom prst="rect">
+            <a:avLst/>
+          </a:prstGeom>
+        </p:spPr>
+        <p:txBody>
+          <a:bodyPr anchorCtr="0" anchor="t" bIns="91425" lIns="91425" rIns="91425" tIns="91425">
+            <a:noAutofit/>
+          </a:bodyPr>
+          <a:lstStyle/>
+          <a:p>
+            <a:pPr lvl="0">
+              <a:spcBef>
+                <a:spcPts val="0"/>
+              </a:spcBef>
+              <a:buNone/>
+            </a:pPr>
+            <a:r>
+              <a:t/>
+            </a:r>
+            <a:endParaRPr/>
+          </a:p>
+        </p:txBody>
+      </p:sp>
+    </p:spTree>
+  </p:cSld>
+  <p:clrMapOvr>
+    <a:masterClrMapping/>
+  </p:clrMapOvr>
+</p:notes>
+</file>
+
+<file path=ppt/notesSlides/notesSlide5.xml><?xml version="1.0" encoding="utf-8"?>
+<p:notes xmlns:a="http://schemas.openxmlformats.org/drawingml/2006/main" xmlns:r="http://schemas.openxmlformats.org/officeDocument/2006/relationships" xmlns:mc="http://schemas.openxmlformats.org/markup-compatibility/2006" xmlns:mv="urn:schemas-microsoft-com:mac:vml" xmlns:p="http://schemas.openxmlformats.org/presentationml/2006/main" xmlns:c="http://schemas.openxmlformats.org/drawingml/2006/chart" xmlns:dgm="http://schemas.openxmlformats.org/drawingml/2006/diagram" xmlns:o="urn:schemas-microsoft-com:office:office" xmlns:v="urn:schemas-microsoft-com:vml" xmlns:pvml="urn:schemas-microsoft-com:office:powerpoint" xmlns:com="http://schemas.openxmlformats.org/drawingml/2006/compatibility" xmlns:p14="http://schemas.microsoft.com/office/powerpoint/2010/main" showMasterPhAnim="0" showMasterSp="0">
+  <p:cSld>
+    <p:spTree>
+      <p:nvGrpSpPr>
+        <p:cNvPr id="87" name="Shape 87"/>
+        <p:cNvGrpSpPr/>
+        <p:nvPr/>
+      </p:nvGrpSpPr>
+      <p:grpSpPr>
+        <a:xfrm>
+          <a:off x="0" y="0"/>
+          <a:ext cx="0" cy="0"/>
+          <a:chOff x="0" y="0"/>
+          <a:chExt cx="0" cy="0"/>
+        </a:xfrm>
+      </p:grpSpPr>
+      <p:sp>
+        <p:nvSpPr>
+          <p:cNvPr id="88" name="Shape 88"/>
+          <p:cNvSpPr/>
+          <p:nvPr>
+            <p:ph idx="2" type="sldImg"/>
+          </p:nvPr>
+        </p:nvSpPr>
+        <p:spPr>
+          <a:xfrm>
+            <a:off x="381300" y="685800"/>
+            <a:ext cx="6096000" cy="3429000"/>
+          </a:xfrm>
+          <a:custGeom>
+            <a:pathLst>
+              <a:path extrusionOk="0" h="120000" w="120000">
+                <a:moveTo>
+                  <a:pt x="0" y="0"/>
+                </a:moveTo>
+                <a:lnTo>
+                  <a:pt x="120000" y="0"/>
+                </a:lnTo>
+                <a:lnTo>
+                  <a:pt x="120000" y="120000"/>
+                </a:lnTo>
+                <a:lnTo>
+                  <a:pt x="0" y="120000"/>
+                </a:lnTo>
+                <a:close/>
+              </a:path>
+            </a:pathLst>
+          </a:custGeom>
+        </p:spPr>
+      </p:sp>
+      <p:sp>
+        <p:nvSpPr>
+          <p:cNvPr id="89" name="Shape 89"/>
           <p:cNvSpPr txBox="1"/>
           <p:nvPr>
             <p:ph idx="1" type="body"/>
@@ -4813,9 +5005,9 @@
               <a:buNone/>
             </a:pPr>
             <a:r>
-              <a:t/>
-            </a:r>
-            <a:endParaRPr/>
+              <a:rPr lang="en"/>
+              <a:t>Monads in JavaScript</a:t>
+            </a:r>
           </a:p>
         </p:txBody>
       </p:sp>
@@ -4830,7 +5022,7 @@
         <p:spPr>
           <a:xfrm>
             <a:off x="311700" y="1152475"/>
-            <a:ext cx="8520600" cy="3416400"/>
+            <a:ext cx="3925500" cy="3761400"/>
           </a:xfrm>
           <a:prstGeom prst="rect">
             <a:avLst/>
@@ -4842,6 +5034,1754 @@
           </a:bodyPr>
           <a:lstStyle/>
           <a:p>
+            <a:pPr lvl="0" rtl="0">
+              <a:lnSpc>
+                <a:spcPct val="142857"/>
+              </a:lnSpc>
+              <a:spcBef>
+                <a:spcPts val="0"/>
+              </a:spcBef>
+              <a:spcAft>
+                <a:spcPts val="0"/>
+              </a:spcAft>
+              <a:buNone/>
+            </a:pPr>
+            <a:r>
+              <a:rPr lang="en" sz="600">
+                <a:solidFill>
+                  <a:srgbClr val="969896"/>
+                </a:solidFill>
+                <a:highlight>
+                  <a:srgbClr val="FFFFFF"/>
+                </a:highlight>
+                <a:latin typeface="Consolas"/>
+                <a:ea typeface="Consolas"/>
+                <a:cs typeface="Consolas"/>
+                <a:sym typeface="Consolas"/>
+              </a:rPr>
+              <a:t>// monad.js</a:t>
+            </a:r>
+          </a:p>
+          <a:p>
+            <a:pPr lvl="0" rtl="0">
+              <a:lnSpc>
+                <a:spcPct val="142857"/>
+              </a:lnSpc>
+              <a:spcBef>
+                <a:spcPts val="0"/>
+              </a:spcBef>
+              <a:spcAft>
+                <a:spcPts val="0"/>
+              </a:spcAft>
+              <a:buNone/>
+            </a:pPr>
+            <a:r>
+              <a:rPr lang="en" sz="600">
+                <a:solidFill>
+                  <a:srgbClr val="969896"/>
+                </a:solidFill>
+                <a:highlight>
+                  <a:srgbClr val="FFFFFF"/>
+                </a:highlight>
+                <a:latin typeface="Consolas"/>
+                <a:ea typeface="Consolas"/>
+                <a:cs typeface="Consolas"/>
+                <a:sym typeface="Consolas"/>
+              </a:rPr>
+              <a:t>// Douglas Crockford</a:t>
+            </a:r>
+          </a:p>
+          <a:p>
+            <a:pPr lvl="0" rtl="0">
+              <a:lnSpc>
+                <a:spcPct val="142857"/>
+              </a:lnSpc>
+              <a:spcBef>
+                <a:spcPts val="0"/>
+              </a:spcBef>
+              <a:spcAft>
+                <a:spcPts val="0"/>
+              </a:spcAft>
+              <a:buNone/>
+            </a:pPr>
+            <a:r>
+              <a:rPr lang="en" sz="600">
+                <a:solidFill>
+                  <a:srgbClr val="969896"/>
+                </a:solidFill>
+                <a:highlight>
+                  <a:srgbClr val="FFFFFF"/>
+                </a:highlight>
+                <a:latin typeface="Consolas"/>
+                <a:ea typeface="Consolas"/>
+                <a:cs typeface="Consolas"/>
+                <a:sym typeface="Consolas"/>
+              </a:rPr>
+              <a:t>// 2016-01-27</a:t>
+            </a:r>
+          </a:p>
+          <a:p>
+            <a:pPr lvl="0" rtl="0">
+              <a:lnSpc>
+                <a:spcPct val="142857"/>
+              </a:lnSpc>
+              <a:spcBef>
+                <a:spcPts val="0"/>
+              </a:spcBef>
+              <a:spcAft>
+                <a:spcPts val="0"/>
+              </a:spcAft>
+              <a:buNone/>
+            </a:pPr>
+            <a:br>
+              <a:rPr lang="en" sz="600">
+                <a:solidFill>
+                  <a:srgbClr val="24292E"/>
+                </a:solidFill>
+                <a:highlight>
+                  <a:srgbClr val="FFFFFF"/>
+                </a:highlight>
+                <a:latin typeface="Consolas"/>
+                <a:ea typeface="Consolas"/>
+                <a:cs typeface="Consolas"/>
+                <a:sym typeface="Consolas"/>
+              </a:rPr>
+            </a:br>
+          </a:p>
+          <a:p>
+            <a:pPr lvl="0" rtl="0">
+              <a:lnSpc>
+                <a:spcPct val="142857"/>
+              </a:lnSpc>
+              <a:spcBef>
+                <a:spcPts val="0"/>
+              </a:spcBef>
+              <a:spcAft>
+                <a:spcPts val="0"/>
+              </a:spcAft>
+              <a:buNone/>
+            </a:pPr>
+            <a:r>
+              <a:rPr lang="en" sz="600">
+                <a:solidFill>
+                  <a:srgbClr val="969896"/>
+                </a:solidFill>
+                <a:highlight>
+                  <a:srgbClr val="FFFFFF"/>
+                </a:highlight>
+                <a:latin typeface="Consolas"/>
+                <a:ea typeface="Consolas"/>
+                <a:cs typeface="Consolas"/>
+                <a:sym typeface="Consolas"/>
+              </a:rPr>
+              <a:t>// Public Domain</a:t>
+            </a:r>
+          </a:p>
+          <a:p>
+            <a:pPr lvl="0" rtl="0">
+              <a:lnSpc>
+                <a:spcPct val="142857"/>
+              </a:lnSpc>
+              <a:spcBef>
+                <a:spcPts val="0"/>
+              </a:spcBef>
+              <a:spcAft>
+                <a:spcPts val="0"/>
+              </a:spcAft>
+              <a:buNone/>
+            </a:pPr>
+            <a:br>
+              <a:rPr lang="en" sz="600">
+                <a:solidFill>
+                  <a:srgbClr val="24292E"/>
+                </a:solidFill>
+                <a:highlight>
+                  <a:srgbClr val="FFFFFF"/>
+                </a:highlight>
+                <a:latin typeface="Consolas"/>
+                <a:ea typeface="Consolas"/>
+                <a:cs typeface="Consolas"/>
+                <a:sym typeface="Consolas"/>
+              </a:rPr>
+            </a:br>
+          </a:p>
+          <a:p>
+            <a:pPr lvl="0" rtl="0">
+              <a:lnSpc>
+                <a:spcPct val="142857"/>
+              </a:lnSpc>
+              <a:spcBef>
+                <a:spcPts val="0"/>
+              </a:spcBef>
+              <a:spcAft>
+                <a:spcPts val="0"/>
+              </a:spcAft>
+              <a:buNone/>
+            </a:pPr>
+            <a:r>
+              <a:rPr lang="en" sz="600">
+                <a:solidFill>
+                  <a:srgbClr val="969896"/>
+                </a:solidFill>
+                <a:highlight>
+                  <a:srgbClr val="FFFFFF"/>
+                </a:highlight>
+                <a:latin typeface="Consolas"/>
+                <a:ea typeface="Consolas"/>
+                <a:cs typeface="Consolas"/>
+                <a:sym typeface="Consolas"/>
+              </a:rPr>
+              <a:t>// The MONAD function is a macroid that produces monad constructor functions.</a:t>
+            </a:r>
+          </a:p>
+          <a:p>
+            <a:pPr lvl="0" rtl="0">
+              <a:lnSpc>
+                <a:spcPct val="142857"/>
+              </a:lnSpc>
+              <a:spcBef>
+                <a:spcPts val="0"/>
+              </a:spcBef>
+              <a:spcAft>
+                <a:spcPts val="0"/>
+              </a:spcAft>
+              <a:buNone/>
+            </a:pPr>
+            <a:r>
+              <a:rPr lang="en" sz="600">
+                <a:solidFill>
+                  <a:srgbClr val="969896"/>
+                </a:solidFill>
+                <a:highlight>
+                  <a:srgbClr val="FFFFFF"/>
+                </a:highlight>
+                <a:latin typeface="Consolas"/>
+                <a:ea typeface="Consolas"/>
+                <a:cs typeface="Consolas"/>
+                <a:sym typeface="Consolas"/>
+              </a:rPr>
+              <a:t>// It can take an optional modifier function, which is a function that is</a:t>
+            </a:r>
+          </a:p>
+          <a:p>
+            <a:pPr lvl="0" rtl="0">
+              <a:lnSpc>
+                <a:spcPct val="142857"/>
+              </a:lnSpc>
+              <a:spcBef>
+                <a:spcPts val="0"/>
+              </a:spcBef>
+              <a:spcAft>
+                <a:spcPts val="0"/>
+              </a:spcAft>
+              <a:buNone/>
+            </a:pPr>
+            <a:r>
+              <a:rPr lang="en" sz="600">
+                <a:solidFill>
+                  <a:srgbClr val="969896"/>
+                </a:solidFill>
+                <a:highlight>
+                  <a:srgbClr val="FFFFFF"/>
+                </a:highlight>
+                <a:latin typeface="Consolas"/>
+                <a:ea typeface="Consolas"/>
+                <a:cs typeface="Consolas"/>
+                <a:sym typeface="Consolas"/>
+              </a:rPr>
+              <a:t>// allowed to modify new monads at the end of the construction processes.</a:t>
+            </a:r>
+          </a:p>
+          <a:p>
+            <a:pPr lvl="0" rtl="0">
+              <a:lnSpc>
+                <a:spcPct val="142857"/>
+              </a:lnSpc>
+              <a:spcBef>
+                <a:spcPts val="0"/>
+              </a:spcBef>
+              <a:spcAft>
+                <a:spcPts val="0"/>
+              </a:spcAft>
+              <a:buNone/>
+            </a:pPr>
+            <a:br>
+              <a:rPr lang="en" sz="600">
+                <a:solidFill>
+                  <a:srgbClr val="24292E"/>
+                </a:solidFill>
+                <a:highlight>
+                  <a:srgbClr val="FFFFFF"/>
+                </a:highlight>
+                <a:latin typeface="Consolas"/>
+                <a:ea typeface="Consolas"/>
+                <a:cs typeface="Consolas"/>
+                <a:sym typeface="Consolas"/>
+              </a:rPr>
+            </a:br>
+          </a:p>
+          <a:p>
+            <a:pPr lvl="0" rtl="0">
+              <a:lnSpc>
+                <a:spcPct val="142857"/>
+              </a:lnSpc>
+              <a:spcBef>
+                <a:spcPts val="0"/>
+              </a:spcBef>
+              <a:spcAft>
+                <a:spcPts val="0"/>
+              </a:spcAft>
+              <a:buNone/>
+            </a:pPr>
+            <a:r>
+              <a:rPr lang="en" sz="600">
+                <a:solidFill>
+                  <a:srgbClr val="969896"/>
+                </a:solidFill>
+                <a:highlight>
+                  <a:srgbClr val="FFFFFF"/>
+                </a:highlight>
+                <a:latin typeface="Consolas"/>
+                <a:ea typeface="Consolas"/>
+                <a:cs typeface="Consolas"/>
+                <a:sym typeface="Consolas"/>
+              </a:rPr>
+              <a:t>// A monad constructor (sometimes called 'unit' or 'return' in some mythologies)</a:t>
+            </a:r>
+          </a:p>
+          <a:p>
+            <a:pPr lvl="0" rtl="0">
+              <a:lnSpc>
+                <a:spcPct val="142857"/>
+              </a:lnSpc>
+              <a:spcBef>
+                <a:spcPts val="0"/>
+              </a:spcBef>
+              <a:spcAft>
+                <a:spcPts val="0"/>
+              </a:spcAft>
+              <a:buNone/>
+            </a:pPr>
+            <a:r>
+              <a:rPr lang="en" sz="600">
+                <a:solidFill>
+                  <a:srgbClr val="969896"/>
+                </a:solidFill>
+                <a:highlight>
+                  <a:srgbClr val="FFFFFF"/>
+                </a:highlight>
+                <a:latin typeface="Consolas"/>
+                <a:ea typeface="Consolas"/>
+                <a:cs typeface="Consolas"/>
+                <a:sym typeface="Consolas"/>
+              </a:rPr>
+              <a:t>// comes with three methods, lift, lift_value, and method, all of which can add</a:t>
+            </a:r>
+          </a:p>
+          <a:p>
+            <a:pPr lvl="0" rtl="0">
+              <a:lnSpc>
+                <a:spcPct val="142857"/>
+              </a:lnSpc>
+              <a:spcBef>
+                <a:spcPts val="0"/>
+              </a:spcBef>
+              <a:spcAft>
+                <a:spcPts val="0"/>
+              </a:spcAft>
+              <a:buNone/>
+            </a:pPr>
+            <a:r>
+              <a:rPr lang="en" sz="600">
+                <a:solidFill>
+                  <a:srgbClr val="969896"/>
+                </a:solidFill>
+                <a:highlight>
+                  <a:srgbClr val="FFFFFF"/>
+                </a:highlight>
+                <a:latin typeface="Consolas"/>
+                <a:ea typeface="Consolas"/>
+                <a:cs typeface="Consolas"/>
+                <a:sym typeface="Consolas"/>
+              </a:rPr>
+              <a:t>// methods and properties to the monad's prototype.</a:t>
+            </a:r>
+          </a:p>
+          <a:p>
+            <a:pPr lvl="0" rtl="0">
+              <a:lnSpc>
+                <a:spcPct val="142857"/>
+              </a:lnSpc>
+              <a:spcBef>
+                <a:spcPts val="0"/>
+              </a:spcBef>
+              <a:spcAft>
+                <a:spcPts val="0"/>
+              </a:spcAft>
+              <a:buNone/>
+            </a:pPr>
+            <a:br>
+              <a:rPr lang="en" sz="600">
+                <a:solidFill>
+                  <a:srgbClr val="24292E"/>
+                </a:solidFill>
+                <a:highlight>
+                  <a:srgbClr val="FFFFFF"/>
+                </a:highlight>
+                <a:latin typeface="Consolas"/>
+                <a:ea typeface="Consolas"/>
+                <a:cs typeface="Consolas"/>
+                <a:sym typeface="Consolas"/>
+              </a:rPr>
+            </a:br>
+          </a:p>
+          <a:p>
+            <a:pPr lvl="0" rtl="0">
+              <a:lnSpc>
+                <a:spcPct val="142857"/>
+              </a:lnSpc>
+              <a:spcBef>
+                <a:spcPts val="0"/>
+              </a:spcBef>
+              <a:spcAft>
+                <a:spcPts val="0"/>
+              </a:spcAft>
+              <a:buNone/>
+            </a:pPr>
+            <a:r>
+              <a:rPr lang="en" sz="600">
+                <a:solidFill>
+                  <a:srgbClr val="969896"/>
+                </a:solidFill>
+                <a:highlight>
+                  <a:srgbClr val="FFFFFF"/>
+                </a:highlight>
+                <a:latin typeface="Consolas"/>
+                <a:ea typeface="Consolas"/>
+                <a:cs typeface="Consolas"/>
+                <a:sym typeface="Consolas"/>
+              </a:rPr>
+              <a:t>// A monad has a 'bind' method that takes a function that receives a value and</a:t>
+            </a:r>
+          </a:p>
+          <a:p>
+            <a:pPr lvl="0" rtl="0">
+              <a:lnSpc>
+                <a:spcPct val="142857"/>
+              </a:lnSpc>
+              <a:spcBef>
+                <a:spcPts val="0"/>
+              </a:spcBef>
+              <a:spcAft>
+                <a:spcPts val="0"/>
+              </a:spcAft>
+              <a:buNone/>
+            </a:pPr>
+            <a:r>
+              <a:rPr lang="en" sz="600">
+                <a:solidFill>
+                  <a:srgbClr val="969896"/>
+                </a:solidFill>
+                <a:highlight>
+                  <a:srgbClr val="FFFFFF"/>
+                </a:highlight>
+                <a:latin typeface="Consolas"/>
+                <a:ea typeface="Consolas"/>
+                <a:cs typeface="Consolas"/>
+                <a:sym typeface="Consolas"/>
+              </a:rPr>
+              <a:t>// is usually expected to return a monad.</a:t>
+            </a:r>
+          </a:p>
+          <a:p>
+            <a:pPr lvl="0" rtl="0">
+              <a:lnSpc>
+                <a:spcPct val="142857"/>
+              </a:lnSpc>
+              <a:spcBef>
+                <a:spcPts val="0"/>
+              </a:spcBef>
+              <a:spcAft>
+                <a:spcPts val="0"/>
+              </a:spcAft>
+              <a:buNone/>
+            </a:pPr>
+            <a:br>
+              <a:rPr lang="en" sz="600">
+                <a:solidFill>
+                  <a:srgbClr val="24292E"/>
+                </a:solidFill>
+                <a:highlight>
+                  <a:srgbClr val="FFFFFF"/>
+                </a:highlight>
+                <a:latin typeface="Consolas"/>
+                <a:ea typeface="Consolas"/>
+                <a:cs typeface="Consolas"/>
+                <a:sym typeface="Consolas"/>
+              </a:rPr>
+            </a:br>
+          </a:p>
+          <a:p>
+            <a:pPr lvl="0" rtl="0">
+              <a:lnSpc>
+                <a:spcPct val="142857"/>
+              </a:lnSpc>
+              <a:spcBef>
+                <a:spcPts val="0"/>
+              </a:spcBef>
+              <a:spcAft>
+                <a:spcPts val="0"/>
+              </a:spcAft>
+              <a:buNone/>
+            </a:pPr>
+            <a:r>
+              <a:rPr lang="en" sz="600">
+                <a:solidFill>
+                  <a:srgbClr val="969896"/>
+                </a:solidFill>
+                <a:highlight>
+                  <a:srgbClr val="FFFFFF"/>
+                </a:highlight>
+                <a:latin typeface="Consolas"/>
+                <a:ea typeface="Consolas"/>
+                <a:cs typeface="Consolas"/>
+                <a:sym typeface="Consolas"/>
+              </a:rPr>
+              <a:t>//    var identity = MONAD();</a:t>
+            </a:r>
+          </a:p>
+          <a:p>
+            <a:pPr lvl="0" rtl="0">
+              <a:lnSpc>
+                <a:spcPct val="142857"/>
+              </a:lnSpc>
+              <a:spcBef>
+                <a:spcPts val="0"/>
+              </a:spcBef>
+              <a:spcAft>
+                <a:spcPts val="0"/>
+              </a:spcAft>
+              <a:buNone/>
+            </a:pPr>
+            <a:r>
+              <a:rPr lang="en" sz="600">
+                <a:solidFill>
+                  <a:srgbClr val="969896"/>
+                </a:solidFill>
+                <a:highlight>
+                  <a:srgbClr val="FFFFFF"/>
+                </a:highlight>
+                <a:latin typeface="Consolas"/>
+                <a:ea typeface="Consolas"/>
+                <a:cs typeface="Consolas"/>
+                <a:sym typeface="Consolas"/>
+              </a:rPr>
+              <a:t>//    var monad = identity("Hello world.");</a:t>
+            </a:r>
+          </a:p>
+          <a:p>
+            <a:pPr lvl="0" rtl="0">
+              <a:lnSpc>
+                <a:spcPct val="142857"/>
+              </a:lnSpc>
+              <a:spcBef>
+                <a:spcPts val="0"/>
+              </a:spcBef>
+              <a:spcAft>
+                <a:spcPts val="0"/>
+              </a:spcAft>
+              <a:buNone/>
+            </a:pPr>
+            <a:r>
+              <a:rPr lang="en" sz="600">
+                <a:solidFill>
+                  <a:srgbClr val="969896"/>
+                </a:solidFill>
+                <a:highlight>
+                  <a:srgbClr val="FFFFFF"/>
+                </a:highlight>
+                <a:latin typeface="Consolas"/>
+                <a:ea typeface="Consolas"/>
+                <a:cs typeface="Consolas"/>
+                <a:sym typeface="Consolas"/>
+              </a:rPr>
+              <a:t>//    monad.bind(alert);</a:t>
+            </a:r>
+          </a:p>
+        </p:txBody>
+      </p:sp>
+      <p:sp>
+        <p:nvSpPr>
+          <p:cNvPr id="78" name="Shape 78"/>
+          <p:cNvSpPr txBox="1"/>
+          <p:nvPr/>
+        </p:nvSpPr>
+        <p:spPr>
+          <a:xfrm>
+            <a:off x="4020350" y="293550"/>
+            <a:ext cx="4812000" cy="4569300"/>
+          </a:xfrm>
+          <a:prstGeom prst="rect">
+            <a:avLst/>
+          </a:prstGeom>
+          <a:noFill/>
+          <a:ln>
+            <a:noFill/>
+          </a:ln>
+        </p:spPr>
+        <p:txBody>
+          <a:bodyPr anchorCtr="0" anchor="t" bIns="91425" lIns="91425" rIns="91425" tIns="91425">
+            <a:noAutofit/>
+          </a:bodyPr>
+          <a:lstStyle/>
+          <a:p>
+            <a:pPr lvl="0" rtl="0">
+              <a:lnSpc>
+                <a:spcPct val="142857"/>
+              </a:lnSpc>
+              <a:spcBef>
+                <a:spcPts val="0"/>
+              </a:spcBef>
+              <a:buNone/>
+            </a:pPr>
+            <a:r>
+              <a:rPr lang="en" sz="600">
+                <a:solidFill>
+                  <a:srgbClr val="969896"/>
+                </a:solidFill>
+                <a:highlight>
+                  <a:srgbClr val="FFFFFF"/>
+                </a:highlight>
+                <a:latin typeface="Consolas"/>
+                <a:ea typeface="Consolas"/>
+                <a:cs typeface="Consolas"/>
+                <a:sym typeface="Consolas"/>
+              </a:rPr>
+              <a:t>//    var ajax = MONAD()</a:t>
+            </a:r>
+          </a:p>
+          <a:p>
+            <a:pPr lvl="0" rtl="0">
+              <a:lnSpc>
+                <a:spcPct val="142857"/>
+              </a:lnSpc>
+              <a:spcBef>
+                <a:spcPts val="0"/>
+              </a:spcBef>
+              <a:buNone/>
+            </a:pPr>
+            <a:r>
+              <a:rPr lang="en" sz="600">
+                <a:solidFill>
+                  <a:srgbClr val="969896"/>
+                </a:solidFill>
+                <a:highlight>
+                  <a:srgbClr val="FFFFFF"/>
+                </a:highlight>
+                <a:latin typeface="Consolas"/>
+                <a:ea typeface="Consolas"/>
+                <a:cs typeface="Consolas"/>
+                <a:sym typeface="Consolas"/>
+              </a:rPr>
+              <a:t>//        .lift('alert', alert);</a:t>
+            </a:r>
+          </a:p>
+          <a:p>
+            <a:pPr lvl="0" rtl="0">
+              <a:lnSpc>
+                <a:spcPct val="142857"/>
+              </a:lnSpc>
+              <a:spcBef>
+                <a:spcPts val="0"/>
+              </a:spcBef>
+              <a:buNone/>
+            </a:pPr>
+            <a:r>
+              <a:rPr lang="en" sz="600">
+                <a:solidFill>
+                  <a:srgbClr val="969896"/>
+                </a:solidFill>
+                <a:highlight>
+                  <a:srgbClr val="FFFFFF"/>
+                </a:highlight>
+                <a:latin typeface="Consolas"/>
+                <a:ea typeface="Consolas"/>
+                <a:cs typeface="Consolas"/>
+                <a:sym typeface="Consolas"/>
+              </a:rPr>
+              <a:t>//    var monad = ajax("Hello world.");</a:t>
+            </a:r>
+          </a:p>
+          <a:p>
+            <a:pPr lvl="0" rtl="0">
+              <a:lnSpc>
+                <a:spcPct val="142857"/>
+              </a:lnSpc>
+              <a:spcBef>
+                <a:spcPts val="0"/>
+              </a:spcBef>
+              <a:buNone/>
+            </a:pPr>
+            <a:r>
+              <a:rPr lang="en" sz="600">
+                <a:solidFill>
+                  <a:srgbClr val="969896"/>
+                </a:solidFill>
+                <a:highlight>
+                  <a:srgbClr val="FFFFFF"/>
+                </a:highlight>
+                <a:latin typeface="Consolas"/>
+                <a:ea typeface="Consolas"/>
+                <a:cs typeface="Consolas"/>
+                <a:sym typeface="Consolas"/>
+              </a:rPr>
+              <a:t>//    monad.alert();</a:t>
+            </a:r>
+          </a:p>
+          <a:p>
+            <a:pPr lvl="0" rtl="0">
+              <a:lnSpc>
+                <a:spcPct val="142857"/>
+              </a:lnSpc>
+              <a:spcBef>
+                <a:spcPts val="0"/>
+              </a:spcBef>
+              <a:buNone/>
+            </a:pPr>
+            <a:br>
+              <a:rPr lang="en" sz="600">
+                <a:solidFill>
+                  <a:srgbClr val="24292E"/>
+                </a:solidFill>
+                <a:highlight>
+                  <a:srgbClr val="FFFFFF"/>
+                </a:highlight>
+                <a:latin typeface="Consolas"/>
+                <a:ea typeface="Consolas"/>
+                <a:cs typeface="Consolas"/>
+                <a:sym typeface="Consolas"/>
+              </a:rPr>
+            </a:br>
+          </a:p>
+          <a:p>
+            <a:pPr lvl="0" rtl="0">
+              <a:lnSpc>
+                <a:spcPct val="142857"/>
+              </a:lnSpc>
+              <a:spcBef>
+                <a:spcPts val="0"/>
+              </a:spcBef>
+              <a:buNone/>
+            </a:pPr>
+            <a:r>
+              <a:rPr lang="en" sz="600">
+                <a:solidFill>
+                  <a:srgbClr val="969896"/>
+                </a:solidFill>
+                <a:highlight>
+                  <a:srgbClr val="FFFFFF"/>
+                </a:highlight>
+                <a:latin typeface="Consolas"/>
+                <a:ea typeface="Consolas"/>
+                <a:cs typeface="Consolas"/>
+                <a:sym typeface="Consolas"/>
+              </a:rPr>
+              <a:t>//    var maybe = MONAD(function (monad, value) {</a:t>
+            </a:r>
+          </a:p>
+          <a:p>
+            <a:pPr lvl="0" rtl="0">
+              <a:lnSpc>
+                <a:spcPct val="142857"/>
+              </a:lnSpc>
+              <a:spcBef>
+                <a:spcPts val="0"/>
+              </a:spcBef>
+              <a:buNone/>
+            </a:pPr>
+            <a:r>
+              <a:rPr lang="en" sz="600">
+                <a:solidFill>
+                  <a:srgbClr val="969896"/>
+                </a:solidFill>
+                <a:highlight>
+                  <a:srgbClr val="FFFFFF"/>
+                </a:highlight>
+                <a:latin typeface="Consolas"/>
+                <a:ea typeface="Consolas"/>
+                <a:cs typeface="Consolas"/>
+                <a:sym typeface="Consolas"/>
+              </a:rPr>
+              <a:t>//        if (value === null || value === undefined) {</a:t>
+            </a:r>
+          </a:p>
+          <a:p>
+            <a:pPr lvl="0" rtl="0">
+              <a:lnSpc>
+                <a:spcPct val="142857"/>
+              </a:lnSpc>
+              <a:spcBef>
+                <a:spcPts val="0"/>
+              </a:spcBef>
+              <a:buNone/>
+            </a:pPr>
+            <a:r>
+              <a:rPr lang="en" sz="600">
+                <a:solidFill>
+                  <a:srgbClr val="969896"/>
+                </a:solidFill>
+                <a:highlight>
+                  <a:srgbClr val="FFFFFF"/>
+                </a:highlight>
+                <a:latin typeface="Consolas"/>
+                <a:ea typeface="Consolas"/>
+                <a:cs typeface="Consolas"/>
+                <a:sym typeface="Consolas"/>
+              </a:rPr>
+              <a:t>//            monad.is_null = true;</a:t>
+            </a:r>
+          </a:p>
+          <a:p>
+            <a:pPr lvl="0" rtl="0">
+              <a:lnSpc>
+                <a:spcPct val="142857"/>
+              </a:lnSpc>
+              <a:spcBef>
+                <a:spcPts val="0"/>
+              </a:spcBef>
+              <a:buNone/>
+            </a:pPr>
+            <a:r>
+              <a:rPr lang="en" sz="600">
+                <a:solidFill>
+                  <a:srgbClr val="969896"/>
+                </a:solidFill>
+                <a:highlight>
+                  <a:srgbClr val="FFFFFF"/>
+                </a:highlight>
+                <a:latin typeface="Consolas"/>
+                <a:ea typeface="Consolas"/>
+                <a:cs typeface="Consolas"/>
+                <a:sym typeface="Consolas"/>
+              </a:rPr>
+              <a:t>//            monad.bind = function () {</a:t>
+            </a:r>
+          </a:p>
+          <a:p>
+            <a:pPr lvl="0" rtl="0">
+              <a:lnSpc>
+                <a:spcPct val="142857"/>
+              </a:lnSpc>
+              <a:spcBef>
+                <a:spcPts val="0"/>
+              </a:spcBef>
+              <a:buNone/>
+            </a:pPr>
+            <a:r>
+              <a:rPr lang="en" sz="600">
+                <a:solidFill>
+                  <a:srgbClr val="969896"/>
+                </a:solidFill>
+                <a:highlight>
+                  <a:srgbClr val="FFFFFF"/>
+                </a:highlight>
+                <a:latin typeface="Consolas"/>
+                <a:ea typeface="Consolas"/>
+                <a:cs typeface="Consolas"/>
+                <a:sym typeface="Consolas"/>
+              </a:rPr>
+              <a:t>//                return monad;</a:t>
+            </a:r>
+          </a:p>
+          <a:p>
+            <a:pPr lvl="0" rtl="0">
+              <a:lnSpc>
+                <a:spcPct val="142857"/>
+              </a:lnSpc>
+              <a:spcBef>
+                <a:spcPts val="0"/>
+              </a:spcBef>
+              <a:buNone/>
+            </a:pPr>
+            <a:r>
+              <a:rPr lang="en" sz="600">
+                <a:solidFill>
+                  <a:srgbClr val="969896"/>
+                </a:solidFill>
+                <a:highlight>
+                  <a:srgbClr val="FFFFFF"/>
+                </a:highlight>
+                <a:latin typeface="Consolas"/>
+                <a:ea typeface="Consolas"/>
+                <a:cs typeface="Consolas"/>
+                <a:sym typeface="Consolas"/>
+              </a:rPr>
+              <a:t>//            };</a:t>
+            </a:r>
+          </a:p>
+          <a:p>
+            <a:pPr lvl="0" rtl="0">
+              <a:lnSpc>
+                <a:spcPct val="142857"/>
+              </a:lnSpc>
+              <a:spcBef>
+                <a:spcPts val="0"/>
+              </a:spcBef>
+              <a:buNone/>
+            </a:pPr>
+            <a:r>
+              <a:rPr lang="en" sz="600">
+                <a:solidFill>
+                  <a:srgbClr val="969896"/>
+                </a:solidFill>
+                <a:highlight>
+                  <a:srgbClr val="FFFFFF"/>
+                </a:highlight>
+                <a:latin typeface="Consolas"/>
+                <a:ea typeface="Consolas"/>
+                <a:cs typeface="Consolas"/>
+                <a:sym typeface="Consolas"/>
+              </a:rPr>
+              <a:t>//            return null;</a:t>
+            </a:r>
+          </a:p>
+          <a:p>
+            <a:pPr lvl="0" rtl="0">
+              <a:lnSpc>
+                <a:spcPct val="142857"/>
+              </a:lnSpc>
+              <a:spcBef>
+                <a:spcPts val="0"/>
+              </a:spcBef>
+              <a:buNone/>
+            </a:pPr>
+            <a:r>
+              <a:rPr lang="en" sz="600">
+                <a:solidFill>
+                  <a:srgbClr val="969896"/>
+                </a:solidFill>
+                <a:highlight>
+                  <a:srgbClr val="FFFFFF"/>
+                </a:highlight>
+                <a:latin typeface="Consolas"/>
+                <a:ea typeface="Consolas"/>
+                <a:cs typeface="Consolas"/>
+                <a:sym typeface="Consolas"/>
+              </a:rPr>
+              <a:t>//        }</a:t>
+            </a:r>
+          </a:p>
+          <a:p>
+            <a:pPr lvl="0" rtl="0">
+              <a:lnSpc>
+                <a:spcPct val="142857"/>
+              </a:lnSpc>
+              <a:spcBef>
+                <a:spcPts val="0"/>
+              </a:spcBef>
+              <a:buNone/>
+            </a:pPr>
+            <a:r>
+              <a:rPr lang="en" sz="600">
+                <a:solidFill>
+                  <a:srgbClr val="969896"/>
+                </a:solidFill>
+                <a:highlight>
+                  <a:srgbClr val="FFFFFF"/>
+                </a:highlight>
+                <a:latin typeface="Consolas"/>
+                <a:ea typeface="Consolas"/>
+                <a:cs typeface="Consolas"/>
+                <a:sym typeface="Consolas"/>
+              </a:rPr>
+              <a:t>//        return value;</a:t>
+            </a:r>
+          </a:p>
+          <a:p>
+            <a:pPr lvl="0" rtl="0">
+              <a:lnSpc>
+                <a:spcPct val="142857"/>
+              </a:lnSpc>
+              <a:spcBef>
+                <a:spcPts val="0"/>
+              </a:spcBef>
+              <a:buNone/>
+            </a:pPr>
+            <a:r>
+              <a:rPr lang="en" sz="600">
+                <a:solidFill>
+                  <a:srgbClr val="969896"/>
+                </a:solidFill>
+                <a:highlight>
+                  <a:srgbClr val="FFFFFF"/>
+                </a:highlight>
+                <a:latin typeface="Consolas"/>
+                <a:ea typeface="Consolas"/>
+                <a:cs typeface="Consolas"/>
+                <a:sym typeface="Consolas"/>
+              </a:rPr>
+              <a:t>//    });</a:t>
+            </a:r>
+          </a:p>
+          <a:p>
+            <a:pPr lvl="0" rtl="0">
+              <a:lnSpc>
+                <a:spcPct val="142857"/>
+              </a:lnSpc>
+              <a:spcBef>
+                <a:spcPts val="0"/>
+              </a:spcBef>
+              <a:buNone/>
+            </a:pPr>
+            <a:r>
+              <a:rPr lang="en" sz="600">
+                <a:solidFill>
+                  <a:srgbClr val="969896"/>
+                </a:solidFill>
+                <a:highlight>
+                  <a:srgbClr val="FFFFFF"/>
+                </a:highlight>
+                <a:latin typeface="Consolas"/>
+                <a:ea typeface="Consolas"/>
+                <a:cs typeface="Consolas"/>
+                <a:sym typeface="Consolas"/>
+              </a:rPr>
+              <a:t>//    var monad = maybe(null);</a:t>
+            </a:r>
+          </a:p>
+          <a:p>
+            <a:pPr lvl="0" rtl="0">
+              <a:lnSpc>
+                <a:spcPct val="142857"/>
+              </a:lnSpc>
+              <a:spcBef>
+                <a:spcPts val="0"/>
+              </a:spcBef>
+              <a:buNone/>
+            </a:pPr>
+            <a:r>
+              <a:rPr lang="en" sz="600">
+                <a:solidFill>
+                  <a:srgbClr val="969896"/>
+                </a:solidFill>
+                <a:highlight>
+                  <a:srgbClr val="FFFFFF"/>
+                </a:highlight>
+                <a:latin typeface="Consolas"/>
+                <a:ea typeface="Consolas"/>
+                <a:cs typeface="Consolas"/>
+                <a:sym typeface="Consolas"/>
+              </a:rPr>
+              <a:t>//    monad.bind(alert);    // Nothing happens.</a:t>
+            </a:r>
+          </a:p>
+          <a:p>
+            <a:pPr lvl="0" rtl="0">
+              <a:lnSpc>
+                <a:spcPct val="142857"/>
+              </a:lnSpc>
+              <a:spcBef>
+                <a:spcPts val="0"/>
+              </a:spcBef>
+              <a:buNone/>
+            </a:pPr>
+            <a:br>
+              <a:rPr lang="en" sz="600">
+                <a:solidFill>
+                  <a:srgbClr val="24292E"/>
+                </a:solidFill>
+                <a:highlight>
+                  <a:srgbClr val="FFFFFF"/>
+                </a:highlight>
+                <a:latin typeface="Consolas"/>
+                <a:ea typeface="Consolas"/>
+                <a:cs typeface="Consolas"/>
+                <a:sym typeface="Consolas"/>
+              </a:rPr>
+            </a:br>
+          </a:p>
+          <a:p>
+            <a:pPr lvl="0" rtl="0">
+              <a:lnSpc>
+                <a:spcPct val="142857"/>
+              </a:lnSpc>
+              <a:spcBef>
+                <a:spcPts val="0"/>
+              </a:spcBef>
+              <a:buNone/>
+            </a:pPr>
+            <a:r>
+              <a:rPr lang="en" sz="600">
+                <a:solidFill>
+                  <a:srgbClr val="969896"/>
+                </a:solidFill>
+                <a:highlight>
+                  <a:srgbClr val="FFFFFF"/>
+                </a:highlight>
+                <a:latin typeface="Consolas"/>
+                <a:ea typeface="Consolas"/>
+                <a:cs typeface="Consolas"/>
+                <a:sym typeface="Consolas"/>
+              </a:rPr>
+              <a:t>/*jslint this */</a:t>
+            </a:r>
+          </a:p>
+          <a:p>
+            <a:pPr lvl="0" rtl="0">
+              <a:lnSpc>
+                <a:spcPct val="142857"/>
+              </a:lnSpc>
+              <a:spcBef>
+                <a:spcPts val="0"/>
+              </a:spcBef>
+              <a:buNone/>
+            </a:pPr>
+            <a:br>
+              <a:rPr lang="en" sz="600">
+                <a:solidFill>
+                  <a:srgbClr val="24292E"/>
+                </a:solidFill>
+                <a:highlight>
+                  <a:srgbClr val="FFFFFF"/>
+                </a:highlight>
+                <a:latin typeface="Consolas"/>
+                <a:ea typeface="Consolas"/>
+                <a:cs typeface="Consolas"/>
+                <a:sym typeface="Consolas"/>
+              </a:rPr>
+            </a:br>
+          </a:p>
+          <a:p>
+            <a:pPr lvl="0" rtl="0">
+              <a:lnSpc>
+                <a:spcPct val="142857"/>
+              </a:lnSpc>
+              <a:spcBef>
+                <a:spcPts val="0"/>
+              </a:spcBef>
+              <a:buNone/>
+            </a:pPr>
+            <a:r>
+              <a:rPr lang="en" sz="600">
+                <a:solidFill>
+                  <a:srgbClr val="A71D5D"/>
+                </a:solidFill>
+                <a:highlight>
+                  <a:srgbClr val="FFFFFF"/>
+                </a:highlight>
+                <a:latin typeface="Consolas"/>
+                <a:ea typeface="Consolas"/>
+                <a:cs typeface="Consolas"/>
+                <a:sym typeface="Consolas"/>
+              </a:rPr>
+              <a:t>function</a:t>
+            </a:r>
+            <a:r>
+              <a:rPr lang="en" sz="600">
+                <a:solidFill>
+                  <a:srgbClr val="24292E"/>
+                </a:solidFill>
+                <a:highlight>
+                  <a:srgbClr val="FFFFFF"/>
+                </a:highlight>
+                <a:latin typeface="Consolas"/>
+                <a:ea typeface="Consolas"/>
+                <a:cs typeface="Consolas"/>
+                <a:sym typeface="Consolas"/>
+              </a:rPr>
+              <a:t> </a:t>
+            </a:r>
+            <a:r>
+              <a:rPr lang="en" sz="600">
+                <a:solidFill>
+                  <a:srgbClr val="795DA3"/>
+                </a:solidFill>
+                <a:highlight>
+                  <a:srgbClr val="FFFFFF"/>
+                </a:highlight>
+                <a:latin typeface="Consolas"/>
+                <a:ea typeface="Consolas"/>
+                <a:cs typeface="Consolas"/>
+                <a:sym typeface="Consolas"/>
+              </a:rPr>
+              <a:t>MONAD</a:t>
+            </a:r>
+            <a:r>
+              <a:rPr lang="en" sz="600">
+                <a:solidFill>
+                  <a:srgbClr val="24292E"/>
+                </a:solidFill>
+                <a:highlight>
+                  <a:srgbClr val="FFFFFF"/>
+                </a:highlight>
+                <a:latin typeface="Consolas"/>
+                <a:ea typeface="Consolas"/>
+                <a:cs typeface="Consolas"/>
+                <a:sym typeface="Consolas"/>
+              </a:rPr>
+              <a:t>(</a:t>
+            </a:r>
+            <a:r>
+              <a:rPr lang="en" sz="600">
+                <a:solidFill>
+                  <a:srgbClr val="333333"/>
+                </a:solidFill>
+                <a:highlight>
+                  <a:srgbClr val="FFFFFF"/>
+                </a:highlight>
+                <a:latin typeface="Consolas"/>
+                <a:ea typeface="Consolas"/>
+                <a:cs typeface="Consolas"/>
+                <a:sym typeface="Consolas"/>
+              </a:rPr>
+              <a:t>modifier</a:t>
+            </a:r>
+            <a:r>
+              <a:rPr lang="en" sz="600">
+                <a:solidFill>
+                  <a:srgbClr val="24292E"/>
+                </a:solidFill>
+                <a:highlight>
+                  <a:srgbClr val="FFFFFF"/>
+                </a:highlight>
+                <a:latin typeface="Consolas"/>
+                <a:ea typeface="Consolas"/>
+                <a:cs typeface="Consolas"/>
+                <a:sym typeface="Consolas"/>
+              </a:rPr>
+              <a:t>) {</a:t>
+            </a:r>
+          </a:p>
+          <a:p>
+            <a:pPr lvl="0" rtl="0">
+              <a:lnSpc>
+                <a:spcPct val="142857"/>
+              </a:lnSpc>
+              <a:spcBef>
+                <a:spcPts val="0"/>
+              </a:spcBef>
+              <a:buNone/>
+            </a:pPr>
+            <a:r>
+              <a:rPr lang="en" sz="600">
+                <a:solidFill>
+                  <a:srgbClr val="24292E"/>
+                </a:solidFill>
+                <a:highlight>
+                  <a:srgbClr val="FFFFFF"/>
+                </a:highlight>
+                <a:latin typeface="Consolas"/>
+                <a:ea typeface="Consolas"/>
+                <a:cs typeface="Consolas"/>
+                <a:sym typeface="Consolas"/>
+              </a:rPr>
+              <a:t>   </a:t>
+            </a:r>
+            <a:r>
+              <a:rPr lang="en" sz="600">
+                <a:solidFill>
+                  <a:srgbClr val="183691"/>
+                </a:solidFill>
+                <a:highlight>
+                  <a:srgbClr val="FFFFFF"/>
+                </a:highlight>
+                <a:latin typeface="Consolas"/>
+                <a:ea typeface="Consolas"/>
+                <a:cs typeface="Consolas"/>
+                <a:sym typeface="Consolas"/>
+              </a:rPr>
+              <a:t>'use strict'</a:t>
+            </a:r>
+            <a:r>
+              <a:rPr lang="en" sz="600">
+                <a:solidFill>
+                  <a:srgbClr val="24292E"/>
+                </a:solidFill>
+                <a:highlight>
+                  <a:srgbClr val="FFFFFF"/>
+                </a:highlight>
+                <a:latin typeface="Consolas"/>
+                <a:ea typeface="Consolas"/>
+                <a:cs typeface="Consolas"/>
+                <a:sym typeface="Consolas"/>
+              </a:rPr>
+              <a:t>;</a:t>
+            </a:r>
+          </a:p>
+          <a:p>
+            <a:pPr lvl="0" rtl="0">
+              <a:lnSpc>
+                <a:spcPct val="142857"/>
+              </a:lnSpc>
+              <a:spcBef>
+                <a:spcPts val="0"/>
+              </a:spcBef>
+              <a:buNone/>
+            </a:pPr>
+            <a:br>
+              <a:rPr lang="en" sz="600">
+                <a:solidFill>
+                  <a:srgbClr val="24292E"/>
+                </a:solidFill>
+                <a:highlight>
+                  <a:srgbClr val="FFFFFF"/>
+                </a:highlight>
+                <a:latin typeface="Consolas"/>
+                <a:ea typeface="Consolas"/>
+                <a:cs typeface="Consolas"/>
+                <a:sym typeface="Consolas"/>
+              </a:rPr>
+            </a:br>
+          </a:p>
+          <a:p>
+            <a:pPr lvl="0" rtl="0">
+              <a:lnSpc>
+                <a:spcPct val="142857"/>
+              </a:lnSpc>
+              <a:spcBef>
+                <a:spcPts val="0"/>
+              </a:spcBef>
+              <a:buNone/>
+            </a:pPr>
+            <a:r>
+              <a:rPr lang="en" sz="600">
+                <a:solidFill>
+                  <a:srgbClr val="969896"/>
+                </a:solidFill>
+                <a:highlight>
+                  <a:srgbClr val="FFFFFF"/>
+                </a:highlight>
+                <a:latin typeface="Consolas"/>
+                <a:ea typeface="Consolas"/>
+                <a:cs typeface="Consolas"/>
+                <a:sym typeface="Consolas"/>
+              </a:rPr>
+              <a:t>// Each unit constructor has a monad prototype. The prototype will contain an</a:t>
+            </a:r>
+          </a:p>
+          <a:p>
+            <a:pPr lvl="0" rtl="0">
+              <a:lnSpc>
+                <a:spcPct val="142857"/>
+              </a:lnSpc>
+              <a:spcBef>
+                <a:spcPts val="0"/>
+              </a:spcBef>
+              <a:buNone/>
+            </a:pPr>
+            <a:r>
+              <a:rPr lang="en" sz="600">
+                <a:solidFill>
+                  <a:srgbClr val="969896"/>
+                </a:solidFill>
+                <a:highlight>
+                  <a:srgbClr val="FFFFFF"/>
+                </a:highlight>
+                <a:latin typeface="Consolas"/>
+                <a:ea typeface="Consolas"/>
+                <a:cs typeface="Consolas"/>
+                <a:sym typeface="Consolas"/>
+              </a:rPr>
+              <a:t>// is_monad property for classification, as well as all inheritable methods.</a:t>
+            </a:r>
+          </a:p>
+          <a:p>
+            <a:pPr lvl="0" rtl="0">
+              <a:lnSpc>
+                <a:spcPct val="142857"/>
+              </a:lnSpc>
+              <a:spcBef>
+                <a:spcPts val="0"/>
+              </a:spcBef>
+              <a:buNone/>
+            </a:pPr>
+            <a:br>
+              <a:rPr lang="en" sz="600">
+                <a:solidFill>
+                  <a:srgbClr val="24292E"/>
+                </a:solidFill>
+                <a:highlight>
+                  <a:srgbClr val="FFFFFF"/>
+                </a:highlight>
+                <a:latin typeface="Consolas"/>
+                <a:ea typeface="Consolas"/>
+                <a:cs typeface="Consolas"/>
+                <a:sym typeface="Consolas"/>
+              </a:rPr>
+            </a:br>
+          </a:p>
+          <a:p>
+            <a:pPr lvl="0" rtl="0">
+              <a:lnSpc>
+                <a:spcPct val="142857"/>
+              </a:lnSpc>
+              <a:spcBef>
+                <a:spcPts val="0"/>
+              </a:spcBef>
+              <a:buNone/>
+            </a:pPr>
+            <a:r>
+              <a:rPr lang="en" sz="600">
+                <a:solidFill>
+                  <a:srgbClr val="24292E"/>
+                </a:solidFill>
+                <a:highlight>
+                  <a:srgbClr val="FFFFFF"/>
+                </a:highlight>
+                <a:latin typeface="Consolas"/>
+                <a:ea typeface="Consolas"/>
+                <a:cs typeface="Consolas"/>
+                <a:sym typeface="Consolas"/>
+              </a:rPr>
+              <a:t>   </a:t>
+            </a:r>
+            <a:r>
+              <a:rPr lang="en" sz="600">
+                <a:solidFill>
+                  <a:srgbClr val="A71D5D"/>
+                </a:solidFill>
+                <a:highlight>
+                  <a:srgbClr val="FFFFFF"/>
+                </a:highlight>
+                <a:latin typeface="Consolas"/>
+                <a:ea typeface="Consolas"/>
+                <a:cs typeface="Consolas"/>
+                <a:sym typeface="Consolas"/>
+              </a:rPr>
+              <a:t>var</a:t>
+            </a:r>
+            <a:r>
+              <a:rPr lang="en" sz="600">
+                <a:solidFill>
+                  <a:srgbClr val="24292E"/>
+                </a:solidFill>
+                <a:highlight>
+                  <a:srgbClr val="FFFFFF"/>
+                </a:highlight>
+                <a:latin typeface="Consolas"/>
+                <a:ea typeface="Consolas"/>
+                <a:cs typeface="Consolas"/>
+                <a:sym typeface="Consolas"/>
+              </a:rPr>
+              <a:t> prototype </a:t>
+            </a:r>
+            <a:r>
+              <a:rPr lang="en" sz="600">
+                <a:solidFill>
+                  <a:srgbClr val="A71D5D"/>
+                </a:solidFill>
+                <a:highlight>
+                  <a:srgbClr val="FFFFFF"/>
+                </a:highlight>
+                <a:latin typeface="Consolas"/>
+                <a:ea typeface="Consolas"/>
+                <a:cs typeface="Consolas"/>
+                <a:sym typeface="Consolas"/>
+              </a:rPr>
+              <a:t>=</a:t>
+            </a:r>
+            <a:r>
+              <a:rPr lang="en" sz="600">
+                <a:solidFill>
+                  <a:srgbClr val="24292E"/>
+                </a:solidFill>
+                <a:highlight>
+                  <a:srgbClr val="FFFFFF"/>
+                </a:highlight>
+                <a:latin typeface="Consolas"/>
+                <a:ea typeface="Consolas"/>
+                <a:cs typeface="Consolas"/>
+                <a:sym typeface="Consolas"/>
+              </a:rPr>
+              <a:t> </a:t>
+            </a:r>
+            <a:r>
+              <a:rPr lang="en" sz="600">
+                <a:solidFill>
+                  <a:srgbClr val="0086B3"/>
+                </a:solidFill>
+                <a:highlight>
+                  <a:srgbClr val="FFFFFF"/>
+                </a:highlight>
+                <a:latin typeface="Consolas"/>
+                <a:ea typeface="Consolas"/>
+                <a:cs typeface="Consolas"/>
+                <a:sym typeface="Consolas"/>
+              </a:rPr>
+              <a:t>Object</a:t>
+            </a:r>
+            <a:r>
+              <a:rPr lang="en" sz="600">
+                <a:solidFill>
+                  <a:srgbClr val="24292E"/>
+                </a:solidFill>
+                <a:highlight>
+                  <a:srgbClr val="FFFFFF"/>
+                </a:highlight>
+                <a:latin typeface="Consolas"/>
+                <a:ea typeface="Consolas"/>
+                <a:cs typeface="Consolas"/>
+                <a:sym typeface="Consolas"/>
+              </a:rPr>
+              <a:t>.</a:t>
+            </a:r>
+            <a:r>
+              <a:rPr lang="en" sz="600">
+                <a:solidFill>
+                  <a:srgbClr val="795DA3"/>
+                </a:solidFill>
+                <a:highlight>
+                  <a:srgbClr val="FFFFFF"/>
+                </a:highlight>
+                <a:latin typeface="Consolas"/>
+                <a:ea typeface="Consolas"/>
+                <a:cs typeface="Consolas"/>
+                <a:sym typeface="Consolas"/>
+              </a:rPr>
+              <a:t>create</a:t>
+            </a:r>
+            <a:r>
+              <a:rPr lang="en" sz="600">
+                <a:solidFill>
+                  <a:srgbClr val="24292E"/>
+                </a:solidFill>
+                <a:highlight>
+                  <a:srgbClr val="FFFFFF"/>
+                </a:highlight>
+                <a:latin typeface="Consolas"/>
+                <a:ea typeface="Consolas"/>
+                <a:cs typeface="Consolas"/>
+                <a:sym typeface="Consolas"/>
+              </a:rPr>
+              <a:t>(</a:t>
+            </a:r>
+            <a:r>
+              <a:rPr lang="en" sz="600">
+                <a:solidFill>
+                  <a:srgbClr val="0086B3"/>
+                </a:solidFill>
+                <a:highlight>
+                  <a:srgbClr val="FFFFFF"/>
+                </a:highlight>
+                <a:latin typeface="Consolas"/>
+                <a:ea typeface="Consolas"/>
+                <a:cs typeface="Consolas"/>
+                <a:sym typeface="Consolas"/>
+              </a:rPr>
+              <a:t>null</a:t>
+            </a:r>
+            <a:r>
+              <a:rPr lang="en" sz="600">
+                <a:solidFill>
+                  <a:srgbClr val="24292E"/>
+                </a:solidFill>
+                <a:highlight>
+                  <a:srgbClr val="FFFFFF"/>
+                </a:highlight>
+                <a:latin typeface="Consolas"/>
+                <a:ea typeface="Consolas"/>
+                <a:cs typeface="Consolas"/>
+                <a:sym typeface="Consolas"/>
+              </a:rPr>
+              <a:t>);</a:t>
+            </a:r>
+          </a:p>
+          <a:p>
+            <a:pPr lvl="0" rtl="0">
+              <a:lnSpc>
+                <a:spcPct val="142857"/>
+              </a:lnSpc>
+              <a:spcBef>
+                <a:spcPts val="0"/>
+              </a:spcBef>
+              <a:buNone/>
+            </a:pPr>
+            <a:r>
+              <a:rPr lang="en" sz="600">
+                <a:solidFill>
+                  <a:srgbClr val="24292E"/>
+                </a:solidFill>
+                <a:highlight>
+                  <a:srgbClr val="FFFFFF"/>
+                </a:highlight>
+                <a:latin typeface="Consolas"/>
+                <a:ea typeface="Consolas"/>
+                <a:cs typeface="Consolas"/>
+                <a:sym typeface="Consolas"/>
+              </a:rPr>
+              <a:t>   </a:t>
+            </a:r>
+            <a:r>
+              <a:rPr lang="en" sz="600">
+                <a:solidFill>
+                  <a:srgbClr val="333333"/>
+                </a:solidFill>
+                <a:highlight>
+                  <a:srgbClr val="FFFFFF"/>
+                </a:highlight>
+                <a:latin typeface="Consolas"/>
+                <a:ea typeface="Consolas"/>
+                <a:cs typeface="Consolas"/>
+                <a:sym typeface="Consolas"/>
+              </a:rPr>
+              <a:t>prototype</a:t>
+            </a:r>
+            <a:r>
+              <a:rPr lang="en" sz="600">
+                <a:solidFill>
+                  <a:srgbClr val="24292E"/>
+                </a:solidFill>
+                <a:highlight>
+                  <a:srgbClr val="FFFFFF"/>
+                </a:highlight>
+                <a:latin typeface="Consolas"/>
+                <a:ea typeface="Consolas"/>
+                <a:cs typeface="Consolas"/>
+                <a:sym typeface="Consolas"/>
+              </a:rPr>
+              <a:t>.</a:t>
+            </a:r>
+            <a:r>
+              <a:rPr lang="en" sz="600">
+                <a:solidFill>
+                  <a:srgbClr val="333333"/>
+                </a:solidFill>
+                <a:highlight>
+                  <a:srgbClr val="FFFFFF"/>
+                </a:highlight>
+                <a:latin typeface="Consolas"/>
+                <a:ea typeface="Consolas"/>
+                <a:cs typeface="Consolas"/>
+                <a:sym typeface="Consolas"/>
+              </a:rPr>
+              <a:t>is_monad</a:t>
+            </a:r>
+            <a:r>
+              <a:rPr lang="en" sz="600">
+                <a:solidFill>
+                  <a:srgbClr val="24292E"/>
+                </a:solidFill>
+                <a:highlight>
+                  <a:srgbClr val="FFFFFF"/>
+                </a:highlight>
+                <a:latin typeface="Consolas"/>
+                <a:ea typeface="Consolas"/>
+                <a:cs typeface="Consolas"/>
+                <a:sym typeface="Consolas"/>
+              </a:rPr>
+              <a:t> </a:t>
+            </a:r>
+            <a:r>
+              <a:rPr lang="en" sz="600">
+                <a:solidFill>
+                  <a:srgbClr val="A71D5D"/>
+                </a:solidFill>
+                <a:highlight>
+                  <a:srgbClr val="FFFFFF"/>
+                </a:highlight>
+                <a:latin typeface="Consolas"/>
+                <a:ea typeface="Consolas"/>
+                <a:cs typeface="Consolas"/>
+                <a:sym typeface="Consolas"/>
+              </a:rPr>
+              <a:t>=</a:t>
+            </a:r>
+            <a:r>
+              <a:rPr lang="en" sz="600">
+                <a:solidFill>
+                  <a:srgbClr val="24292E"/>
+                </a:solidFill>
+                <a:highlight>
+                  <a:srgbClr val="FFFFFF"/>
+                </a:highlight>
+                <a:latin typeface="Consolas"/>
+                <a:ea typeface="Consolas"/>
+                <a:cs typeface="Consolas"/>
+                <a:sym typeface="Consolas"/>
+              </a:rPr>
+              <a:t> </a:t>
+            </a:r>
+            <a:r>
+              <a:rPr lang="en" sz="600">
+                <a:solidFill>
+                  <a:srgbClr val="0086B3"/>
+                </a:solidFill>
+                <a:highlight>
+                  <a:srgbClr val="FFFFFF"/>
+                </a:highlight>
+                <a:latin typeface="Consolas"/>
+                <a:ea typeface="Consolas"/>
+                <a:cs typeface="Consolas"/>
+                <a:sym typeface="Consolas"/>
+              </a:rPr>
+              <a:t>true</a:t>
+            </a:r>
+            <a:r>
+              <a:rPr lang="en" sz="600">
+                <a:solidFill>
+                  <a:srgbClr val="24292E"/>
+                </a:solidFill>
+                <a:highlight>
+                  <a:srgbClr val="FFFFFF"/>
+                </a:highlight>
+                <a:latin typeface="Consolas"/>
+                <a:ea typeface="Consolas"/>
+                <a:cs typeface="Consolas"/>
+                <a:sym typeface="Consolas"/>
+              </a:rPr>
+              <a:t>;</a:t>
+            </a:r>
+          </a:p>
+        </p:txBody>
+      </p:sp>
+    </p:spTree>
+  </p:cSld>
+  <p:clrMapOvr>
+    <a:masterClrMapping/>
+  </p:clrMapOvr>
+</p:sld>
+</file>
+
+<file path=ppt/slides/slide4.xml><?xml version="1.0" encoding="utf-8"?>
+<p:sld xmlns:a="http://schemas.openxmlformats.org/drawingml/2006/main" xmlns:r="http://schemas.openxmlformats.org/officeDocument/2006/relationships" xmlns:mc="http://schemas.openxmlformats.org/markup-compatibility/2006" xmlns:mv="urn:schemas-microsoft-com:mac:vml" xmlns:p="http://schemas.openxmlformats.org/presentationml/2006/main" xmlns:c="http://schemas.openxmlformats.org/drawingml/2006/chart" xmlns:dgm="http://schemas.openxmlformats.org/drawingml/2006/diagram" xmlns:o="urn:schemas-microsoft-com:office:office" xmlns:v="urn:schemas-microsoft-com:vml" xmlns:pvml="urn:schemas-microsoft-com:office:powerpoint" xmlns:com="http://schemas.openxmlformats.org/drawingml/2006/compatibility" xmlns:p14="http://schemas.microsoft.com/office/powerpoint/2010/main">
+  <p:cSld>
+    <p:spTree>
+      <p:nvGrpSpPr>
+        <p:cNvPr id="82" name="Shape 82"/>
+        <p:cNvGrpSpPr/>
+        <p:nvPr/>
+      </p:nvGrpSpPr>
+      <p:grpSpPr>
+        <a:xfrm>
+          <a:off x="0" y="0"/>
+          <a:ext cx="0" cy="0"/>
+          <a:chOff x="0" y="0"/>
+          <a:chExt cx="0" cy="0"/>
+        </a:xfrm>
+      </p:grpSpPr>
+      <p:sp>
+        <p:nvSpPr>
+          <p:cNvPr id="83" name="Shape 83"/>
+          <p:cNvSpPr txBox="1"/>
+          <p:nvPr>
+            <p:ph type="title"/>
+          </p:nvPr>
+        </p:nvSpPr>
+        <p:spPr>
+          <a:xfrm>
+            <a:off x="311700" y="445025"/>
+            <a:ext cx="8520600" cy="572700"/>
+          </a:xfrm>
+          <a:prstGeom prst="rect">
+            <a:avLst/>
+          </a:prstGeom>
+        </p:spPr>
+        <p:txBody>
+          <a:bodyPr anchorCtr="0" anchor="t" bIns="91425" lIns="91425" rIns="91425" tIns="91425">
+            <a:noAutofit/>
+          </a:bodyPr>
+          <a:lstStyle/>
+          <a:p>
             <a:pPr lvl="0">
               <a:spcBef>
                 <a:spcPts val="0"/>
@@ -4852,6 +6792,4391 @@
               <a:t/>
             </a:r>
             <a:endParaRPr/>
+          </a:p>
+        </p:txBody>
+      </p:sp>
+      <p:sp>
+        <p:nvSpPr>
+          <p:cNvPr id="84" name="Shape 84"/>
+          <p:cNvSpPr txBox="1"/>
+          <p:nvPr>
+            <p:ph idx="1" type="body"/>
+          </p:nvPr>
+        </p:nvSpPr>
+        <p:spPr>
+          <a:xfrm>
+            <a:off x="311700" y="191450"/>
+            <a:ext cx="4002300" cy="4377300"/>
+          </a:xfrm>
+          <a:prstGeom prst="rect">
+            <a:avLst/>
+          </a:prstGeom>
+        </p:spPr>
+        <p:txBody>
+          <a:bodyPr anchorCtr="0" anchor="t" bIns="91425" lIns="91425" rIns="91425" tIns="91425">
+            <a:noAutofit/>
+          </a:bodyPr>
+          <a:lstStyle/>
+          <a:p>
+            <a:pPr lvl="0" rtl="0">
+              <a:lnSpc>
+                <a:spcPct val="142857"/>
+              </a:lnSpc>
+              <a:spcBef>
+                <a:spcPts val="0"/>
+              </a:spcBef>
+              <a:spcAft>
+                <a:spcPts val="0"/>
+              </a:spcAft>
+              <a:buNone/>
+            </a:pPr>
+            <a:r>
+              <a:rPr lang="en" sz="600">
+                <a:solidFill>
+                  <a:srgbClr val="969896"/>
+                </a:solidFill>
+                <a:highlight>
+                  <a:srgbClr val="FFFFFF"/>
+                </a:highlight>
+                <a:latin typeface="Consolas"/>
+                <a:ea typeface="Consolas"/>
+                <a:cs typeface="Consolas"/>
+                <a:sym typeface="Consolas"/>
+              </a:rPr>
+              <a:t>// Each call to MONAD will produce a new unit constructor function.</a:t>
+            </a:r>
+          </a:p>
+          <a:p>
+            <a:pPr lvl="0" rtl="0">
+              <a:lnSpc>
+                <a:spcPct val="142857"/>
+              </a:lnSpc>
+              <a:spcBef>
+                <a:spcPts val="0"/>
+              </a:spcBef>
+              <a:spcAft>
+                <a:spcPts val="0"/>
+              </a:spcAft>
+              <a:buNone/>
+            </a:pPr>
+            <a:br>
+              <a:rPr lang="en" sz="600">
+                <a:solidFill>
+                  <a:srgbClr val="24292E"/>
+                </a:solidFill>
+                <a:highlight>
+                  <a:srgbClr val="FFFFFF"/>
+                </a:highlight>
+                <a:latin typeface="Consolas"/>
+                <a:ea typeface="Consolas"/>
+                <a:cs typeface="Consolas"/>
+                <a:sym typeface="Consolas"/>
+              </a:rPr>
+            </a:br>
+          </a:p>
+          <a:p>
+            <a:pPr lvl="0" rtl="0">
+              <a:lnSpc>
+                <a:spcPct val="142857"/>
+              </a:lnSpc>
+              <a:spcBef>
+                <a:spcPts val="0"/>
+              </a:spcBef>
+              <a:spcAft>
+                <a:spcPts val="0"/>
+              </a:spcAft>
+              <a:buNone/>
+            </a:pPr>
+            <a:r>
+              <a:rPr lang="en" sz="600">
+                <a:solidFill>
+                  <a:srgbClr val="24292E"/>
+                </a:solidFill>
+                <a:highlight>
+                  <a:srgbClr val="FFFFFF"/>
+                </a:highlight>
+                <a:latin typeface="Consolas"/>
+                <a:ea typeface="Consolas"/>
+                <a:cs typeface="Consolas"/>
+                <a:sym typeface="Consolas"/>
+              </a:rPr>
+              <a:t>   </a:t>
+            </a:r>
+            <a:r>
+              <a:rPr lang="en" sz="600">
+                <a:solidFill>
+                  <a:srgbClr val="A71D5D"/>
+                </a:solidFill>
+                <a:highlight>
+                  <a:srgbClr val="FFFFFF"/>
+                </a:highlight>
+                <a:latin typeface="Consolas"/>
+                <a:ea typeface="Consolas"/>
+                <a:cs typeface="Consolas"/>
+                <a:sym typeface="Consolas"/>
+              </a:rPr>
+              <a:t>function</a:t>
+            </a:r>
+            <a:r>
+              <a:rPr lang="en" sz="600">
+                <a:solidFill>
+                  <a:srgbClr val="24292E"/>
+                </a:solidFill>
+                <a:highlight>
+                  <a:srgbClr val="FFFFFF"/>
+                </a:highlight>
+                <a:latin typeface="Consolas"/>
+                <a:ea typeface="Consolas"/>
+                <a:cs typeface="Consolas"/>
+                <a:sym typeface="Consolas"/>
+              </a:rPr>
+              <a:t> </a:t>
+            </a:r>
+            <a:r>
+              <a:rPr lang="en" sz="600">
+                <a:solidFill>
+                  <a:srgbClr val="795DA3"/>
+                </a:solidFill>
+                <a:highlight>
+                  <a:srgbClr val="FFFFFF"/>
+                </a:highlight>
+                <a:latin typeface="Consolas"/>
+                <a:ea typeface="Consolas"/>
+                <a:cs typeface="Consolas"/>
+                <a:sym typeface="Consolas"/>
+              </a:rPr>
+              <a:t>unit</a:t>
+            </a:r>
+            <a:r>
+              <a:rPr lang="en" sz="600">
+                <a:solidFill>
+                  <a:srgbClr val="24292E"/>
+                </a:solidFill>
+                <a:highlight>
+                  <a:srgbClr val="FFFFFF"/>
+                </a:highlight>
+                <a:latin typeface="Consolas"/>
+                <a:ea typeface="Consolas"/>
+                <a:cs typeface="Consolas"/>
+                <a:sym typeface="Consolas"/>
+              </a:rPr>
+              <a:t>(</a:t>
+            </a:r>
+            <a:r>
+              <a:rPr lang="en" sz="600">
+                <a:solidFill>
+                  <a:srgbClr val="333333"/>
+                </a:solidFill>
+                <a:highlight>
+                  <a:srgbClr val="FFFFFF"/>
+                </a:highlight>
+                <a:latin typeface="Consolas"/>
+                <a:ea typeface="Consolas"/>
+                <a:cs typeface="Consolas"/>
+                <a:sym typeface="Consolas"/>
+              </a:rPr>
+              <a:t>value</a:t>
+            </a:r>
+            <a:r>
+              <a:rPr lang="en" sz="600">
+                <a:solidFill>
+                  <a:srgbClr val="24292E"/>
+                </a:solidFill>
+                <a:highlight>
+                  <a:srgbClr val="FFFFFF"/>
+                </a:highlight>
+                <a:latin typeface="Consolas"/>
+                <a:ea typeface="Consolas"/>
+                <a:cs typeface="Consolas"/>
+                <a:sym typeface="Consolas"/>
+              </a:rPr>
+              <a:t>) {</a:t>
+            </a:r>
+          </a:p>
+          <a:p>
+            <a:pPr lvl="0" rtl="0">
+              <a:lnSpc>
+                <a:spcPct val="142857"/>
+              </a:lnSpc>
+              <a:spcBef>
+                <a:spcPts val="0"/>
+              </a:spcBef>
+              <a:spcAft>
+                <a:spcPts val="0"/>
+              </a:spcAft>
+              <a:buNone/>
+            </a:pPr>
+            <a:br>
+              <a:rPr lang="en" sz="600">
+                <a:solidFill>
+                  <a:srgbClr val="24292E"/>
+                </a:solidFill>
+                <a:highlight>
+                  <a:srgbClr val="FFFFFF"/>
+                </a:highlight>
+                <a:latin typeface="Consolas"/>
+                <a:ea typeface="Consolas"/>
+                <a:cs typeface="Consolas"/>
+                <a:sym typeface="Consolas"/>
+              </a:rPr>
+            </a:br>
+          </a:p>
+          <a:p>
+            <a:pPr lvl="0" rtl="0">
+              <a:lnSpc>
+                <a:spcPct val="142857"/>
+              </a:lnSpc>
+              <a:spcBef>
+                <a:spcPts val="0"/>
+              </a:spcBef>
+              <a:spcAft>
+                <a:spcPts val="0"/>
+              </a:spcAft>
+              <a:buNone/>
+            </a:pPr>
+            <a:r>
+              <a:rPr lang="en" sz="600">
+                <a:solidFill>
+                  <a:srgbClr val="969896"/>
+                </a:solidFill>
+                <a:highlight>
+                  <a:srgbClr val="FFFFFF"/>
+                </a:highlight>
+                <a:latin typeface="Consolas"/>
+                <a:ea typeface="Consolas"/>
+                <a:cs typeface="Consolas"/>
+                <a:sym typeface="Consolas"/>
+              </a:rPr>
+              <a:t>// Construct a new monad.</a:t>
+            </a:r>
+          </a:p>
+          <a:p>
+            <a:pPr lvl="0" rtl="0">
+              <a:lnSpc>
+                <a:spcPct val="142857"/>
+              </a:lnSpc>
+              <a:spcBef>
+                <a:spcPts val="0"/>
+              </a:spcBef>
+              <a:spcAft>
+                <a:spcPts val="0"/>
+              </a:spcAft>
+              <a:buNone/>
+            </a:pPr>
+            <a:br>
+              <a:rPr lang="en" sz="600">
+                <a:solidFill>
+                  <a:srgbClr val="24292E"/>
+                </a:solidFill>
+                <a:highlight>
+                  <a:srgbClr val="FFFFFF"/>
+                </a:highlight>
+                <a:latin typeface="Consolas"/>
+                <a:ea typeface="Consolas"/>
+                <a:cs typeface="Consolas"/>
+                <a:sym typeface="Consolas"/>
+              </a:rPr>
+            </a:br>
+          </a:p>
+          <a:p>
+            <a:pPr lvl="0" rtl="0">
+              <a:lnSpc>
+                <a:spcPct val="142857"/>
+              </a:lnSpc>
+              <a:spcBef>
+                <a:spcPts val="0"/>
+              </a:spcBef>
+              <a:spcAft>
+                <a:spcPts val="0"/>
+              </a:spcAft>
+              <a:buNone/>
+            </a:pPr>
+            <a:r>
+              <a:rPr lang="en" sz="600">
+                <a:solidFill>
+                  <a:srgbClr val="24292E"/>
+                </a:solidFill>
+                <a:highlight>
+                  <a:srgbClr val="FFFFFF"/>
+                </a:highlight>
+                <a:latin typeface="Consolas"/>
+                <a:ea typeface="Consolas"/>
+                <a:cs typeface="Consolas"/>
+                <a:sym typeface="Consolas"/>
+              </a:rPr>
+              <a:t>       </a:t>
+            </a:r>
+            <a:r>
+              <a:rPr lang="en" sz="600">
+                <a:solidFill>
+                  <a:srgbClr val="A71D5D"/>
+                </a:solidFill>
+                <a:highlight>
+                  <a:srgbClr val="FFFFFF"/>
+                </a:highlight>
+                <a:latin typeface="Consolas"/>
+                <a:ea typeface="Consolas"/>
+                <a:cs typeface="Consolas"/>
+                <a:sym typeface="Consolas"/>
+              </a:rPr>
+              <a:t>var</a:t>
+            </a:r>
+            <a:r>
+              <a:rPr lang="en" sz="600">
+                <a:solidFill>
+                  <a:srgbClr val="24292E"/>
+                </a:solidFill>
+                <a:highlight>
+                  <a:srgbClr val="FFFFFF"/>
+                </a:highlight>
+                <a:latin typeface="Consolas"/>
+                <a:ea typeface="Consolas"/>
+                <a:cs typeface="Consolas"/>
+                <a:sym typeface="Consolas"/>
+              </a:rPr>
+              <a:t> monad </a:t>
+            </a:r>
+            <a:r>
+              <a:rPr lang="en" sz="600">
+                <a:solidFill>
+                  <a:srgbClr val="A71D5D"/>
+                </a:solidFill>
+                <a:highlight>
+                  <a:srgbClr val="FFFFFF"/>
+                </a:highlight>
+                <a:latin typeface="Consolas"/>
+                <a:ea typeface="Consolas"/>
+                <a:cs typeface="Consolas"/>
+                <a:sym typeface="Consolas"/>
+              </a:rPr>
+              <a:t>=</a:t>
+            </a:r>
+            <a:r>
+              <a:rPr lang="en" sz="600">
+                <a:solidFill>
+                  <a:srgbClr val="24292E"/>
+                </a:solidFill>
+                <a:highlight>
+                  <a:srgbClr val="FFFFFF"/>
+                </a:highlight>
+                <a:latin typeface="Consolas"/>
+                <a:ea typeface="Consolas"/>
+                <a:cs typeface="Consolas"/>
+                <a:sym typeface="Consolas"/>
+              </a:rPr>
+              <a:t> </a:t>
+            </a:r>
+            <a:r>
+              <a:rPr lang="en" sz="600">
+                <a:solidFill>
+                  <a:srgbClr val="0086B3"/>
+                </a:solidFill>
+                <a:highlight>
+                  <a:srgbClr val="FFFFFF"/>
+                </a:highlight>
+                <a:latin typeface="Consolas"/>
+                <a:ea typeface="Consolas"/>
+                <a:cs typeface="Consolas"/>
+                <a:sym typeface="Consolas"/>
+              </a:rPr>
+              <a:t>Object</a:t>
+            </a:r>
+            <a:r>
+              <a:rPr lang="en" sz="600">
+                <a:solidFill>
+                  <a:srgbClr val="24292E"/>
+                </a:solidFill>
+                <a:highlight>
+                  <a:srgbClr val="FFFFFF"/>
+                </a:highlight>
+                <a:latin typeface="Consolas"/>
+                <a:ea typeface="Consolas"/>
+                <a:cs typeface="Consolas"/>
+                <a:sym typeface="Consolas"/>
+              </a:rPr>
+              <a:t>.</a:t>
+            </a:r>
+            <a:r>
+              <a:rPr lang="en" sz="600">
+                <a:solidFill>
+                  <a:srgbClr val="795DA3"/>
+                </a:solidFill>
+                <a:highlight>
+                  <a:srgbClr val="FFFFFF"/>
+                </a:highlight>
+                <a:latin typeface="Consolas"/>
+                <a:ea typeface="Consolas"/>
+                <a:cs typeface="Consolas"/>
+                <a:sym typeface="Consolas"/>
+              </a:rPr>
+              <a:t>create</a:t>
+            </a:r>
+            <a:r>
+              <a:rPr lang="en" sz="600">
+                <a:solidFill>
+                  <a:srgbClr val="24292E"/>
+                </a:solidFill>
+                <a:highlight>
+                  <a:srgbClr val="FFFFFF"/>
+                </a:highlight>
+                <a:latin typeface="Consolas"/>
+                <a:ea typeface="Consolas"/>
+                <a:cs typeface="Consolas"/>
+                <a:sym typeface="Consolas"/>
+              </a:rPr>
+              <a:t>(prototype);</a:t>
+            </a:r>
+          </a:p>
+          <a:p>
+            <a:pPr lvl="0" rtl="0">
+              <a:lnSpc>
+                <a:spcPct val="142857"/>
+              </a:lnSpc>
+              <a:spcBef>
+                <a:spcPts val="0"/>
+              </a:spcBef>
+              <a:spcAft>
+                <a:spcPts val="0"/>
+              </a:spcAft>
+              <a:buNone/>
+            </a:pPr>
+            <a:br>
+              <a:rPr lang="en" sz="600">
+                <a:solidFill>
+                  <a:srgbClr val="24292E"/>
+                </a:solidFill>
+                <a:highlight>
+                  <a:srgbClr val="FFFFFF"/>
+                </a:highlight>
+                <a:latin typeface="Consolas"/>
+                <a:ea typeface="Consolas"/>
+                <a:cs typeface="Consolas"/>
+                <a:sym typeface="Consolas"/>
+              </a:rPr>
+            </a:br>
+          </a:p>
+          <a:p>
+            <a:pPr lvl="0" rtl="0">
+              <a:lnSpc>
+                <a:spcPct val="142857"/>
+              </a:lnSpc>
+              <a:spcBef>
+                <a:spcPts val="0"/>
+              </a:spcBef>
+              <a:spcAft>
+                <a:spcPts val="0"/>
+              </a:spcAft>
+              <a:buNone/>
+            </a:pPr>
+            <a:r>
+              <a:rPr lang="en" sz="600">
+                <a:solidFill>
+                  <a:srgbClr val="969896"/>
+                </a:solidFill>
+                <a:highlight>
+                  <a:srgbClr val="FFFFFF"/>
+                </a:highlight>
+                <a:latin typeface="Consolas"/>
+                <a:ea typeface="Consolas"/>
+                <a:cs typeface="Consolas"/>
+                <a:sym typeface="Consolas"/>
+              </a:rPr>
+              <a:t>// In some mythologies 'bind' is called 'pipe' or '&gt;&gt;='.</a:t>
+            </a:r>
+          </a:p>
+          <a:p>
+            <a:pPr lvl="0" rtl="0">
+              <a:lnSpc>
+                <a:spcPct val="142857"/>
+              </a:lnSpc>
+              <a:spcBef>
+                <a:spcPts val="0"/>
+              </a:spcBef>
+              <a:spcAft>
+                <a:spcPts val="0"/>
+              </a:spcAft>
+              <a:buNone/>
+            </a:pPr>
+            <a:r>
+              <a:rPr lang="en" sz="600">
+                <a:solidFill>
+                  <a:srgbClr val="969896"/>
+                </a:solidFill>
+                <a:highlight>
+                  <a:srgbClr val="FFFFFF"/>
+                </a:highlight>
+                <a:latin typeface="Consolas"/>
+                <a:ea typeface="Consolas"/>
+                <a:cs typeface="Consolas"/>
+                <a:sym typeface="Consolas"/>
+              </a:rPr>
+              <a:t>// The bind method will deliver the unit's value parameter to a function.</a:t>
+            </a:r>
+          </a:p>
+          <a:p>
+            <a:pPr lvl="0" rtl="0">
+              <a:lnSpc>
+                <a:spcPct val="142857"/>
+              </a:lnSpc>
+              <a:spcBef>
+                <a:spcPts val="0"/>
+              </a:spcBef>
+              <a:spcAft>
+                <a:spcPts val="0"/>
+              </a:spcAft>
+              <a:buNone/>
+            </a:pPr>
+            <a:br>
+              <a:rPr lang="en" sz="600">
+                <a:solidFill>
+                  <a:srgbClr val="24292E"/>
+                </a:solidFill>
+                <a:highlight>
+                  <a:srgbClr val="FFFFFF"/>
+                </a:highlight>
+                <a:latin typeface="Consolas"/>
+                <a:ea typeface="Consolas"/>
+                <a:cs typeface="Consolas"/>
+                <a:sym typeface="Consolas"/>
+              </a:rPr>
+            </a:br>
+          </a:p>
+          <a:p>
+            <a:pPr lvl="0" rtl="0">
+              <a:lnSpc>
+                <a:spcPct val="142857"/>
+              </a:lnSpc>
+              <a:spcBef>
+                <a:spcPts val="0"/>
+              </a:spcBef>
+              <a:spcAft>
+                <a:spcPts val="0"/>
+              </a:spcAft>
+              <a:buNone/>
+            </a:pPr>
+            <a:r>
+              <a:rPr lang="en" sz="600">
+                <a:solidFill>
+                  <a:srgbClr val="24292E"/>
+                </a:solidFill>
+                <a:highlight>
+                  <a:srgbClr val="FFFFFF"/>
+                </a:highlight>
+                <a:latin typeface="Consolas"/>
+                <a:ea typeface="Consolas"/>
+                <a:cs typeface="Consolas"/>
+                <a:sym typeface="Consolas"/>
+              </a:rPr>
+              <a:t>       </a:t>
+            </a:r>
+            <a:r>
+              <a:rPr lang="en" sz="600">
+                <a:solidFill>
+                  <a:srgbClr val="333333"/>
+                </a:solidFill>
+                <a:highlight>
+                  <a:srgbClr val="FFFFFF"/>
+                </a:highlight>
+                <a:latin typeface="Consolas"/>
+                <a:ea typeface="Consolas"/>
+                <a:cs typeface="Consolas"/>
+                <a:sym typeface="Consolas"/>
+              </a:rPr>
+              <a:t>monad</a:t>
+            </a:r>
+            <a:r>
+              <a:rPr lang="en" sz="600">
+                <a:solidFill>
+                  <a:srgbClr val="24292E"/>
+                </a:solidFill>
+                <a:highlight>
+                  <a:srgbClr val="FFFFFF"/>
+                </a:highlight>
+                <a:latin typeface="Consolas"/>
+                <a:ea typeface="Consolas"/>
+                <a:cs typeface="Consolas"/>
+                <a:sym typeface="Consolas"/>
+              </a:rPr>
+              <a:t>.</a:t>
+            </a:r>
+            <a:r>
+              <a:rPr lang="en" sz="600">
+                <a:solidFill>
+                  <a:srgbClr val="795DA3"/>
+                </a:solidFill>
+                <a:highlight>
+                  <a:srgbClr val="FFFFFF"/>
+                </a:highlight>
+                <a:latin typeface="Consolas"/>
+                <a:ea typeface="Consolas"/>
+                <a:cs typeface="Consolas"/>
+                <a:sym typeface="Consolas"/>
+              </a:rPr>
+              <a:t>bind</a:t>
+            </a:r>
+            <a:r>
+              <a:rPr lang="en" sz="600">
+                <a:solidFill>
+                  <a:srgbClr val="24292E"/>
+                </a:solidFill>
+                <a:highlight>
+                  <a:srgbClr val="FFFFFF"/>
+                </a:highlight>
+                <a:latin typeface="Consolas"/>
+                <a:ea typeface="Consolas"/>
+                <a:cs typeface="Consolas"/>
+                <a:sym typeface="Consolas"/>
+              </a:rPr>
+              <a:t> </a:t>
+            </a:r>
+            <a:r>
+              <a:rPr lang="en" sz="600">
+                <a:solidFill>
+                  <a:srgbClr val="A71D5D"/>
+                </a:solidFill>
+                <a:highlight>
+                  <a:srgbClr val="FFFFFF"/>
+                </a:highlight>
+                <a:latin typeface="Consolas"/>
+                <a:ea typeface="Consolas"/>
+                <a:cs typeface="Consolas"/>
+                <a:sym typeface="Consolas"/>
+              </a:rPr>
+              <a:t>=</a:t>
+            </a:r>
+            <a:r>
+              <a:rPr lang="en" sz="600">
+                <a:solidFill>
+                  <a:srgbClr val="24292E"/>
+                </a:solidFill>
+                <a:highlight>
+                  <a:srgbClr val="FFFFFF"/>
+                </a:highlight>
+                <a:latin typeface="Consolas"/>
+                <a:ea typeface="Consolas"/>
+                <a:cs typeface="Consolas"/>
+                <a:sym typeface="Consolas"/>
+              </a:rPr>
+              <a:t> </a:t>
+            </a:r>
+            <a:r>
+              <a:rPr lang="en" sz="600">
+                <a:solidFill>
+                  <a:srgbClr val="A71D5D"/>
+                </a:solidFill>
+                <a:highlight>
+                  <a:srgbClr val="FFFFFF"/>
+                </a:highlight>
+                <a:latin typeface="Consolas"/>
+                <a:ea typeface="Consolas"/>
+                <a:cs typeface="Consolas"/>
+                <a:sym typeface="Consolas"/>
+              </a:rPr>
+              <a:t>function</a:t>
+            </a:r>
+            <a:r>
+              <a:rPr lang="en" sz="600">
+                <a:solidFill>
+                  <a:srgbClr val="24292E"/>
+                </a:solidFill>
+                <a:highlight>
+                  <a:srgbClr val="FFFFFF"/>
+                </a:highlight>
+                <a:latin typeface="Consolas"/>
+                <a:ea typeface="Consolas"/>
+                <a:cs typeface="Consolas"/>
+                <a:sym typeface="Consolas"/>
+              </a:rPr>
+              <a:t> (</a:t>
+            </a:r>
+            <a:r>
+              <a:rPr lang="en" sz="600">
+                <a:solidFill>
+                  <a:srgbClr val="333333"/>
+                </a:solidFill>
+                <a:highlight>
+                  <a:srgbClr val="FFFFFF"/>
+                </a:highlight>
+                <a:latin typeface="Consolas"/>
+                <a:ea typeface="Consolas"/>
+                <a:cs typeface="Consolas"/>
+                <a:sym typeface="Consolas"/>
+              </a:rPr>
+              <a:t>func</a:t>
+            </a:r>
+            <a:r>
+              <a:rPr lang="en" sz="600">
+                <a:solidFill>
+                  <a:srgbClr val="24292E"/>
+                </a:solidFill>
+                <a:highlight>
+                  <a:srgbClr val="FFFFFF"/>
+                </a:highlight>
+                <a:latin typeface="Consolas"/>
+                <a:ea typeface="Consolas"/>
+                <a:cs typeface="Consolas"/>
+                <a:sym typeface="Consolas"/>
+              </a:rPr>
+              <a:t>, </a:t>
+            </a:r>
+            <a:r>
+              <a:rPr lang="en" sz="600">
+                <a:solidFill>
+                  <a:srgbClr val="333333"/>
+                </a:solidFill>
+                <a:highlight>
+                  <a:srgbClr val="FFFFFF"/>
+                </a:highlight>
+                <a:latin typeface="Consolas"/>
+                <a:ea typeface="Consolas"/>
+                <a:cs typeface="Consolas"/>
+                <a:sym typeface="Consolas"/>
+              </a:rPr>
+              <a:t>args</a:t>
+            </a:r>
+            <a:r>
+              <a:rPr lang="en" sz="600">
+                <a:solidFill>
+                  <a:srgbClr val="24292E"/>
+                </a:solidFill>
+                <a:highlight>
+                  <a:srgbClr val="FFFFFF"/>
+                </a:highlight>
+                <a:latin typeface="Consolas"/>
+                <a:ea typeface="Consolas"/>
+                <a:cs typeface="Consolas"/>
+                <a:sym typeface="Consolas"/>
+              </a:rPr>
+              <a:t>) {</a:t>
+            </a:r>
+          </a:p>
+          <a:p>
+            <a:pPr lvl="0" rtl="0">
+              <a:lnSpc>
+                <a:spcPct val="142857"/>
+              </a:lnSpc>
+              <a:spcBef>
+                <a:spcPts val="0"/>
+              </a:spcBef>
+              <a:spcAft>
+                <a:spcPts val="0"/>
+              </a:spcAft>
+              <a:buNone/>
+            </a:pPr>
+            <a:br>
+              <a:rPr lang="en" sz="600">
+                <a:solidFill>
+                  <a:srgbClr val="24292E"/>
+                </a:solidFill>
+                <a:highlight>
+                  <a:srgbClr val="FFFFFF"/>
+                </a:highlight>
+                <a:latin typeface="Consolas"/>
+                <a:ea typeface="Consolas"/>
+                <a:cs typeface="Consolas"/>
+                <a:sym typeface="Consolas"/>
+              </a:rPr>
+            </a:br>
+          </a:p>
+          <a:p>
+            <a:pPr lvl="0" rtl="0">
+              <a:lnSpc>
+                <a:spcPct val="142857"/>
+              </a:lnSpc>
+              <a:spcBef>
+                <a:spcPts val="0"/>
+              </a:spcBef>
+              <a:spcAft>
+                <a:spcPts val="0"/>
+              </a:spcAft>
+              <a:buNone/>
+            </a:pPr>
+            <a:r>
+              <a:rPr lang="en" sz="600">
+                <a:solidFill>
+                  <a:srgbClr val="969896"/>
+                </a:solidFill>
+                <a:highlight>
+                  <a:srgbClr val="FFFFFF"/>
+                </a:highlight>
+                <a:latin typeface="Consolas"/>
+                <a:ea typeface="Consolas"/>
+                <a:cs typeface="Consolas"/>
+                <a:sym typeface="Consolas"/>
+              </a:rPr>
+              <a:t>// bind takes a function and an optional array of arguments. It calls that</a:t>
+            </a:r>
+          </a:p>
+          <a:p>
+            <a:pPr lvl="0" rtl="0">
+              <a:lnSpc>
+                <a:spcPct val="142857"/>
+              </a:lnSpc>
+              <a:spcBef>
+                <a:spcPts val="0"/>
+              </a:spcBef>
+              <a:spcAft>
+                <a:spcPts val="0"/>
+              </a:spcAft>
+              <a:buNone/>
+            </a:pPr>
+            <a:r>
+              <a:rPr lang="en" sz="600">
+                <a:solidFill>
+                  <a:srgbClr val="969896"/>
+                </a:solidFill>
+                <a:highlight>
+                  <a:srgbClr val="FFFFFF"/>
+                </a:highlight>
+                <a:latin typeface="Consolas"/>
+                <a:ea typeface="Consolas"/>
+                <a:cs typeface="Consolas"/>
+                <a:sym typeface="Consolas"/>
+              </a:rPr>
+              <a:t>// function passing the monad's value and bind's optional array of args.</a:t>
+            </a:r>
+          </a:p>
+          <a:p>
+            <a:pPr lvl="0" rtl="0">
+              <a:lnSpc>
+                <a:spcPct val="142857"/>
+              </a:lnSpc>
+              <a:spcBef>
+                <a:spcPts val="0"/>
+              </a:spcBef>
+              <a:spcAft>
+                <a:spcPts val="0"/>
+              </a:spcAft>
+              <a:buNone/>
+            </a:pPr>
+            <a:br>
+              <a:rPr lang="en" sz="600">
+                <a:solidFill>
+                  <a:srgbClr val="24292E"/>
+                </a:solidFill>
+                <a:highlight>
+                  <a:srgbClr val="FFFFFF"/>
+                </a:highlight>
+                <a:latin typeface="Consolas"/>
+                <a:ea typeface="Consolas"/>
+                <a:cs typeface="Consolas"/>
+                <a:sym typeface="Consolas"/>
+              </a:rPr>
+            </a:br>
+          </a:p>
+          <a:p>
+            <a:pPr lvl="0" rtl="0">
+              <a:lnSpc>
+                <a:spcPct val="142857"/>
+              </a:lnSpc>
+              <a:spcBef>
+                <a:spcPts val="0"/>
+              </a:spcBef>
+              <a:spcAft>
+                <a:spcPts val="0"/>
+              </a:spcAft>
+              <a:buNone/>
+            </a:pPr>
+            <a:r>
+              <a:rPr lang="en" sz="600">
+                <a:solidFill>
+                  <a:srgbClr val="969896"/>
+                </a:solidFill>
+                <a:highlight>
+                  <a:srgbClr val="FFFFFF"/>
+                </a:highlight>
+                <a:latin typeface="Consolas"/>
+                <a:ea typeface="Consolas"/>
+                <a:cs typeface="Consolas"/>
+                <a:sym typeface="Consolas"/>
+              </a:rPr>
+              <a:t>// With ES6, this horrible return statement can be replaced with</a:t>
+            </a:r>
+          </a:p>
+          <a:p>
+            <a:pPr lvl="0" rtl="0">
+              <a:lnSpc>
+                <a:spcPct val="142857"/>
+              </a:lnSpc>
+              <a:spcBef>
+                <a:spcPts val="0"/>
+              </a:spcBef>
+              <a:spcAft>
+                <a:spcPts val="0"/>
+              </a:spcAft>
+              <a:buNone/>
+            </a:pPr>
+            <a:br>
+              <a:rPr lang="en" sz="600">
+                <a:solidFill>
+                  <a:srgbClr val="24292E"/>
+                </a:solidFill>
+                <a:highlight>
+                  <a:srgbClr val="FFFFFF"/>
+                </a:highlight>
+                <a:latin typeface="Consolas"/>
+                <a:ea typeface="Consolas"/>
+                <a:cs typeface="Consolas"/>
+                <a:sym typeface="Consolas"/>
+              </a:rPr>
+            </a:br>
+          </a:p>
+          <a:p>
+            <a:pPr lvl="0" rtl="0">
+              <a:lnSpc>
+                <a:spcPct val="142857"/>
+              </a:lnSpc>
+              <a:spcBef>
+                <a:spcPts val="0"/>
+              </a:spcBef>
+              <a:spcAft>
+                <a:spcPts val="0"/>
+              </a:spcAft>
+              <a:buNone/>
+            </a:pPr>
+            <a:r>
+              <a:rPr lang="en" sz="600">
+                <a:solidFill>
+                  <a:srgbClr val="969896"/>
+                </a:solidFill>
+                <a:highlight>
+                  <a:srgbClr val="FFFFFF"/>
+                </a:highlight>
+                <a:latin typeface="Consolas"/>
+                <a:ea typeface="Consolas"/>
+                <a:cs typeface="Consolas"/>
+                <a:sym typeface="Consolas"/>
+              </a:rPr>
+              <a:t>//          return func(value, ...args);</a:t>
+            </a:r>
+          </a:p>
+          <a:p>
+            <a:pPr lvl="0" rtl="0">
+              <a:lnSpc>
+                <a:spcPct val="142857"/>
+              </a:lnSpc>
+              <a:spcBef>
+                <a:spcPts val="0"/>
+              </a:spcBef>
+              <a:spcAft>
+                <a:spcPts val="0"/>
+              </a:spcAft>
+              <a:buNone/>
+            </a:pPr>
+            <a:br>
+              <a:rPr lang="en" sz="600">
+                <a:solidFill>
+                  <a:srgbClr val="24292E"/>
+                </a:solidFill>
+                <a:highlight>
+                  <a:srgbClr val="FFFFFF"/>
+                </a:highlight>
+                <a:latin typeface="Consolas"/>
+                <a:ea typeface="Consolas"/>
+                <a:cs typeface="Consolas"/>
+                <a:sym typeface="Consolas"/>
+              </a:rPr>
+            </a:br>
+          </a:p>
+          <a:p>
+            <a:pPr lvl="0" rtl="0">
+              <a:lnSpc>
+                <a:spcPct val="142857"/>
+              </a:lnSpc>
+              <a:spcBef>
+                <a:spcPts val="0"/>
+              </a:spcBef>
+              <a:spcAft>
+                <a:spcPts val="0"/>
+              </a:spcAft>
+              <a:buNone/>
+            </a:pPr>
+            <a:r>
+              <a:rPr lang="en" sz="600">
+                <a:solidFill>
+                  <a:srgbClr val="24292E"/>
+                </a:solidFill>
+                <a:highlight>
+                  <a:srgbClr val="FFFFFF"/>
+                </a:highlight>
+                <a:latin typeface="Consolas"/>
+                <a:ea typeface="Consolas"/>
+                <a:cs typeface="Consolas"/>
+                <a:sym typeface="Consolas"/>
+              </a:rPr>
+              <a:t>           </a:t>
+            </a:r>
+            <a:r>
+              <a:rPr lang="en" sz="600">
+                <a:solidFill>
+                  <a:srgbClr val="A71D5D"/>
+                </a:solidFill>
+                <a:highlight>
+                  <a:srgbClr val="FFFFFF"/>
+                </a:highlight>
+                <a:latin typeface="Consolas"/>
+                <a:ea typeface="Consolas"/>
+                <a:cs typeface="Consolas"/>
+                <a:sym typeface="Consolas"/>
+              </a:rPr>
+              <a:t>return</a:t>
+            </a:r>
+            <a:r>
+              <a:rPr lang="en" sz="600">
+                <a:solidFill>
+                  <a:srgbClr val="24292E"/>
+                </a:solidFill>
+                <a:highlight>
+                  <a:srgbClr val="FFFFFF"/>
+                </a:highlight>
+                <a:latin typeface="Consolas"/>
+                <a:ea typeface="Consolas"/>
+                <a:cs typeface="Consolas"/>
+                <a:sym typeface="Consolas"/>
+              </a:rPr>
+              <a:t> </a:t>
+            </a:r>
+            <a:r>
+              <a:rPr lang="en" sz="600">
+                <a:solidFill>
+                  <a:srgbClr val="333333"/>
+                </a:solidFill>
+                <a:highlight>
+                  <a:srgbClr val="FFFFFF"/>
+                </a:highlight>
+                <a:latin typeface="Consolas"/>
+                <a:ea typeface="Consolas"/>
+                <a:cs typeface="Consolas"/>
+                <a:sym typeface="Consolas"/>
+              </a:rPr>
+              <a:t>func</a:t>
+            </a:r>
+            <a:r>
+              <a:rPr lang="en" sz="600">
+                <a:solidFill>
+                  <a:srgbClr val="24292E"/>
+                </a:solidFill>
+                <a:highlight>
+                  <a:srgbClr val="FFFFFF"/>
+                </a:highlight>
+                <a:latin typeface="Consolas"/>
+                <a:ea typeface="Consolas"/>
+                <a:cs typeface="Consolas"/>
+                <a:sym typeface="Consolas"/>
+              </a:rPr>
+              <a:t>.</a:t>
+            </a:r>
+            <a:r>
+              <a:rPr lang="en" sz="600">
+                <a:solidFill>
+                  <a:srgbClr val="0086B3"/>
+                </a:solidFill>
+                <a:highlight>
+                  <a:srgbClr val="FFFFFF"/>
+                </a:highlight>
+                <a:latin typeface="Consolas"/>
+                <a:ea typeface="Consolas"/>
+                <a:cs typeface="Consolas"/>
+                <a:sym typeface="Consolas"/>
+              </a:rPr>
+              <a:t>apply</a:t>
+            </a:r>
+            <a:r>
+              <a:rPr lang="en" sz="600">
+                <a:solidFill>
+                  <a:srgbClr val="24292E"/>
+                </a:solidFill>
+                <a:highlight>
+                  <a:srgbClr val="FFFFFF"/>
+                </a:highlight>
+                <a:latin typeface="Consolas"/>
+                <a:ea typeface="Consolas"/>
+                <a:cs typeface="Consolas"/>
+                <a:sym typeface="Consolas"/>
+              </a:rPr>
+              <a:t>(</a:t>
+            </a:r>
+          </a:p>
+          <a:p>
+            <a:pPr lvl="0" rtl="0">
+              <a:lnSpc>
+                <a:spcPct val="142857"/>
+              </a:lnSpc>
+              <a:spcBef>
+                <a:spcPts val="0"/>
+              </a:spcBef>
+              <a:spcAft>
+                <a:spcPts val="0"/>
+              </a:spcAft>
+              <a:buNone/>
+            </a:pPr>
+            <a:r>
+              <a:rPr lang="en" sz="600">
+                <a:solidFill>
+                  <a:srgbClr val="24292E"/>
+                </a:solidFill>
+                <a:highlight>
+                  <a:srgbClr val="FFFFFF"/>
+                </a:highlight>
+                <a:latin typeface="Consolas"/>
+                <a:ea typeface="Consolas"/>
+                <a:cs typeface="Consolas"/>
+                <a:sym typeface="Consolas"/>
+              </a:rPr>
+              <a:t>               </a:t>
+            </a:r>
+            <a:r>
+              <a:rPr lang="en" sz="600">
+                <a:solidFill>
+                  <a:srgbClr val="0086B3"/>
+                </a:solidFill>
+                <a:highlight>
+                  <a:srgbClr val="FFFFFF"/>
+                </a:highlight>
+                <a:latin typeface="Consolas"/>
+                <a:ea typeface="Consolas"/>
+                <a:cs typeface="Consolas"/>
+                <a:sym typeface="Consolas"/>
+              </a:rPr>
+              <a:t>undefined</a:t>
+            </a:r>
+            <a:r>
+              <a:rPr lang="en" sz="600">
+                <a:solidFill>
+                  <a:srgbClr val="24292E"/>
+                </a:solidFill>
+                <a:highlight>
+                  <a:srgbClr val="FFFFFF"/>
+                </a:highlight>
+                <a:latin typeface="Consolas"/>
+                <a:ea typeface="Consolas"/>
+                <a:cs typeface="Consolas"/>
+                <a:sym typeface="Consolas"/>
+              </a:rPr>
+              <a:t>,</a:t>
+            </a:r>
+          </a:p>
+          <a:p>
+            <a:pPr lvl="0" rtl="0">
+              <a:lnSpc>
+                <a:spcPct val="142857"/>
+              </a:lnSpc>
+              <a:spcBef>
+                <a:spcPts val="0"/>
+              </a:spcBef>
+              <a:spcAft>
+                <a:spcPts val="0"/>
+              </a:spcAft>
+              <a:buNone/>
+            </a:pPr>
+            <a:r>
+              <a:rPr lang="en" sz="600">
+                <a:solidFill>
+                  <a:srgbClr val="24292E"/>
+                </a:solidFill>
+                <a:highlight>
+                  <a:srgbClr val="FFFFFF"/>
+                </a:highlight>
+                <a:latin typeface="Consolas"/>
+                <a:ea typeface="Consolas"/>
+                <a:cs typeface="Consolas"/>
+                <a:sym typeface="Consolas"/>
+              </a:rPr>
+              <a:t>               [value].</a:t>
+            </a:r>
+            <a:r>
+              <a:rPr lang="en" sz="600">
+                <a:solidFill>
+                  <a:srgbClr val="0086B3"/>
+                </a:solidFill>
+                <a:highlight>
+                  <a:srgbClr val="FFFFFF"/>
+                </a:highlight>
+                <a:latin typeface="Consolas"/>
+                <a:ea typeface="Consolas"/>
+                <a:cs typeface="Consolas"/>
+                <a:sym typeface="Consolas"/>
+              </a:rPr>
+              <a:t>concat</a:t>
+            </a:r>
+            <a:r>
+              <a:rPr lang="en" sz="600">
+                <a:solidFill>
+                  <a:srgbClr val="24292E"/>
+                </a:solidFill>
+                <a:highlight>
+                  <a:srgbClr val="FFFFFF"/>
+                </a:highlight>
+                <a:latin typeface="Consolas"/>
+                <a:ea typeface="Consolas"/>
+                <a:cs typeface="Consolas"/>
+                <a:sym typeface="Consolas"/>
+              </a:rPr>
+              <a:t>(</a:t>
+            </a:r>
+            <a:r>
+              <a:rPr lang="en" sz="600">
+                <a:solidFill>
+                  <a:srgbClr val="0086B3"/>
+                </a:solidFill>
+                <a:highlight>
+                  <a:srgbClr val="FFFFFF"/>
+                </a:highlight>
+                <a:latin typeface="Consolas"/>
+                <a:ea typeface="Consolas"/>
+                <a:cs typeface="Consolas"/>
+                <a:sym typeface="Consolas"/>
+              </a:rPr>
+              <a:t>Array</a:t>
+            </a:r>
+            <a:r>
+              <a:rPr lang="en" sz="600">
+                <a:solidFill>
+                  <a:srgbClr val="24292E"/>
+                </a:solidFill>
+                <a:highlight>
+                  <a:srgbClr val="FFFFFF"/>
+                </a:highlight>
+                <a:latin typeface="Consolas"/>
+                <a:ea typeface="Consolas"/>
+                <a:cs typeface="Consolas"/>
+                <a:sym typeface="Consolas"/>
+              </a:rPr>
+              <a:t>.</a:t>
+            </a:r>
+            <a:r>
+              <a:rPr lang="en" sz="600">
+                <a:solidFill>
+                  <a:srgbClr val="0086B3"/>
+                </a:solidFill>
+                <a:highlight>
+                  <a:srgbClr val="FFFFFF"/>
+                </a:highlight>
+                <a:latin typeface="Consolas"/>
+                <a:ea typeface="Consolas"/>
+                <a:cs typeface="Consolas"/>
+                <a:sym typeface="Consolas"/>
+              </a:rPr>
+              <a:t>prototype</a:t>
+            </a:r>
+            <a:r>
+              <a:rPr lang="en" sz="600">
+                <a:solidFill>
+                  <a:srgbClr val="24292E"/>
+                </a:solidFill>
+                <a:highlight>
+                  <a:srgbClr val="FFFFFF"/>
+                </a:highlight>
+                <a:latin typeface="Consolas"/>
+                <a:ea typeface="Consolas"/>
+                <a:cs typeface="Consolas"/>
+                <a:sym typeface="Consolas"/>
+              </a:rPr>
+              <a:t>.</a:t>
+            </a:r>
+            <a:r>
+              <a:rPr lang="en" sz="600">
+                <a:solidFill>
+                  <a:srgbClr val="333333"/>
+                </a:solidFill>
+                <a:highlight>
+                  <a:srgbClr val="FFFFFF"/>
+                </a:highlight>
+                <a:latin typeface="Consolas"/>
+                <a:ea typeface="Consolas"/>
+                <a:cs typeface="Consolas"/>
+                <a:sym typeface="Consolas"/>
+              </a:rPr>
+              <a:t>slice</a:t>
+            </a:r>
+            <a:r>
+              <a:rPr lang="en" sz="600">
+                <a:solidFill>
+                  <a:srgbClr val="24292E"/>
+                </a:solidFill>
+                <a:highlight>
+                  <a:srgbClr val="FFFFFF"/>
+                </a:highlight>
+                <a:latin typeface="Consolas"/>
+                <a:ea typeface="Consolas"/>
+                <a:cs typeface="Consolas"/>
+                <a:sym typeface="Consolas"/>
+              </a:rPr>
+              <a:t>.</a:t>
+            </a:r>
+            <a:r>
+              <a:rPr lang="en" sz="600">
+                <a:solidFill>
+                  <a:srgbClr val="0086B3"/>
+                </a:solidFill>
+                <a:highlight>
+                  <a:srgbClr val="FFFFFF"/>
+                </a:highlight>
+                <a:latin typeface="Consolas"/>
+                <a:ea typeface="Consolas"/>
+                <a:cs typeface="Consolas"/>
+                <a:sym typeface="Consolas"/>
+              </a:rPr>
+              <a:t>apply</a:t>
+            </a:r>
+            <a:r>
+              <a:rPr lang="en" sz="600">
+                <a:solidFill>
+                  <a:srgbClr val="24292E"/>
+                </a:solidFill>
+                <a:highlight>
+                  <a:srgbClr val="FFFFFF"/>
+                </a:highlight>
+                <a:latin typeface="Consolas"/>
+                <a:ea typeface="Consolas"/>
+                <a:cs typeface="Consolas"/>
+                <a:sym typeface="Consolas"/>
+              </a:rPr>
+              <a:t>(args </a:t>
+            </a:r>
+            <a:r>
+              <a:rPr lang="en" sz="600">
+                <a:solidFill>
+                  <a:srgbClr val="A71D5D"/>
+                </a:solidFill>
+                <a:highlight>
+                  <a:srgbClr val="FFFFFF"/>
+                </a:highlight>
+                <a:latin typeface="Consolas"/>
+                <a:ea typeface="Consolas"/>
+                <a:cs typeface="Consolas"/>
+                <a:sym typeface="Consolas"/>
+              </a:rPr>
+              <a:t>||</a:t>
+            </a:r>
+            <a:r>
+              <a:rPr lang="en" sz="600">
+                <a:solidFill>
+                  <a:srgbClr val="24292E"/>
+                </a:solidFill>
+                <a:highlight>
+                  <a:srgbClr val="FFFFFF"/>
+                </a:highlight>
+                <a:latin typeface="Consolas"/>
+                <a:ea typeface="Consolas"/>
+                <a:cs typeface="Consolas"/>
+                <a:sym typeface="Consolas"/>
+              </a:rPr>
+              <a:t> []))</a:t>
+            </a:r>
+          </a:p>
+          <a:p>
+            <a:pPr lvl="0" rtl="0">
+              <a:lnSpc>
+                <a:spcPct val="142857"/>
+              </a:lnSpc>
+              <a:spcBef>
+                <a:spcPts val="0"/>
+              </a:spcBef>
+              <a:spcAft>
+                <a:spcPts val="0"/>
+              </a:spcAft>
+              <a:buNone/>
+            </a:pPr>
+            <a:r>
+              <a:rPr lang="en" sz="600">
+                <a:solidFill>
+                  <a:srgbClr val="24292E"/>
+                </a:solidFill>
+                <a:highlight>
+                  <a:srgbClr val="FFFFFF"/>
+                </a:highlight>
+                <a:latin typeface="Consolas"/>
+                <a:ea typeface="Consolas"/>
+                <a:cs typeface="Consolas"/>
+                <a:sym typeface="Consolas"/>
+              </a:rPr>
+              <a:t>           );</a:t>
+            </a:r>
+          </a:p>
+          <a:p>
+            <a:pPr lvl="0" rtl="0">
+              <a:lnSpc>
+                <a:spcPct val="142857"/>
+              </a:lnSpc>
+              <a:spcBef>
+                <a:spcPts val="0"/>
+              </a:spcBef>
+              <a:spcAft>
+                <a:spcPts val="0"/>
+              </a:spcAft>
+              <a:buNone/>
+            </a:pPr>
+            <a:r>
+              <a:rPr lang="en" sz="600">
+                <a:solidFill>
+                  <a:srgbClr val="24292E"/>
+                </a:solidFill>
+                <a:highlight>
+                  <a:srgbClr val="FFFFFF"/>
+                </a:highlight>
+                <a:latin typeface="Consolas"/>
+                <a:ea typeface="Consolas"/>
+                <a:cs typeface="Consolas"/>
+                <a:sym typeface="Consolas"/>
+              </a:rPr>
+              <a:t>       };</a:t>
+            </a:r>
+          </a:p>
+          <a:p>
+            <a:pPr lvl="0" rtl="0">
+              <a:lnSpc>
+                <a:spcPct val="142857"/>
+              </a:lnSpc>
+              <a:spcBef>
+                <a:spcPts val="0"/>
+              </a:spcBef>
+              <a:spcAft>
+                <a:spcPts val="0"/>
+              </a:spcAft>
+              <a:buNone/>
+            </a:pPr>
+            <a:br>
+              <a:rPr lang="en" sz="600">
+                <a:solidFill>
+                  <a:srgbClr val="24292E"/>
+                </a:solidFill>
+                <a:highlight>
+                  <a:srgbClr val="FFFFFF"/>
+                </a:highlight>
+                <a:latin typeface="Consolas"/>
+                <a:ea typeface="Consolas"/>
+                <a:cs typeface="Consolas"/>
+                <a:sym typeface="Consolas"/>
+              </a:rPr>
+            </a:br>
+          </a:p>
+          <a:p>
+            <a:pPr lvl="0" rtl="0">
+              <a:lnSpc>
+                <a:spcPct val="142857"/>
+              </a:lnSpc>
+              <a:spcBef>
+                <a:spcPts val="0"/>
+              </a:spcBef>
+              <a:spcAft>
+                <a:spcPts val="0"/>
+              </a:spcAft>
+              <a:buNone/>
+            </a:pPr>
+            <a:r>
+              <a:t/>
+            </a:r>
+            <a:endParaRPr sz="600">
+              <a:solidFill>
+                <a:srgbClr val="24292E"/>
+              </a:solidFill>
+              <a:highlight>
+                <a:srgbClr val="FFFFFF"/>
+              </a:highlight>
+              <a:latin typeface="Consolas"/>
+              <a:ea typeface="Consolas"/>
+              <a:cs typeface="Consolas"/>
+              <a:sym typeface="Consolas"/>
+            </a:endParaRPr>
+          </a:p>
+          <a:p>
+            <a:pPr lvl="0">
+              <a:spcBef>
+                <a:spcPts val="0"/>
+              </a:spcBef>
+              <a:buNone/>
+            </a:pPr>
+            <a:r>
+              <a:t/>
+            </a:r>
+            <a:endParaRPr/>
+          </a:p>
+        </p:txBody>
+      </p:sp>
+      <p:sp>
+        <p:nvSpPr>
+          <p:cNvPr id="85" name="Shape 85"/>
+          <p:cNvSpPr txBox="1"/>
+          <p:nvPr/>
+        </p:nvSpPr>
+        <p:spPr>
+          <a:xfrm>
+            <a:off x="4428775" y="191450"/>
+            <a:ext cx="4403400" cy="4530900"/>
+          </a:xfrm>
+          <a:prstGeom prst="rect">
+            <a:avLst/>
+          </a:prstGeom>
+          <a:noFill/>
+          <a:ln>
+            <a:noFill/>
+          </a:ln>
+        </p:spPr>
+        <p:txBody>
+          <a:bodyPr anchorCtr="0" anchor="t" bIns="91425" lIns="91425" rIns="91425" tIns="91425">
+            <a:noAutofit/>
+          </a:bodyPr>
+          <a:lstStyle/>
+          <a:p>
+            <a:pPr lvl="0" rtl="0">
+              <a:spcBef>
+                <a:spcPts val="0"/>
+              </a:spcBef>
+              <a:buNone/>
+            </a:pPr>
+            <a:r>
+              <a:t/>
+            </a:r>
+            <a:endParaRPr/>
+          </a:p>
+        </p:txBody>
+      </p:sp>
+      <p:sp>
+        <p:nvSpPr>
+          <p:cNvPr id="86" name="Shape 86"/>
+          <p:cNvSpPr txBox="1"/>
+          <p:nvPr/>
+        </p:nvSpPr>
+        <p:spPr>
+          <a:xfrm>
+            <a:off x="4518100" y="76575"/>
+            <a:ext cx="4314300" cy="4530900"/>
+          </a:xfrm>
+          <a:prstGeom prst="rect">
+            <a:avLst/>
+          </a:prstGeom>
+          <a:noFill/>
+          <a:ln>
+            <a:noFill/>
+          </a:ln>
+        </p:spPr>
+        <p:txBody>
+          <a:bodyPr anchorCtr="0" anchor="t" bIns="91425" lIns="91425" rIns="91425" tIns="91425">
+            <a:noAutofit/>
+          </a:bodyPr>
+          <a:lstStyle/>
+          <a:p>
+            <a:pPr lvl="0" rtl="0">
+              <a:lnSpc>
+                <a:spcPct val="142857"/>
+              </a:lnSpc>
+              <a:spcBef>
+                <a:spcPts val="0"/>
+              </a:spcBef>
+              <a:buNone/>
+            </a:pPr>
+            <a:r>
+              <a:rPr lang="en" sz="600">
+                <a:solidFill>
+                  <a:srgbClr val="969896"/>
+                </a:solidFill>
+                <a:highlight>
+                  <a:srgbClr val="FFFFFF"/>
+                </a:highlight>
+                <a:latin typeface="Consolas"/>
+                <a:ea typeface="Consolas"/>
+                <a:cs typeface="Consolas"/>
+                <a:sym typeface="Consolas"/>
+              </a:rPr>
+              <a:t>// If MONAD's modifier parameter is a function, then call it, passing the monad</a:t>
+            </a:r>
+          </a:p>
+          <a:p>
+            <a:pPr lvl="0" rtl="0">
+              <a:lnSpc>
+                <a:spcPct val="142857"/>
+              </a:lnSpc>
+              <a:spcBef>
+                <a:spcPts val="0"/>
+              </a:spcBef>
+              <a:buNone/>
+            </a:pPr>
+            <a:r>
+              <a:rPr lang="en" sz="600">
+                <a:solidFill>
+                  <a:srgbClr val="969896"/>
+                </a:solidFill>
+                <a:highlight>
+                  <a:srgbClr val="FFFFFF"/>
+                </a:highlight>
+                <a:latin typeface="Consolas"/>
+                <a:ea typeface="Consolas"/>
+                <a:cs typeface="Consolas"/>
+                <a:sym typeface="Consolas"/>
+              </a:rPr>
+              <a:t>// and the value.</a:t>
+            </a:r>
+          </a:p>
+          <a:p>
+            <a:pPr lvl="0" rtl="0">
+              <a:lnSpc>
+                <a:spcPct val="142857"/>
+              </a:lnSpc>
+              <a:spcBef>
+                <a:spcPts val="0"/>
+              </a:spcBef>
+              <a:buNone/>
+            </a:pPr>
+            <a:br>
+              <a:rPr lang="en" sz="600">
+                <a:solidFill>
+                  <a:srgbClr val="24292E"/>
+                </a:solidFill>
+                <a:highlight>
+                  <a:srgbClr val="FFFFFF"/>
+                </a:highlight>
+                <a:latin typeface="Consolas"/>
+                <a:ea typeface="Consolas"/>
+                <a:cs typeface="Consolas"/>
+                <a:sym typeface="Consolas"/>
+              </a:rPr>
+            </a:br>
+          </a:p>
+          <a:p>
+            <a:pPr lvl="0" rtl="0">
+              <a:lnSpc>
+                <a:spcPct val="142857"/>
+              </a:lnSpc>
+              <a:spcBef>
+                <a:spcPts val="0"/>
+              </a:spcBef>
+              <a:buNone/>
+            </a:pPr>
+            <a:r>
+              <a:rPr lang="en" sz="600">
+                <a:solidFill>
+                  <a:srgbClr val="24292E"/>
+                </a:solidFill>
+                <a:highlight>
+                  <a:srgbClr val="FFFFFF"/>
+                </a:highlight>
+                <a:latin typeface="Consolas"/>
+                <a:ea typeface="Consolas"/>
+                <a:cs typeface="Consolas"/>
+                <a:sym typeface="Consolas"/>
+              </a:rPr>
+              <a:t>       </a:t>
+            </a:r>
+            <a:r>
+              <a:rPr lang="en" sz="600">
+                <a:solidFill>
+                  <a:srgbClr val="A71D5D"/>
+                </a:solidFill>
+                <a:highlight>
+                  <a:srgbClr val="FFFFFF"/>
+                </a:highlight>
+                <a:latin typeface="Consolas"/>
+                <a:ea typeface="Consolas"/>
+                <a:cs typeface="Consolas"/>
+                <a:sym typeface="Consolas"/>
+              </a:rPr>
+              <a:t>if</a:t>
+            </a:r>
+            <a:r>
+              <a:rPr lang="en" sz="600">
+                <a:solidFill>
+                  <a:srgbClr val="24292E"/>
+                </a:solidFill>
+                <a:highlight>
+                  <a:srgbClr val="FFFFFF"/>
+                </a:highlight>
+                <a:latin typeface="Consolas"/>
+                <a:ea typeface="Consolas"/>
+                <a:cs typeface="Consolas"/>
+                <a:sym typeface="Consolas"/>
+              </a:rPr>
+              <a:t> (</a:t>
+            </a:r>
+            <a:r>
+              <a:rPr lang="en" sz="600">
+                <a:solidFill>
+                  <a:srgbClr val="A71D5D"/>
+                </a:solidFill>
+                <a:highlight>
+                  <a:srgbClr val="FFFFFF"/>
+                </a:highlight>
+                <a:latin typeface="Consolas"/>
+                <a:ea typeface="Consolas"/>
+                <a:cs typeface="Consolas"/>
+                <a:sym typeface="Consolas"/>
+              </a:rPr>
+              <a:t>typeof</a:t>
+            </a:r>
+            <a:r>
+              <a:rPr lang="en" sz="600">
+                <a:solidFill>
+                  <a:srgbClr val="24292E"/>
+                </a:solidFill>
+                <a:highlight>
+                  <a:srgbClr val="FFFFFF"/>
+                </a:highlight>
+                <a:latin typeface="Consolas"/>
+                <a:ea typeface="Consolas"/>
+                <a:cs typeface="Consolas"/>
+                <a:sym typeface="Consolas"/>
+              </a:rPr>
+              <a:t> modifier </a:t>
+            </a:r>
+            <a:r>
+              <a:rPr lang="en" sz="600">
+                <a:solidFill>
+                  <a:srgbClr val="A71D5D"/>
+                </a:solidFill>
+                <a:highlight>
+                  <a:srgbClr val="FFFFFF"/>
+                </a:highlight>
+                <a:latin typeface="Consolas"/>
+                <a:ea typeface="Consolas"/>
+                <a:cs typeface="Consolas"/>
+                <a:sym typeface="Consolas"/>
+              </a:rPr>
+              <a:t>===</a:t>
+            </a:r>
+            <a:r>
+              <a:rPr lang="en" sz="600">
+                <a:solidFill>
+                  <a:srgbClr val="24292E"/>
+                </a:solidFill>
+                <a:highlight>
+                  <a:srgbClr val="FFFFFF"/>
+                </a:highlight>
+                <a:latin typeface="Consolas"/>
+                <a:ea typeface="Consolas"/>
+                <a:cs typeface="Consolas"/>
+                <a:sym typeface="Consolas"/>
+              </a:rPr>
+              <a:t> </a:t>
+            </a:r>
+            <a:r>
+              <a:rPr lang="en" sz="600">
+                <a:solidFill>
+                  <a:srgbClr val="183691"/>
+                </a:solidFill>
+                <a:highlight>
+                  <a:srgbClr val="FFFFFF"/>
+                </a:highlight>
+                <a:latin typeface="Consolas"/>
+                <a:ea typeface="Consolas"/>
+                <a:cs typeface="Consolas"/>
+                <a:sym typeface="Consolas"/>
+              </a:rPr>
+              <a:t>'function'</a:t>
+            </a:r>
+            <a:r>
+              <a:rPr lang="en" sz="600">
+                <a:solidFill>
+                  <a:srgbClr val="24292E"/>
+                </a:solidFill>
+                <a:highlight>
+                  <a:srgbClr val="FFFFFF"/>
+                </a:highlight>
+                <a:latin typeface="Consolas"/>
+                <a:ea typeface="Consolas"/>
+                <a:cs typeface="Consolas"/>
+                <a:sym typeface="Consolas"/>
+              </a:rPr>
+              <a:t>) {</a:t>
+            </a:r>
+          </a:p>
+          <a:p>
+            <a:pPr lvl="0" rtl="0">
+              <a:lnSpc>
+                <a:spcPct val="142857"/>
+              </a:lnSpc>
+              <a:spcBef>
+                <a:spcPts val="0"/>
+              </a:spcBef>
+              <a:buNone/>
+            </a:pPr>
+            <a:r>
+              <a:rPr lang="en" sz="600">
+                <a:solidFill>
+                  <a:srgbClr val="24292E"/>
+                </a:solidFill>
+                <a:highlight>
+                  <a:srgbClr val="FFFFFF"/>
+                </a:highlight>
+                <a:latin typeface="Consolas"/>
+                <a:ea typeface="Consolas"/>
+                <a:cs typeface="Consolas"/>
+                <a:sym typeface="Consolas"/>
+              </a:rPr>
+              <a:t>           value </a:t>
+            </a:r>
+            <a:r>
+              <a:rPr lang="en" sz="600">
+                <a:solidFill>
+                  <a:srgbClr val="A71D5D"/>
+                </a:solidFill>
+                <a:highlight>
+                  <a:srgbClr val="FFFFFF"/>
+                </a:highlight>
+                <a:latin typeface="Consolas"/>
+                <a:ea typeface="Consolas"/>
+                <a:cs typeface="Consolas"/>
+                <a:sym typeface="Consolas"/>
+              </a:rPr>
+              <a:t>=</a:t>
+            </a:r>
+            <a:r>
+              <a:rPr lang="en" sz="600">
+                <a:solidFill>
+                  <a:srgbClr val="24292E"/>
+                </a:solidFill>
+                <a:highlight>
+                  <a:srgbClr val="FFFFFF"/>
+                </a:highlight>
+                <a:latin typeface="Consolas"/>
+                <a:ea typeface="Consolas"/>
+                <a:cs typeface="Consolas"/>
+                <a:sym typeface="Consolas"/>
+              </a:rPr>
+              <a:t> </a:t>
+            </a:r>
+            <a:r>
+              <a:rPr lang="en" sz="600">
+                <a:solidFill>
+                  <a:srgbClr val="795DA3"/>
+                </a:solidFill>
+                <a:highlight>
+                  <a:srgbClr val="FFFFFF"/>
+                </a:highlight>
+                <a:latin typeface="Consolas"/>
+                <a:ea typeface="Consolas"/>
+                <a:cs typeface="Consolas"/>
+                <a:sym typeface="Consolas"/>
+              </a:rPr>
+              <a:t>modifier</a:t>
+            </a:r>
+            <a:r>
+              <a:rPr lang="en" sz="600">
+                <a:solidFill>
+                  <a:srgbClr val="24292E"/>
+                </a:solidFill>
+                <a:highlight>
+                  <a:srgbClr val="FFFFFF"/>
+                </a:highlight>
+                <a:latin typeface="Consolas"/>
+                <a:ea typeface="Consolas"/>
+                <a:cs typeface="Consolas"/>
+                <a:sym typeface="Consolas"/>
+              </a:rPr>
+              <a:t>(monad, value);</a:t>
+            </a:r>
+          </a:p>
+          <a:p>
+            <a:pPr lvl="0" rtl="0">
+              <a:lnSpc>
+                <a:spcPct val="142857"/>
+              </a:lnSpc>
+              <a:spcBef>
+                <a:spcPts val="0"/>
+              </a:spcBef>
+              <a:buNone/>
+            </a:pPr>
+            <a:r>
+              <a:rPr lang="en" sz="600">
+                <a:solidFill>
+                  <a:srgbClr val="24292E"/>
+                </a:solidFill>
+                <a:highlight>
+                  <a:srgbClr val="FFFFFF"/>
+                </a:highlight>
+                <a:latin typeface="Consolas"/>
+                <a:ea typeface="Consolas"/>
+                <a:cs typeface="Consolas"/>
+                <a:sym typeface="Consolas"/>
+              </a:rPr>
+              <a:t>       }</a:t>
+            </a:r>
+          </a:p>
+          <a:p>
+            <a:pPr lvl="0" rtl="0">
+              <a:lnSpc>
+                <a:spcPct val="142857"/>
+              </a:lnSpc>
+              <a:spcBef>
+                <a:spcPts val="0"/>
+              </a:spcBef>
+              <a:buNone/>
+            </a:pPr>
+            <a:br>
+              <a:rPr lang="en" sz="600">
+                <a:solidFill>
+                  <a:srgbClr val="24292E"/>
+                </a:solidFill>
+                <a:highlight>
+                  <a:srgbClr val="FFFFFF"/>
+                </a:highlight>
+                <a:latin typeface="Consolas"/>
+                <a:ea typeface="Consolas"/>
+                <a:cs typeface="Consolas"/>
+                <a:sym typeface="Consolas"/>
+              </a:rPr>
+            </a:br>
+          </a:p>
+          <a:p>
+            <a:pPr lvl="0" rtl="0">
+              <a:lnSpc>
+                <a:spcPct val="142857"/>
+              </a:lnSpc>
+              <a:spcBef>
+                <a:spcPts val="0"/>
+              </a:spcBef>
+              <a:buNone/>
+            </a:pPr>
+            <a:r>
+              <a:rPr lang="en" sz="600">
+                <a:solidFill>
+                  <a:srgbClr val="969896"/>
+                </a:solidFill>
+                <a:highlight>
+                  <a:srgbClr val="FFFFFF"/>
+                </a:highlight>
+                <a:latin typeface="Consolas"/>
+                <a:ea typeface="Consolas"/>
+                <a:cs typeface="Consolas"/>
+                <a:sym typeface="Consolas"/>
+              </a:rPr>
+              <a:t>// Return the shiny new monad.</a:t>
+            </a:r>
+          </a:p>
+          <a:p>
+            <a:pPr lvl="0" rtl="0">
+              <a:lnSpc>
+                <a:spcPct val="142857"/>
+              </a:lnSpc>
+              <a:spcBef>
+                <a:spcPts val="0"/>
+              </a:spcBef>
+              <a:buNone/>
+            </a:pPr>
+            <a:br>
+              <a:rPr lang="en" sz="600">
+                <a:solidFill>
+                  <a:srgbClr val="24292E"/>
+                </a:solidFill>
+                <a:highlight>
+                  <a:srgbClr val="FFFFFF"/>
+                </a:highlight>
+                <a:latin typeface="Consolas"/>
+                <a:ea typeface="Consolas"/>
+                <a:cs typeface="Consolas"/>
+                <a:sym typeface="Consolas"/>
+              </a:rPr>
+            </a:br>
+          </a:p>
+          <a:p>
+            <a:pPr lvl="0" rtl="0">
+              <a:lnSpc>
+                <a:spcPct val="142857"/>
+              </a:lnSpc>
+              <a:spcBef>
+                <a:spcPts val="0"/>
+              </a:spcBef>
+              <a:buNone/>
+            </a:pPr>
+            <a:r>
+              <a:rPr lang="en" sz="600">
+                <a:solidFill>
+                  <a:srgbClr val="24292E"/>
+                </a:solidFill>
+                <a:highlight>
+                  <a:srgbClr val="FFFFFF"/>
+                </a:highlight>
+                <a:latin typeface="Consolas"/>
+                <a:ea typeface="Consolas"/>
+                <a:cs typeface="Consolas"/>
+                <a:sym typeface="Consolas"/>
+              </a:rPr>
+              <a:t>       </a:t>
+            </a:r>
+            <a:r>
+              <a:rPr lang="en" sz="600">
+                <a:solidFill>
+                  <a:srgbClr val="A71D5D"/>
+                </a:solidFill>
+                <a:highlight>
+                  <a:srgbClr val="FFFFFF"/>
+                </a:highlight>
+                <a:latin typeface="Consolas"/>
+                <a:ea typeface="Consolas"/>
+                <a:cs typeface="Consolas"/>
+                <a:sym typeface="Consolas"/>
+              </a:rPr>
+              <a:t>return</a:t>
+            </a:r>
+            <a:r>
+              <a:rPr lang="en" sz="600">
+                <a:solidFill>
+                  <a:srgbClr val="24292E"/>
+                </a:solidFill>
+                <a:highlight>
+                  <a:srgbClr val="FFFFFF"/>
+                </a:highlight>
+                <a:latin typeface="Consolas"/>
+                <a:ea typeface="Consolas"/>
+                <a:cs typeface="Consolas"/>
+                <a:sym typeface="Consolas"/>
+              </a:rPr>
+              <a:t> monad;</a:t>
+            </a:r>
+          </a:p>
+          <a:p>
+            <a:pPr lvl="0" rtl="0">
+              <a:lnSpc>
+                <a:spcPct val="142857"/>
+              </a:lnSpc>
+              <a:spcBef>
+                <a:spcPts val="0"/>
+              </a:spcBef>
+              <a:buNone/>
+            </a:pPr>
+            <a:r>
+              <a:rPr lang="en" sz="600">
+                <a:solidFill>
+                  <a:srgbClr val="24292E"/>
+                </a:solidFill>
+                <a:highlight>
+                  <a:srgbClr val="FFFFFF"/>
+                </a:highlight>
+                <a:latin typeface="Consolas"/>
+                <a:ea typeface="Consolas"/>
+                <a:cs typeface="Consolas"/>
+                <a:sym typeface="Consolas"/>
+              </a:rPr>
+              <a:t>   }</a:t>
+            </a:r>
+          </a:p>
+          <a:p>
+            <a:pPr lvl="0" rtl="0">
+              <a:lnSpc>
+                <a:spcPct val="142857"/>
+              </a:lnSpc>
+              <a:spcBef>
+                <a:spcPts val="0"/>
+              </a:spcBef>
+              <a:buNone/>
+            </a:pPr>
+            <a:r>
+              <a:rPr lang="en" sz="600">
+                <a:solidFill>
+                  <a:srgbClr val="24292E"/>
+                </a:solidFill>
+                <a:highlight>
+                  <a:srgbClr val="FFFFFF"/>
+                </a:highlight>
+                <a:latin typeface="Consolas"/>
+                <a:ea typeface="Consolas"/>
+                <a:cs typeface="Consolas"/>
+                <a:sym typeface="Consolas"/>
+              </a:rPr>
+              <a:t>   </a:t>
+            </a:r>
+            <a:r>
+              <a:rPr lang="en" sz="600">
+                <a:solidFill>
+                  <a:srgbClr val="333333"/>
+                </a:solidFill>
+                <a:highlight>
+                  <a:srgbClr val="FFFFFF"/>
+                </a:highlight>
+                <a:latin typeface="Consolas"/>
+                <a:ea typeface="Consolas"/>
+                <a:cs typeface="Consolas"/>
+                <a:sym typeface="Consolas"/>
+              </a:rPr>
+              <a:t>unit</a:t>
+            </a:r>
+            <a:r>
+              <a:rPr lang="en" sz="600">
+                <a:solidFill>
+                  <a:srgbClr val="24292E"/>
+                </a:solidFill>
+                <a:highlight>
+                  <a:srgbClr val="FFFFFF"/>
+                </a:highlight>
+                <a:latin typeface="Consolas"/>
+                <a:ea typeface="Consolas"/>
+                <a:cs typeface="Consolas"/>
+                <a:sym typeface="Consolas"/>
+              </a:rPr>
+              <a:t>.</a:t>
+            </a:r>
+            <a:r>
+              <a:rPr lang="en" sz="600">
+                <a:solidFill>
+                  <a:srgbClr val="795DA3"/>
+                </a:solidFill>
+                <a:highlight>
+                  <a:srgbClr val="FFFFFF"/>
+                </a:highlight>
+                <a:latin typeface="Consolas"/>
+                <a:ea typeface="Consolas"/>
+                <a:cs typeface="Consolas"/>
+                <a:sym typeface="Consolas"/>
+              </a:rPr>
+              <a:t>method</a:t>
+            </a:r>
+            <a:r>
+              <a:rPr lang="en" sz="600">
+                <a:solidFill>
+                  <a:srgbClr val="24292E"/>
+                </a:solidFill>
+                <a:highlight>
+                  <a:srgbClr val="FFFFFF"/>
+                </a:highlight>
+                <a:latin typeface="Consolas"/>
+                <a:ea typeface="Consolas"/>
+                <a:cs typeface="Consolas"/>
+                <a:sym typeface="Consolas"/>
+              </a:rPr>
+              <a:t> </a:t>
+            </a:r>
+            <a:r>
+              <a:rPr lang="en" sz="600">
+                <a:solidFill>
+                  <a:srgbClr val="A71D5D"/>
+                </a:solidFill>
+                <a:highlight>
+                  <a:srgbClr val="FFFFFF"/>
+                </a:highlight>
+                <a:latin typeface="Consolas"/>
+                <a:ea typeface="Consolas"/>
+                <a:cs typeface="Consolas"/>
+                <a:sym typeface="Consolas"/>
+              </a:rPr>
+              <a:t>=</a:t>
+            </a:r>
+            <a:r>
+              <a:rPr lang="en" sz="600">
+                <a:solidFill>
+                  <a:srgbClr val="24292E"/>
+                </a:solidFill>
+                <a:highlight>
+                  <a:srgbClr val="FFFFFF"/>
+                </a:highlight>
+                <a:latin typeface="Consolas"/>
+                <a:ea typeface="Consolas"/>
+                <a:cs typeface="Consolas"/>
+                <a:sym typeface="Consolas"/>
+              </a:rPr>
+              <a:t> </a:t>
+            </a:r>
+            <a:r>
+              <a:rPr lang="en" sz="600">
+                <a:solidFill>
+                  <a:srgbClr val="A71D5D"/>
+                </a:solidFill>
+                <a:highlight>
+                  <a:srgbClr val="FFFFFF"/>
+                </a:highlight>
+                <a:latin typeface="Consolas"/>
+                <a:ea typeface="Consolas"/>
+                <a:cs typeface="Consolas"/>
+                <a:sym typeface="Consolas"/>
+              </a:rPr>
+              <a:t>function</a:t>
+            </a:r>
+            <a:r>
+              <a:rPr lang="en" sz="600">
+                <a:solidFill>
+                  <a:srgbClr val="24292E"/>
+                </a:solidFill>
+                <a:highlight>
+                  <a:srgbClr val="FFFFFF"/>
+                </a:highlight>
+                <a:latin typeface="Consolas"/>
+                <a:ea typeface="Consolas"/>
+                <a:cs typeface="Consolas"/>
+                <a:sym typeface="Consolas"/>
+              </a:rPr>
+              <a:t> (</a:t>
+            </a:r>
+            <a:r>
+              <a:rPr lang="en" sz="600">
+                <a:solidFill>
+                  <a:srgbClr val="333333"/>
+                </a:solidFill>
+                <a:highlight>
+                  <a:srgbClr val="FFFFFF"/>
+                </a:highlight>
+                <a:latin typeface="Consolas"/>
+                <a:ea typeface="Consolas"/>
+                <a:cs typeface="Consolas"/>
+                <a:sym typeface="Consolas"/>
+              </a:rPr>
+              <a:t>name</a:t>
+            </a:r>
+            <a:r>
+              <a:rPr lang="en" sz="600">
+                <a:solidFill>
+                  <a:srgbClr val="24292E"/>
+                </a:solidFill>
+                <a:highlight>
+                  <a:srgbClr val="FFFFFF"/>
+                </a:highlight>
+                <a:latin typeface="Consolas"/>
+                <a:ea typeface="Consolas"/>
+                <a:cs typeface="Consolas"/>
+                <a:sym typeface="Consolas"/>
+              </a:rPr>
+              <a:t>, </a:t>
+            </a:r>
+            <a:r>
+              <a:rPr lang="en" sz="600">
+                <a:solidFill>
+                  <a:srgbClr val="333333"/>
+                </a:solidFill>
+                <a:highlight>
+                  <a:srgbClr val="FFFFFF"/>
+                </a:highlight>
+                <a:latin typeface="Consolas"/>
+                <a:ea typeface="Consolas"/>
+                <a:cs typeface="Consolas"/>
+                <a:sym typeface="Consolas"/>
+              </a:rPr>
+              <a:t>func</a:t>
+            </a:r>
+            <a:r>
+              <a:rPr lang="en" sz="600">
+                <a:solidFill>
+                  <a:srgbClr val="24292E"/>
+                </a:solidFill>
+                <a:highlight>
+                  <a:srgbClr val="FFFFFF"/>
+                </a:highlight>
+                <a:latin typeface="Consolas"/>
+                <a:ea typeface="Consolas"/>
+                <a:cs typeface="Consolas"/>
+                <a:sym typeface="Consolas"/>
+              </a:rPr>
+              <a:t>) {</a:t>
+            </a:r>
+          </a:p>
+          <a:p>
+            <a:pPr lvl="0" rtl="0">
+              <a:lnSpc>
+                <a:spcPct val="142857"/>
+              </a:lnSpc>
+              <a:spcBef>
+                <a:spcPts val="0"/>
+              </a:spcBef>
+              <a:buNone/>
+            </a:pPr>
+            <a:br>
+              <a:rPr lang="en" sz="600">
+                <a:solidFill>
+                  <a:srgbClr val="24292E"/>
+                </a:solidFill>
+                <a:highlight>
+                  <a:srgbClr val="FFFFFF"/>
+                </a:highlight>
+                <a:latin typeface="Consolas"/>
+                <a:ea typeface="Consolas"/>
+                <a:cs typeface="Consolas"/>
+                <a:sym typeface="Consolas"/>
+              </a:rPr>
+            </a:br>
+          </a:p>
+          <a:p>
+            <a:pPr lvl="0" rtl="0">
+              <a:lnSpc>
+                <a:spcPct val="142857"/>
+              </a:lnSpc>
+              <a:spcBef>
+                <a:spcPts val="0"/>
+              </a:spcBef>
+              <a:buNone/>
+            </a:pPr>
+            <a:r>
+              <a:rPr lang="en" sz="600">
+                <a:solidFill>
+                  <a:srgbClr val="969896"/>
+                </a:solidFill>
+                <a:highlight>
+                  <a:srgbClr val="FFFFFF"/>
+                </a:highlight>
+                <a:latin typeface="Consolas"/>
+                <a:ea typeface="Consolas"/>
+                <a:cs typeface="Consolas"/>
+                <a:sym typeface="Consolas"/>
+              </a:rPr>
+              <a:t>// Add a method to the prototype.</a:t>
+            </a:r>
+          </a:p>
+          <a:p>
+            <a:pPr lvl="0" rtl="0">
+              <a:lnSpc>
+                <a:spcPct val="142857"/>
+              </a:lnSpc>
+              <a:spcBef>
+                <a:spcPts val="0"/>
+              </a:spcBef>
+              <a:buNone/>
+            </a:pPr>
+            <a:br>
+              <a:rPr lang="en" sz="600">
+                <a:solidFill>
+                  <a:srgbClr val="24292E"/>
+                </a:solidFill>
+                <a:highlight>
+                  <a:srgbClr val="FFFFFF"/>
+                </a:highlight>
+                <a:latin typeface="Consolas"/>
+                <a:ea typeface="Consolas"/>
+                <a:cs typeface="Consolas"/>
+                <a:sym typeface="Consolas"/>
+              </a:rPr>
+            </a:br>
+          </a:p>
+          <a:p>
+            <a:pPr lvl="0" rtl="0">
+              <a:lnSpc>
+                <a:spcPct val="142857"/>
+              </a:lnSpc>
+              <a:spcBef>
+                <a:spcPts val="0"/>
+              </a:spcBef>
+              <a:buNone/>
+            </a:pPr>
+            <a:r>
+              <a:rPr lang="en" sz="600">
+                <a:solidFill>
+                  <a:srgbClr val="24292E"/>
+                </a:solidFill>
+                <a:highlight>
+                  <a:srgbClr val="FFFFFF"/>
+                </a:highlight>
+                <a:latin typeface="Consolas"/>
+                <a:ea typeface="Consolas"/>
+                <a:cs typeface="Consolas"/>
+                <a:sym typeface="Consolas"/>
+              </a:rPr>
+              <a:t>       prototype[name] </a:t>
+            </a:r>
+            <a:r>
+              <a:rPr lang="en" sz="600">
+                <a:solidFill>
+                  <a:srgbClr val="A71D5D"/>
+                </a:solidFill>
+                <a:highlight>
+                  <a:srgbClr val="FFFFFF"/>
+                </a:highlight>
+                <a:latin typeface="Consolas"/>
+                <a:ea typeface="Consolas"/>
+                <a:cs typeface="Consolas"/>
+                <a:sym typeface="Consolas"/>
+              </a:rPr>
+              <a:t>=</a:t>
+            </a:r>
+            <a:r>
+              <a:rPr lang="en" sz="600">
+                <a:solidFill>
+                  <a:srgbClr val="24292E"/>
+                </a:solidFill>
+                <a:highlight>
+                  <a:srgbClr val="FFFFFF"/>
+                </a:highlight>
+                <a:latin typeface="Consolas"/>
+                <a:ea typeface="Consolas"/>
+                <a:cs typeface="Consolas"/>
+                <a:sym typeface="Consolas"/>
+              </a:rPr>
+              <a:t> func;</a:t>
+            </a:r>
+          </a:p>
+          <a:p>
+            <a:pPr lvl="0" rtl="0">
+              <a:lnSpc>
+                <a:spcPct val="142857"/>
+              </a:lnSpc>
+              <a:spcBef>
+                <a:spcPts val="0"/>
+              </a:spcBef>
+              <a:buNone/>
+            </a:pPr>
+            <a:r>
+              <a:rPr lang="en" sz="600">
+                <a:solidFill>
+                  <a:srgbClr val="24292E"/>
+                </a:solidFill>
+                <a:highlight>
+                  <a:srgbClr val="FFFFFF"/>
+                </a:highlight>
+                <a:latin typeface="Consolas"/>
+                <a:ea typeface="Consolas"/>
+                <a:cs typeface="Consolas"/>
+                <a:sym typeface="Consolas"/>
+              </a:rPr>
+              <a:t>       </a:t>
+            </a:r>
+            <a:r>
+              <a:rPr lang="en" sz="600">
+                <a:solidFill>
+                  <a:srgbClr val="A71D5D"/>
+                </a:solidFill>
+                <a:highlight>
+                  <a:srgbClr val="FFFFFF"/>
+                </a:highlight>
+                <a:latin typeface="Consolas"/>
+                <a:ea typeface="Consolas"/>
+                <a:cs typeface="Consolas"/>
+                <a:sym typeface="Consolas"/>
+              </a:rPr>
+              <a:t>return</a:t>
+            </a:r>
+            <a:r>
+              <a:rPr lang="en" sz="600">
+                <a:solidFill>
+                  <a:srgbClr val="24292E"/>
+                </a:solidFill>
+                <a:highlight>
+                  <a:srgbClr val="FFFFFF"/>
+                </a:highlight>
+                <a:latin typeface="Consolas"/>
+                <a:ea typeface="Consolas"/>
+                <a:cs typeface="Consolas"/>
+                <a:sym typeface="Consolas"/>
+              </a:rPr>
+              <a:t> unit;</a:t>
+            </a:r>
+          </a:p>
+          <a:p>
+            <a:pPr lvl="0" rtl="0">
+              <a:lnSpc>
+                <a:spcPct val="142857"/>
+              </a:lnSpc>
+              <a:spcBef>
+                <a:spcPts val="0"/>
+              </a:spcBef>
+              <a:buNone/>
+            </a:pPr>
+            <a:r>
+              <a:rPr lang="en" sz="600">
+                <a:solidFill>
+                  <a:srgbClr val="24292E"/>
+                </a:solidFill>
+                <a:highlight>
+                  <a:srgbClr val="FFFFFF"/>
+                </a:highlight>
+                <a:latin typeface="Consolas"/>
+                <a:ea typeface="Consolas"/>
+                <a:cs typeface="Consolas"/>
+                <a:sym typeface="Consolas"/>
+              </a:rPr>
+              <a:t>   };</a:t>
+            </a:r>
+          </a:p>
+          <a:p>
+            <a:pPr lvl="0" rtl="0">
+              <a:lnSpc>
+                <a:spcPct val="142857"/>
+              </a:lnSpc>
+              <a:spcBef>
+                <a:spcPts val="0"/>
+              </a:spcBef>
+              <a:buNone/>
+            </a:pPr>
+            <a:r>
+              <a:rPr lang="en" sz="600">
+                <a:solidFill>
+                  <a:srgbClr val="24292E"/>
+                </a:solidFill>
+                <a:highlight>
+                  <a:srgbClr val="FFFFFF"/>
+                </a:highlight>
+                <a:latin typeface="Consolas"/>
+                <a:ea typeface="Consolas"/>
+                <a:cs typeface="Consolas"/>
+                <a:sym typeface="Consolas"/>
+              </a:rPr>
+              <a:t>   </a:t>
+            </a:r>
+            <a:r>
+              <a:rPr lang="en" sz="600">
+                <a:solidFill>
+                  <a:srgbClr val="333333"/>
+                </a:solidFill>
+                <a:highlight>
+                  <a:srgbClr val="FFFFFF"/>
+                </a:highlight>
+                <a:latin typeface="Consolas"/>
+                <a:ea typeface="Consolas"/>
+                <a:cs typeface="Consolas"/>
+                <a:sym typeface="Consolas"/>
+              </a:rPr>
+              <a:t>unit</a:t>
+            </a:r>
+            <a:r>
+              <a:rPr lang="en" sz="600">
+                <a:solidFill>
+                  <a:srgbClr val="24292E"/>
+                </a:solidFill>
+                <a:highlight>
+                  <a:srgbClr val="FFFFFF"/>
+                </a:highlight>
+                <a:latin typeface="Consolas"/>
+                <a:ea typeface="Consolas"/>
+                <a:cs typeface="Consolas"/>
+                <a:sym typeface="Consolas"/>
+              </a:rPr>
+              <a:t>.</a:t>
+            </a:r>
+            <a:r>
+              <a:rPr lang="en" sz="600">
+                <a:solidFill>
+                  <a:srgbClr val="795DA3"/>
+                </a:solidFill>
+                <a:highlight>
+                  <a:srgbClr val="FFFFFF"/>
+                </a:highlight>
+                <a:latin typeface="Consolas"/>
+                <a:ea typeface="Consolas"/>
+                <a:cs typeface="Consolas"/>
+                <a:sym typeface="Consolas"/>
+              </a:rPr>
+              <a:t>lift_value</a:t>
+            </a:r>
+            <a:r>
+              <a:rPr lang="en" sz="600">
+                <a:solidFill>
+                  <a:srgbClr val="24292E"/>
+                </a:solidFill>
+                <a:highlight>
+                  <a:srgbClr val="FFFFFF"/>
+                </a:highlight>
+                <a:latin typeface="Consolas"/>
+                <a:ea typeface="Consolas"/>
+                <a:cs typeface="Consolas"/>
+                <a:sym typeface="Consolas"/>
+              </a:rPr>
+              <a:t> </a:t>
+            </a:r>
+            <a:r>
+              <a:rPr lang="en" sz="600">
+                <a:solidFill>
+                  <a:srgbClr val="A71D5D"/>
+                </a:solidFill>
+                <a:highlight>
+                  <a:srgbClr val="FFFFFF"/>
+                </a:highlight>
+                <a:latin typeface="Consolas"/>
+                <a:ea typeface="Consolas"/>
+                <a:cs typeface="Consolas"/>
+                <a:sym typeface="Consolas"/>
+              </a:rPr>
+              <a:t>=</a:t>
+            </a:r>
+            <a:r>
+              <a:rPr lang="en" sz="600">
+                <a:solidFill>
+                  <a:srgbClr val="24292E"/>
+                </a:solidFill>
+                <a:highlight>
+                  <a:srgbClr val="FFFFFF"/>
+                </a:highlight>
+                <a:latin typeface="Consolas"/>
+                <a:ea typeface="Consolas"/>
+                <a:cs typeface="Consolas"/>
+                <a:sym typeface="Consolas"/>
+              </a:rPr>
+              <a:t> </a:t>
+            </a:r>
+            <a:r>
+              <a:rPr lang="en" sz="600">
+                <a:solidFill>
+                  <a:srgbClr val="A71D5D"/>
+                </a:solidFill>
+                <a:highlight>
+                  <a:srgbClr val="FFFFFF"/>
+                </a:highlight>
+                <a:latin typeface="Consolas"/>
+                <a:ea typeface="Consolas"/>
+                <a:cs typeface="Consolas"/>
+                <a:sym typeface="Consolas"/>
+              </a:rPr>
+              <a:t>function</a:t>
+            </a:r>
+            <a:r>
+              <a:rPr lang="en" sz="600">
+                <a:solidFill>
+                  <a:srgbClr val="24292E"/>
+                </a:solidFill>
+                <a:highlight>
+                  <a:srgbClr val="FFFFFF"/>
+                </a:highlight>
+                <a:latin typeface="Consolas"/>
+                <a:ea typeface="Consolas"/>
+                <a:cs typeface="Consolas"/>
+                <a:sym typeface="Consolas"/>
+              </a:rPr>
+              <a:t> (</a:t>
+            </a:r>
+            <a:r>
+              <a:rPr lang="en" sz="600">
+                <a:solidFill>
+                  <a:srgbClr val="333333"/>
+                </a:solidFill>
+                <a:highlight>
+                  <a:srgbClr val="FFFFFF"/>
+                </a:highlight>
+                <a:latin typeface="Consolas"/>
+                <a:ea typeface="Consolas"/>
+                <a:cs typeface="Consolas"/>
+                <a:sym typeface="Consolas"/>
+              </a:rPr>
+              <a:t>name</a:t>
+            </a:r>
+            <a:r>
+              <a:rPr lang="en" sz="600">
+                <a:solidFill>
+                  <a:srgbClr val="24292E"/>
+                </a:solidFill>
+                <a:highlight>
+                  <a:srgbClr val="FFFFFF"/>
+                </a:highlight>
+                <a:latin typeface="Consolas"/>
+                <a:ea typeface="Consolas"/>
+                <a:cs typeface="Consolas"/>
+                <a:sym typeface="Consolas"/>
+              </a:rPr>
+              <a:t>, </a:t>
+            </a:r>
+            <a:r>
+              <a:rPr lang="en" sz="600">
+                <a:solidFill>
+                  <a:srgbClr val="333333"/>
+                </a:solidFill>
+                <a:highlight>
+                  <a:srgbClr val="FFFFFF"/>
+                </a:highlight>
+                <a:latin typeface="Consolas"/>
+                <a:ea typeface="Consolas"/>
+                <a:cs typeface="Consolas"/>
+                <a:sym typeface="Consolas"/>
+              </a:rPr>
+              <a:t>func</a:t>
+            </a:r>
+            <a:r>
+              <a:rPr lang="en" sz="600">
+                <a:solidFill>
+                  <a:srgbClr val="24292E"/>
+                </a:solidFill>
+                <a:highlight>
+                  <a:srgbClr val="FFFFFF"/>
+                </a:highlight>
+                <a:latin typeface="Consolas"/>
+                <a:ea typeface="Consolas"/>
+                <a:cs typeface="Consolas"/>
+                <a:sym typeface="Consolas"/>
+              </a:rPr>
+              <a:t>) {</a:t>
+            </a:r>
+          </a:p>
+          <a:p>
+            <a:pPr lvl="0" rtl="0">
+              <a:lnSpc>
+                <a:spcPct val="142857"/>
+              </a:lnSpc>
+              <a:spcBef>
+                <a:spcPts val="0"/>
+              </a:spcBef>
+              <a:buNone/>
+            </a:pPr>
+            <a:br>
+              <a:rPr lang="en" sz="600">
+                <a:solidFill>
+                  <a:srgbClr val="24292E"/>
+                </a:solidFill>
+                <a:highlight>
+                  <a:srgbClr val="FFFFFF"/>
+                </a:highlight>
+                <a:latin typeface="Consolas"/>
+                <a:ea typeface="Consolas"/>
+                <a:cs typeface="Consolas"/>
+                <a:sym typeface="Consolas"/>
+              </a:rPr>
+            </a:br>
+          </a:p>
+          <a:p>
+            <a:pPr lvl="0" rtl="0">
+              <a:lnSpc>
+                <a:spcPct val="142857"/>
+              </a:lnSpc>
+              <a:spcBef>
+                <a:spcPts val="0"/>
+              </a:spcBef>
+              <a:buNone/>
+            </a:pPr>
+            <a:r>
+              <a:rPr lang="en" sz="600">
+                <a:solidFill>
+                  <a:srgbClr val="969896"/>
+                </a:solidFill>
+                <a:highlight>
+                  <a:srgbClr val="FFFFFF"/>
+                </a:highlight>
+                <a:latin typeface="Consolas"/>
+                <a:ea typeface="Consolas"/>
+                <a:cs typeface="Consolas"/>
+                <a:sym typeface="Consolas"/>
+              </a:rPr>
+              <a:t>// Add a method to the prototype that calls bind with the func. This can be</a:t>
+            </a:r>
+          </a:p>
+          <a:p>
+            <a:pPr lvl="0" rtl="0">
+              <a:lnSpc>
+                <a:spcPct val="142857"/>
+              </a:lnSpc>
+              <a:spcBef>
+                <a:spcPts val="0"/>
+              </a:spcBef>
+              <a:buNone/>
+            </a:pPr>
+            <a:r>
+              <a:rPr lang="en" sz="600">
+                <a:solidFill>
+                  <a:srgbClr val="969896"/>
+                </a:solidFill>
+                <a:highlight>
+                  <a:srgbClr val="FFFFFF"/>
+                </a:highlight>
+                <a:latin typeface="Consolas"/>
+                <a:ea typeface="Consolas"/>
+                <a:cs typeface="Consolas"/>
+                <a:sym typeface="Consolas"/>
+              </a:rPr>
+              <a:t>// used for ajax methods that return values other than monads.</a:t>
+            </a:r>
+          </a:p>
+          <a:p>
+            <a:pPr lvl="0" rtl="0">
+              <a:lnSpc>
+                <a:spcPct val="142857"/>
+              </a:lnSpc>
+              <a:spcBef>
+                <a:spcPts val="0"/>
+              </a:spcBef>
+              <a:buNone/>
+            </a:pPr>
+            <a:br>
+              <a:rPr lang="en" sz="600">
+                <a:solidFill>
+                  <a:srgbClr val="24292E"/>
+                </a:solidFill>
+                <a:highlight>
+                  <a:srgbClr val="FFFFFF"/>
+                </a:highlight>
+                <a:latin typeface="Consolas"/>
+                <a:ea typeface="Consolas"/>
+                <a:cs typeface="Consolas"/>
+                <a:sym typeface="Consolas"/>
+              </a:rPr>
+            </a:br>
+          </a:p>
+          <a:p>
+            <a:pPr lvl="0" rtl="0">
+              <a:lnSpc>
+                <a:spcPct val="142857"/>
+              </a:lnSpc>
+              <a:spcBef>
+                <a:spcPts val="0"/>
+              </a:spcBef>
+              <a:buNone/>
+            </a:pPr>
+            <a:r>
+              <a:rPr lang="en" sz="600">
+                <a:solidFill>
+                  <a:srgbClr val="24292E"/>
+                </a:solidFill>
+                <a:highlight>
+                  <a:srgbClr val="FFFFFF"/>
+                </a:highlight>
+                <a:latin typeface="Consolas"/>
+                <a:ea typeface="Consolas"/>
+                <a:cs typeface="Consolas"/>
+                <a:sym typeface="Consolas"/>
+              </a:rPr>
+              <a:t>       prototype[name] </a:t>
+            </a:r>
+            <a:r>
+              <a:rPr lang="en" sz="600">
+                <a:solidFill>
+                  <a:srgbClr val="A71D5D"/>
+                </a:solidFill>
+                <a:highlight>
+                  <a:srgbClr val="FFFFFF"/>
+                </a:highlight>
+                <a:latin typeface="Consolas"/>
+                <a:ea typeface="Consolas"/>
+                <a:cs typeface="Consolas"/>
+                <a:sym typeface="Consolas"/>
+              </a:rPr>
+              <a:t>=</a:t>
+            </a:r>
+            <a:r>
+              <a:rPr lang="en" sz="600">
+                <a:solidFill>
+                  <a:srgbClr val="24292E"/>
+                </a:solidFill>
+                <a:highlight>
+                  <a:srgbClr val="FFFFFF"/>
+                </a:highlight>
+                <a:latin typeface="Consolas"/>
+                <a:ea typeface="Consolas"/>
+                <a:cs typeface="Consolas"/>
+                <a:sym typeface="Consolas"/>
+              </a:rPr>
+              <a:t> </a:t>
+            </a:r>
+            <a:r>
+              <a:rPr lang="en" sz="600">
+                <a:solidFill>
+                  <a:srgbClr val="A71D5D"/>
+                </a:solidFill>
+                <a:highlight>
+                  <a:srgbClr val="FFFFFF"/>
+                </a:highlight>
+                <a:latin typeface="Consolas"/>
+                <a:ea typeface="Consolas"/>
+                <a:cs typeface="Consolas"/>
+                <a:sym typeface="Consolas"/>
+              </a:rPr>
+              <a:t>function</a:t>
+            </a:r>
+            <a:r>
+              <a:rPr lang="en" sz="600">
+                <a:solidFill>
+                  <a:srgbClr val="24292E"/>
+                </a:solidFill>
+                <a:highlight>
+                  <a:srgbClr val="FFFFFF"/>
+                </a:highlight>
+                <a:latin typeface="Consolas"/>
+                <a:ea typeface="Consolas"/>
+                <a:cs typeface="Consolas"/>
+                <a:sym typeface="Consolas"/>
+              </a:rPr>
+              <a:t> () {</a:t>
+            </a:r>
+          </a:p>
+          <a:p>
+            <a:pPr lvl="0" rtl="0">
+              <a:lnSpc>
+                <a:spcPct val="142857"/>
+              </a:lnSpc>
+              <a:spcBef>
+                <a:spcPts val="0"/>
+              </a:spcBef>
+              <a:buNone/>
+            </a:pPr>
+            <a:r>
+              <a:rPr lang="en" sz="600">
+                <a:solidFill>
+                  <a:srgbClr val="24292E"/>
+                </a:solidFill>
+                <a:highlight>
+                  <a:srgbClr val="FFFFFF"/>
+                </a:highlight>
+                <a:latin typeface="Consolas"/>
+                <a:ea typeface="Consolas"/>
+                <a:cs typeface="Consolas"/>
+                <a:sym typeface="Consolas"/>
+              </a:rPr>
+              <a:t>           </a:t>
+            </a:r>
+            <a:r>
+              <a:rPr lang="en" sz="600">
+                <a:solidFill>
+                  <a:srgbClr val="A71D5D"/>
+                </a:solidFill>
+                <a:highlight>
+                  <a:srgbClr val="FFFFFF"/>
+                </a:highlight>
+                <a:latin typeface="Consolas"/>
+                <a:ea typeface="Consolas"/>
+                <a:cs typeface="Consolas"/>
+                <a:sym typeface="Consolas"/>
+              </a:rPr>
+              <a:t>return</a:t>
+            </a:r>
+            <a:r>
+              <a:rPr lang="en" sz="600">
+                <a:solidFill>
+                  <a:srgbClr val="24292E"/>
+                </a:solidFill>
+                <a:highlight>
+                  <a:srgbClr val="FFFFFF"/>
+                </a:highlight>
+                <a:latin typeface="Consolas"/>
+                <a:ea typeface="Consolas"/>
+                <a:cs typeface="Consolas"/>
+                <a:sym typeface="Consolas"/>
+              </a:rPr>
+              <a:t> </a:t>
+            </a:r>
+            <a:r>
+              <a:rPr lang="en" sz="600">
+                <a:solidFill>
+                  <a:srgbClr val="0086B3"/>
+                </a:solidFill>
+                <a:highlight>
+                  <a:srgbClr val="FFFFFF"/>
+                </a:highlight>
+                <a:latin typeface="Consolas"/>
+                <a:ea typeface="Consolas"/>
+                <a:cs typeface="Consolas"/>
+                <a:sym typeface="Consolas"/>
+              </a:rPr>
+              <a:t>this</a:t>
+            </a:r>
+            <a:r>
+              <a:rPr lang="en" sz="600">
+                <a:solidFill>
+                  <a:srgbClr val="24292E"/>
+                </a:solidFill>
+                <a:highlight>
+                  <a:srgbClr val="FFFFFF"/>
+                </a:highlight>
+                <a:latin typeface="Consolas"/>
+                <a:ea typeface="Consolas"/>
+                <a:cs typeface="Consolas"/>
+                <a:sym typeface="Consolas"/>
+              </a:rPr>
+              <a:t>.</a:t>
+            </a:r>
+            <a:r>
+              <a:rPr lang="en" sz="600">
+                <a:solidFill>
+                  <a:srgbClr val="795DA3"/>
+                </a:solidFill>
+                <a:highlight>
+                  <a:srgbClr val="FFFFFF"/>
+                </a:highlight>
+                <a:latin typeface="Consolas"/>
+                <a:ea typeface="Consolas"/>
+                <a:cs typeface="Consolas"/>
+                <a:sym typeface="Consolas"/>
+              </a:rPr>
+              <a:t>bind</a:t>
+            </a:r>
+            <a:r>
+              <a:rPr lang="en" sz="600">
+                <a:solidFill>
+                  <a:srgbClr val="24292E"/>
+                </a:solidFill>
+                <a:highlight>
+                  <a:srgbClr val="FFFFFF"/>
+                </a:highlight>
+                <a:latin typeface="Consolas"/>
+                <a:ea typeface="Consolas"/>
+                <a:cs typeface="Consolas"/>
+                <a:sym typeface="Consolas"/>
+              </a:rPr>
+              <a:t>(func, </a:t>
+            </a:r>
+            <a:r>
+              <a:rPr lang="en" sz="600">
+                <a:solidFill>
+                  <a:srgbClr val="0086B3"/>
+                </a:solidFill>
+                <a:highlight>
+                  <a:srgbClr val="FFFFFF"/>
+                </a:highlight>
+                <a:latin typeface="Consolas"/>
+                <a:ea typeface="Consolas"/>
+                <a:cs typeface="Consolas"/>
+                <a:sym typeface="Consolas"/>
+              </a:rPr>
+              <a:t>arguments</a:t>
+            </a:r>
+            <a:r>
+              <a:rPr lang="en" sz="600">
+                <a:solidFill>
+                  <a:srgbClr val="24292E"/>
+                </a:solidFill>
+                <a:highlight>
+                  <a:srgbClr val="FFFFFF"/>
+                </a:highlight>
+                <a:latin typeface="Consolas"/>
+                <a:ea typeface="Consolas"/>
+                <a:cs typeface="Consolas"/>
+                <a:sym typeface="Consolas"/>
+              </a:rPr>
+              <a:t>);</a:t>
+            </a:r>
+          </a:p>
+          <a:p>
+            <a:pPr lvl="0" rtl="0">
+              <a:lnSpc>
+                <a:spcPct val="142857"/>
+              </a:lnSpc>
+              <a:spcBef>
+                <a:spcPts val="0"/>
+              </a:spcBef>
+              <a:buNone/>
+            </a:pPr>
+            <a:r>
+              <a:rPr lang="en" sz="600">
+                <a:solidFill>
+                  <a:srgbClr val="24292E"/>
+                </a:solidFill>
+                <a:highlight>
+                  <a:srgbClr val="FFFFFF"/>
+                </a:highlight>
+                <a:latin typeface="Consolas"/>
+                <a:ea typeface="Consolas"/>
+                <a:cs typeface="Consolas"/>
+                <a:sym typeface="Consolas"/>
+              </a:rPr>
+              <a:t>       };</a:t>
+            </a:r>
+          </a:p>
+          <a:p>
+            <a:pPr lvl="0" rtl="0">
+              <a:lnSpc>
+                <a:spcPct val="142857"/>
+              </a:lnSpc>
+              <a:spcBef>
+                <a:spcPts val="0"/>
+              </a:spcBef>
+              <a:buNone/>
+            </a:pPr>
+            <a:r>
+              <a:rPr lang="en" sz="600">
+                <a:solidFill>
+                  <a:srgbClr val="24292E"/>
+                </a:solidFill>
+                <a:highlight>
+                  <a:srgbClr val="FFFFFF"/>
+                </a:highlight>
+                <a:latin typeface="Consolas"/>
+                <a:ea typeface="Consolas"/>
+                <a:cs typeface="Consolas"/>
+                <a:sym typeface="Consolas"/>
+              </a:rPr>
+              <a:t>       </a:t>
+            </a:r>
+            <a:r>
+              <a:rPr lang="en" sz="600">
+                <a:solidFill>
+                  <a:srgbClr val="A71D5D"/>
+                </a:solidFill>
+                <a:highlight>
+                  <a:srgbClr val="FFFFFF"/>
+                </a:highlight>
+                <a:latin typeface="Consolas"/>
+                <a:ea typeface="Consolas"/>
+                <a:cs typeface="Consolas"/>
+                <a:sym typeface="Consolas"/>
+              </a:rPr>
+              <a:t>return</a:t>
+            </a:r>
+            <a:r>
+              <a:rPr lang="en" sz="600">
+                <a:solidFill>
+                  <a:srgbClr val="24292E"/>
+                </a:solidFill>
+                <a:highlight>
+                  <a:srgbClr val="FFFFFF"/>
+                </a:highlight>
+                <a:latin typeface="Consolas"/>
+                <a:ea typeface="Consolas"/>
+                <a:cs typeface="Consolas"/>
+                <a:sym typeface="Consolas"/>
+              </a:rPr>
+              <a:t> unit;</a:t>
+            </a:r>
+          </a:p>
+          <a:p>
+            <a:pPr lvl="0" rtl="0">
+              <a:lnSpc>
+                <a:spcPct val="142857"/>
+              </a:lnSpc>
+              <a:spcBef>
+                <a:spcPts val="0"/>
+              </a:spcBef>
+              <a:buNone/>
+            </a:pPr>
+            <a:r>
+              <a:rPr lang="en" sz="600">
+                <a:solidFill>
+                  <a:srgbClr val="24292E"/>
+                </a:solidFill>
+                <a:highlight>
+                  <a:srgbClr val="FFFFFF"/>
+                </a:highlight>
+                <a:latin typeface="Consolas"/>
+                <a:ea typeface="Consolas"/>
+                <a:cs typeface="Consolas"/>
+                <a:sym typeface="Consolas"/>
+              </a:rPr>
+              <a:t>   };</a:t>
+            </a:r>
+          </a:p>
+          <a:p>
+            <a:pPr lvl="0" rtl="0">
+              <a:lnSpc>
+                <a:spcPct val="142857"/>
+              </a:lnSpc>
+              <a:spcBef>
+                <a:spcPts val="0"/>
+              </a:spcBef>
+              <a:buNone/>
+            </a:pPr>
+            <a:r>
+              <a:rPr lang="en" sz="600">
+                <a:solidFill>
+                  <a:srgbClr val="24292E"/>
+                </a:solidFill>
+                <a:highlight>
+                  <a:srgbClr val="FFFFFF"/>
+                </a:highlight>
+                <a:latin typeface="Consolas"/>
+                <a:ea typeface="Consolas"/>
+                <a:cs typeface="Consolas"/>
+                <a:sym typeface="Consolas"/>
+              </a:rPr>
+              <a:t>   </a:t>
+            </a:r>
+            <a:r>
+              <a:rPr lang="en" sz="600">
+                <a:solidFill>
+                  <a:srgbClr val="333333"/>
+                </a:solidFill>
+                <a:highlight>
+                  <a:srgbClr val="FFFFFF"/>
+                </a:highlight>
+                <a:latin typeface="Consolas"/>
+                <a:ea typeface="Consolas"/>
+                <a:cs typeface="Consolas"/>
+                <a:sym typeface="Consolas"/>
+              </a:rPr>
+              <a:t>unit</a:t>
+            </a:r>
+            <a:r>
+              <a:rPr lang="en" sz="600">
+                <a:solidFill>
+                  <a:srgbClr val="24292E"/>
+                </a:solidFill>
+                <a:highlight>
+                  <a:srgbClr val="FFFFFF"/>
+                </a:highlight>
+                <a:latin typeface="Consolas"/>
+                <a:ea typeface="Consolas"/>
+                <a:cs typeface="Consolas"/>
+                <a:sym typeface="Consolas"/>
+              </a:rPr>
+              <a:t>.</a:t>
+            </a:r>
+            <a:r>
+              <a:rPr lang="en" sz="600">
+                <a:solidFill>
+                  <a:srgbClr val="795DA3"/>
+                </a:solidFill>
+                <a:highlight>
+                  <a:srgbClr val="FFFFFF"/>
+                </a:highlight>
+                <a:latin typeface="Consolas"/>
+                <a:ea typeface="Consolas"/>
+                <a:cs typeface="Consolas"/>
+                <a:sym typeface="Consolas"/>
+              </a:rPr>
+              <a:t>lift</a:t>
+            </a:r>
+            <a:r>
+              <a:rPr lang="en" sz="600">
+                <a:solidFill>
+                  <a:srgbClr val="24292E"/>
+                </a:solidFill>
+                <a:highlight>
+                  <a:srgbClr val="FFFFFF"/>
+                </a:highlight>
+                <a:latin typeface="Consolas"/>
+                <a:ea typeface="Consolas"/>
+                <a:cs typeface="Consolas"/>
+                <a:sym typeface="Consolas"/>
+              </a:rPr>
+              <a:t> </a:t>
+            </a:r>
+            <a:r>
+              <a:rPr lang="en" sz="600">
+                <a:solidFill>
+                  <a:srgbClr val="A71D5D"/>
+                </a:solidFill>
+                <a:highlight>
+                  <a:srgbClr val="FFFFFF"/>
+                </a:highlight>
+                <a:latin typeface="Consolas"/>
+                <a:ea typeface="Consolas"/>
+                <a:cs typeface="Consolas"/>
+                <a:sym typeface="Consolas"/>
+              </a:rPr>
+              <a:t>=</a:t>
+            </a:r>
+            <a:r>
+              <a:rPr lang="en" sz="600">
+                <a:solidFill>
+                  <a:srgbClr val="24292E"/>
+                </a:solidFill>
+                <a:highlight>
+                  <a:srgbClr val="FFFFFF"/>
+                </a:highlight>
+                <a:latin typeface="Consolas"/>
+                <a:ea typeface="Consolas"/>
+                <a:cs typeface="Consolas"/>
+                <a:sym typeface="Consolas"/>
+              </a:rPr>
+              <a:t> </a:t>
+            </a:r>
+            <a:r>
+              <a:rPr lang="en" sz="600">
+                <a:solidFill>
+                  <a:srgbClr val="A71D5D"/>
+                </a:solidFill>
+                <a:highlight>
+                  <a:srgbClr val="FFFFFF"/>
+                </a:highlight>
+                <a:latin typeface="Consolas"/>
+                <a:ea typeface="Consolas"/>
+                <a:cs typeface="Consolas"/>
+                <a:sym typeface="Consolas"/>
+              </a:rPr>
+              <a:t>function</a:t>
+            </a:r>
+            <a:r>
+              <a:rPr lang="en" sz="600">
+                <a:solidFill>
+                  <a:srgbClr val="24292E"/>
+                </a:solidFill>
+                <a:highlight>
+                  <a:srgbClr val="FFFFFF"/>
+                </a:highlight>
+                <a:latin typeface="Consolas"/>
+                <a:ea typeface="Consolas"/>
+                <a:cs typeface="Consolas"/>
+                <a:sym typeface="Consolas"/>
+              </a:rPr>
+              <a:t> (</a:t>
+            </a:r>
+            <a:r>
+              <a:rPr lang="en" sz="600">
+                <a:solidFill>
+                  <a:srgbClr val="333333"/>
+                </a:solidFill>
+                <a:highlight>
+                  <a:srgbClr val="FFFFFF"/>
+                </a:highlight>
+                <a:latin typeface="Consolas"/>
+                <a:ea typeface="Consolas"/>
+                <a:cs typeface="Consolas"/>
+                <a:sym typeface="Consolas"/>
+              </a:rPr>
+              <a:t>name</a:t>
+            </a:r>
+            <a:r>
+              <a:rPr lang="en" sz="600">
+                <a:solidFill>
+                  <a:srgbClr val="24292E"/>
+                </a:solidFill>
+                <a:highlight>
+                  <a:srgbClr val="FFFFFF"/>
+                </a:highlight>
+                <a:latin typeface="Consolas"/>
+                <a:ea typeface="Consolas"/>
+                <a:cs typeface="Consolas"/>
+                <a:sym typeface="Consolas"/>
+              </a:rPr>
+              <a:t>, </a:t>
+            </a:r>
+            <a:r>
+              <a:rPr lang="en" sz="600">
+                <a:solidFill>
+                  <a:srgbClr val="333333"/>
+                </a:solidFill>
+                <a:highlight>
+                  <a:srgbClr val="FFFFFF"/>
+                </a:highlight>
+                <a:latin typeface="Consolas"/>
+                <a:ea typeface="Consolas"/>
+                <a:cs typeface="Consolas"/>
+                <a:sym typeface="Consolas"/>
+              </a:rPr>
+              <a:t>func</a:t>
+            </a:r>
+            <a:r>
+              <a:rPr lang="en" sz="600">
+                <a:solidFill>
+                  <a:srgbClr val="24292E"/>
+                </a:solidFill>
+                <a:highlight>
+                  <a:srgbClr val="FFFFFF"/>
+                </a:highlight>
+                <a:latin typeface="Consolas"/>
+                <a:ea typeface="Consolas"/>
+                <a:cs typeface="Consolas"/>
+                <a:sym typeface="Consolas"/>
+              </a:rPr>
+              <a:t>) {</a:t>
+            </a:r>
+          </a:p>
+          <a:p>
+            <a:pPr lvl="0" rtl="0">
+              <a:lnSpc>
+                <a:spcPct val="142857"/>
+              </a:lnSpc>
+              <a:spcBef>
+                <a:spcPts val="0"/>
+              </a:spcBef>
+              <a:buNone/>
+            </a:pPr>
+            <a:br>
+              <a:rPr lang="en" sz="600">
+                <a:solidFill>
+                  <a:srgbClr val="24292E"/>
+                </a:solidFill>
+                <a:highlight>
+                  <a:srgbClr val="FFFFFF"/>
+                </a:highlight>
+                <a:latin typeface="Consolas"/>
+                <a:ea typeface="Consolas"/>
+                <a:cs typeface="Consolas"/>
+                <a:sym typeface="Consolas"/>
+              </a:rPr>
+            </a:br>
+          </a:p>
+        </p:txBody>
+      </p:sp>
+    </p:spTree>
+  </p:cSld>
+  <p:clrMapOvr>
+    <a:masterClrMapping/>
+  </p:clrMapOvr>
+</p:sld>
+</file>
+
+<file path=ppt/slides/slide5.xml><?xml version="1.0" encoding="utf-8"?>
+<p:sld xmlns:a="http://schemas.openxmlformats.org/drawingml/2006/main" xmlns:r="http://schemas.openxmlformats.org/officeDocument/2006/relationships" xmlns:mc="http://schemas.openxmlformats.org/markup-compatibility/2006" xmlns:mv="urn:schemas-microsoft-com:mac:vml" xmlns:p="http://schemas.openxmlformats.org/presentationml/2006/main" xmlns:c="http://schemas.openxmlformats.org/drawingml/2006/chart" xmlns:dgm="http://schemas.openxmlformats.org/drawingml/2006/diagram" xmlns:o="urn:schemas-microsoft-com:office:office" xmlns:v="urn:schemas-microsoft-com:vml" xmlns:pvml="urn:schemas-microsoft-com:office:powerpoint" xmlns:com="http://schemas.openxmlformats.org/drawingml/2006/compatibility" xmlns:p14="http://schemas.microsoft.com/office/powerpoint/2010/main">
+  <p:cSld>
+    <p:spTree>
+      <p:nvGrpSpPr>
+        <p:cNvPr id="90" name="Shape 90"/>
+        <p:cNvGrpSpPr/>
+        <p:nvPr/>
+      </p:nvGrpSpPr>
+      <p:grpSpPr>
+        <a:xfrm>
+          <a:off x="0" y="0"/>
+          <a:ext cx="0" cy="0"/>
+          <a:chOff x="0" y="0"/>
+          <a:chExt cx="0" cy="0"/>
+        </a:xfrm>
+      </p:grpSpPr>
+      <p:sp>
+        <p:nvSpPr>
+          <p:cNvPr id="91" name="Shape 91"/>
+          <p:cNvSpPr txBox="1"/>
+          <p:nvPr>
+            <p:ph type="title"/>
+          </p:nvPr>
+        </p:nvSpPr>
+        <p:spPr>
+          <a:xfrm>
+            <a:off x="311700" y="445025"/>
+            <a:ext cx="8520600" cy="572700"/>
+          </a:xfrm>
+          <a:prstGeom prst="rect">
+            <a:avLst/>
+          </a:prstGeom>
+        </p:spPr>
+        <p:txBody>
+          <a:bodyPr anchorCtr="0" anchor="t" bIns="91425" lIns="91425" rIns="91425" tIns="91425">
+            <a:noAutofit/>
+          </a:bodyPr>
+          <a:lstStyle/>
+          <a:p>
+            <a:pPr lvl="0">
+              <a:spcBef>
+                <a:spcPts val="0"/>
+              </a:spcBef>
+              <a:buNone/>
+            </a:pPr>
+            <a:r>
+              <a:t/>
+            </a:r>
+            <a:endParaRPr/>
+          </a:p>
+        </p:txBody>
+      </p:sp>
+      <p:sp>
+        <p:nvSpPr>
+          <p:cNvPr id="92" name="Shape 92"/>
+          <p:cNvSpPr txBox="1"/>
+          <p:nvPr>
+            <p:ph idx="1" type="body"/>
+          </p:nvPr>
+        </p:nvSpPr>
+        <p:spPr>
+          <a:xfrm>
+            <a:off x="311700" y="445025"/>
+            <a:ext cx="8520600" cy="4123800"/>
+          </a:xfrm>
+          <a:prstGeom prst="rect">
+            <a:avLst/>
+          </a:prstGeom>
+        </p:spPr>
+        <p:txBody>
+          <a:bodyPr anchorCtr="0" anchor="t" bIns="91425" lIns="91425" rIns="91425" tIns="91425">
+            <a:noAutofit/>
+          </a:bodyPr>
+          <a:lstStyle/>
+          <a:p>
+            <a:pPr lvl="0" rtl="0">
+              <a:lnSpc>
+                <a:spcPct val="142857"/>
+              </a:lnSpc>
+              <a:spcBef>
+                <a:spcPts val="0"/>
+              </a:spcBef>
+              <a:spcAft>
+                <a:spcPts val="0"/>
+              </a:spcAft>
+              <a:buNone/>
+            </a:pPr>
+            <a:r>
+              <a:t/>
+            </a:r>
+            <a:endParaRPr sz="600">
+              <a:solidFill>
+                <a:srgbClr val="24292E"/>
+              </a:solidFill>
+              <a:highlight>
+                <a:srgbClr val="FFFFFF"/>
+              </a:highlight>
+              <a:latin typeface="Consolas"/>
+              <a:ea typeface="Consolas"/>
+              <a:cs typeface="Consolas"/>
+              <a:sym typeface="Consolas"/>
+            </a:endParaRPr>
+          </a:p>
+          <a:p>
+            <a:pPr lvl="0" rtl="0">
+              <a:lnSpc>
+                <a:spcPct val="142857"/>
+              </a:lnSpc>
+              <a:spcBef>
+                <a:spcPts val="0"/>
+              </a:spcBef>
+              <a:spcAft>
+                <a:spcPts val="0"/>
+              </a:spcAft>
+              <a:buNone/>
+            </a:pPr>
+            <a:r>
+              <a:rPr lang="en" sz="600">
+                <a:solidFill>
+                  <a:srgbClr val="969896"/>
+                </a:solidFill>
+                <a:highlight>
+                  <a:srgbClr val="FFFFFF"/>
+                </a:highlight>
+                <a:latin typeface="Consolas"/>
+                <a:ea typeface="Consolas"/>
+                <a:cs typeface="Consolas"/>
+                <a:sym typeface="Consolas"/>
+              </a:rPr>
+              <a:t>// Add a method to the prototype that calls bind with the func. If the value</a:t>
+            </a:r>
+          </a:p>
+          <a:p>
+            <a:pPr lvl="0" rtl="0">
+              <a:lnSpc>
+                <a:spcPct val="142857"/>
+              </a:lnSpc>
+              <a:spcBef>
+                <a:spcPts val="0"/>
+              </a:spcBef>
+              <a:spcAft>
+                <a:spcPts val="0"/>
+              </a:spcAft>
+              <a:buNone/>
+            </a:pPr>
+            <a:r>
+              <a:rPr lang="en" sz="600">
+                <a:solidFill>
+                  <a:srgbClr val="969896"/>
+                </a:solidFill>
+                <a:highlight>
+                  <a:srgbClr val="FFFFFF"/>
+                </a:highlight>
+                <a:latin typeface="Consolas"/>
+                <a:ea typeface="Consolas"/>
+                <a:cs typeface="Consolas"/>
+                <a:sym typeface="Consolas"/>
+              </a:rPr>
+              <a:t>// returned by the func is not a monad, then make a monad.</a:t>
+            </a:r>
+          </a:p>
+          <a:p>
+            <a:pPr lvl="0" rtl="0">
+              <a:lnSpc>
+                <a:spcPct val="142857"/>
+              </a:lnSpc>
+              <a:spcBef>
+                <a:spcPts val="0"/>
+              </a:spcBef>
+              <a:spcAft>
+                <a:spcPts val="0"/>
+              </a:spcAft>
+              <a:buNone/>
+            </a:pPr>
+            <a:br>
+              <a:rPr lang="en" sz="600">
+                <a:solidFill>
+                  <a:srgbClr val="24292E"/>
+                </a:solidFill>
+                <a:highlight>
+                  <a:srgbClr val="FFFFFF"/>
+                </a:highlight>
+                <a:latin typeface="Consolas"/>
+                <a:ea typeface="Consolas"/>
+                <a:cs typeface="Consolas"/>
+                <a:sym typeface="Consolas"/>
+              </a:rPr>
+            </a:br>
+          </a:p>
+          <a:p>
+            <a:pPr lvl="0" rtl="0">
+              <a:lnSpc>
+                <a:spcPct val="142857"/>
+              </a:lnSpc>
+              <a:spcBef>
+                <a:spcPts val="0"/>
+              </a:spcBef>
+              <a:spcAft>
+                <a:spcPts val="0"/>
+              </a:spcAft>
+              <a:buNone/>
+            </a:pPr>
+            <a:r>
+              <a:rPr lang="en" sz="600">
+                <a:solidFill>
+                  <a:srgbClr val="24292E"/>
+                </a:solidFill>
+                <a:highlight>
+                  <a:srgbClr val="FFFFFF"/>
+                </a:highlight>
+                <a:latin typeface="Consolas"/>
+                <a:ea typeface="Consolas"/>
+                <a:cs typeface="Consolas"/>
+                <a:sym typeface="Consolas"/>
+              </a:rPr>
+              <a:t>       prototype[name] </a:t>
+            </a:r>
+            <a:r>
+              <a:rPr lang="en" sz="600">
+                <a:solidFill>
+                  <a:srgbClr val="A71D5D"/>
+                </a:solidFill>
+                <a:highlight>
+                  <a:srgbClr val="FFFFFF"/>
+                </a:highlight>
+                <a:latin typeface="Consolas"/>
+                <a:ea typeface="Consolas"/>
+                <a:cs typeface="Consolas"/>
+                <a:sym typeface="Consolas"/>
+              </a:rPr>
+              <a:t>=</a:t>
+            </a:r>
+            <a:r>
+              <a:rPr lang="en" sz="600">
+                <a:solidFill>
+                  <a:srgbClr val="24292E"/>
+                </a:solidFill>
+                <a:highlight>
+                  <a:srgbClr val="FFFFFF"/>
+                </a:highlight>
+                <a:latin typeface="Consolas"/>
+                <a:ea typeface="Consolas"/>
+                <a:cs typeface="Consolas"/>
+                <a:sym typeface="Consolas"/>
+              </a:rPr>
+              <a:t> </a:t>
+            </a:r>
+            <a:r>
+              <a:rPr lang="en" sz="600">
+                <a:solidFill>
+                  <a:srgbClr val="A71D5D"/>
+                </a:solidFill>
+                <a:highlight>
+                  <a:srgbClr val="FFFFFF"/>
+                </a:highlight>
+                <a:latin typeface="Consolas"/>
+                <a:ea typeface="Consolas"/>
+                <a:cs typeface="Consolas"/>
+                <a:sym typeface="Consolas"/>
+              </a:rPr>
+              <a:t>function</a:t>
+            </a:r>
+            <a:r>
+              <a:rPr lang="en" sz="600">
+                <a:solidFill>
+                  <a:srgbClr val="24292E"/>
+                </a:solidFill>
+                <a:highlight>
+                  <a:srgbClr val="FFFFFF"/>
+                </a:highlight>
+                <a:latin typeface="Consolas"/>
+                <a:ea typeface="Consolas"/>
+                <a:cs typeface="Consolas"/>
+                <a:sym typeface="Consolas"/>
+              </a:rPr>
+              <a:t> () {</a:t>
+            </a:r>
+          </a:p>
+          <a:p>
+            <a:pPr lvl="0" rtl="0">
+              <a:lnSpc>
+                <a:spcPct val="142857"/>
+              </a:lnSpc>
+              <a:spcBef>
+                <a:spcPts val="0"/>
+              </a:spcBef>
+              <a:spcAft>
+                <a:spcPts val="0"/>
+              </a:spcAft>
+              <a:buNone/>
+            </a:pPr>
+            <a:r>
+              <a:rPr lang="en" sz="600">
+                <a:solidFill>
+                  <a:srgbClr val="24292E"/>
+                </a:solidFill>
+                <a:highlight>
+                  <a:srgbClr val="FFFFFF"/>
+                </a:highlight>
+                <a:latin typeface="Consolas"/>
+                <a:ea typeface="Consolas"/>
+                <a:cs typeface="Consolas"/>
+                <a:sym typeface="Consolas"/>
+              </a:rPr>
+              <a:t>           </a:t>
+            </a:r>
+            <a:r>
+              <a:rPr lang="en" sz="600">
+                <a:solidFill>
+                  <a:srgbClr val="A71D5D"/>
+                </a:solidFill>
+                <a:highlight>
+                  <a:srgbClr val="FFFFFF"/>
+                </a:highlight>
+                <a:latin typeface="Consolas"/>
+                <a:ea typeface="Consolas"/>
+                <a:cs typeface="Consolas"/>
+                <a:sym typeface="Consolas"/>
+              </a:rPr>
+              <a:t>var</a:t>
+            </a:r>
+            <a:r>
+              <a:rPr lang="en" sz="600">
+                <a:solidFill>
+                  <a:srgbClr val="24292E"/>
+                </a:solidFill>
+                <a:highlight>
+                  <a:srgbClr val="FFFFFF"/>
+                </a:highlight>
+                <a:latin typeface="Consolas"/>
+                <a:ea typeface="Consolas"/>
+                <a:cs typeface="Consolas"/>
+                <a:sym typeface="Consolas"/>
+              </a:rPr>
+              <a:t> result </a:t>
+            </a:r>
+            <a:r>
+              <a:rPr lang="en" sz="600">
+                <a:solidFill>
+                  <a:srgbClr val="A71D5D"/>
+                </a:solidFill>
+                <a:highlight>
+                  <a:srgbClr val="FFFFFF"/>
+                </a:highlight>
+                <a:latin typeface="Consolas"/>
+                <a:ea typeface="Consolas"/>
+                <a:cs typeface="Consolas"/>
+                <a:sym typeface="Consolas"/>
+              </a:rPr>
+              <a:t>=</a:t>
+            </a:r>
+            <a:r>
+              <a:rPr lang="en" sz="600">
+                <a:solidFill>
+                  <a:srgbClr val="24292E"/>
+                </a:solidFill>
+                <a:highlight>
+                  <a:srgbClr val="FFFFFF"/>
+                </a:highlight>
+                <a:latin typeface="Consolas"/>
+                <a:ea typeface="Consolas"/>
+                <a:cs typeface="Consolas"/>
+                <a:sym typeface="Consolas"/>
+              </a:rPr>
+              <a:t> </a:t>
+            </a:r>
+            <a:r>
+              <a:rPr lang="en" sz="600">
+                <a:solidFill>
+                  <a:srgbClr val="0086B3"/>
+                </a:solidFill>
+                <a:highlight>
+                  <a:srgbClr val="FFFFFF"/>
+                </a:highlight>
+                <a:latin typeface="Consolas"/>
+                <a:ea typeface="Consolas"/>
+                <a:cs typeface="Consolas"/>
+                <a:sym typeface="Consolas"/>
+              </a:rPr>
+              <a:t>this</a:t>
+            </a:r>
+            <a:r>
+              <a:rPr lang="en" sz="600">
+                <a:solidFill>
+                  <a:srgbClr val="24292E"/>
+                </a:solidFill>
+                <a:highlight>
+                  <a:srgbClr val="FFFFFF"/>
+                </a:highlight>
+                <a:latin typeface="Consolas"/>
+                <a:ea typeface="Consolas"/>
+                <a:cs typeface="Consolas"/>
+                <a:sym typeface="Consolas"/>
+              </a:rPr>
+              <a:t>.</a:t>
+            </a:r>
+            <a:r>
+              <a:rPr lang="en" sz="600">
+                <a:solidFill>
+                  <a:srgbClr val="795DA3"/>
+                </a:solidFill>
+                <a:highlight>
+                  <a:srgbClr val="FFFFFF"/>
+                </a:highlight>
+                <a:latin typeface="Consolas"/>
+                <a:ea typeface="Consolas"/>
+                <a:cs typeface="Consolas"/>
+                <a:sym typeface="Consolas"/>
+              </a:rPr>
+              <a:t>bind</a:t>
+            </a:r>
+            <a:r>
+              <a:rPr lang="en" sz="600">
+                <a:solidFill>
+                  <a:srgbClr val="24292E"/>
+                </a:solidFill>
+                <a:highlight>
+                  <a:srgbClr val="FFFFFF"/>
+                </a:highlight>
+                <a:latin typeface="Consolas"/>
+                <a:ea typeface="Consolas"/>
+                <a:cs typeface="Consolas"/>
+                <a:sym typeface="Consolas"/>
+              </a:rPr>
+              <a:t>(func, </a:t>
+            </a:r>
+            <a:r>
+              <a:rPr lang="en" sz="600">
+                <a:solidFill>
+                  <a:srgbClr val="0086B3"/>
+                </a:solidFill>
+                <a:highlight>
+                  <a:srgbClr val="FFFFFF"/>
+                </a:highlight>
+                <a:latin typeface="Consolas"/>
+                <a:ea typeface="Consolas"/>
+                <a:cs typeface="Consolas"/>
+                <a:sym typeface="Consolas"/>
+              </a:rPr>
+              <a:t>arguments</a:t>
+            </a:r>
+            <a:r>
+              <a:rPr lang="en" sz="600">
+                <a:solidFill>
+                  <a:srgbClr val="24292E"/>
+                </a:solidFill>
+                <a:highlight>
+                  <a:srgbClr val="FFFFFF"/>
+                </a:highlight>
+                <a:latin typeface="Consolas"/>
+                <a:ea typeface="Consolas"/>
+                <a:cs typeface="Consolas"/>
+                <a:sym typeface="Consolas"/>
+              </a:rPr>
+              <a:t>);</a:t>
+            </a:r>
+          </a:p>
+          <a:p>
+            <a:pPr lvl="0" rtl="0">
+              <a:lnSpc>
+                <a:spcPct val="142857"/>
+              </a:lnSpc>
+              <a:spcBef>
+                <a:spcPts val="0"/>
+              </a:spcBef>
+              <a:spcAft>
+                <a:spcPts val="0"/>
+              </a:spcAft>
+              <a:buNone/>
+            </a:pPr>
+            <a:r>
+              <a:rPr lang="en" sz="600">
+                <a:solidFill>
+                  <a:srgbClr val="24292E"/>
+                </a:solidFill>
+                <a:highlight>
+                  <a:srgbClr val="FFFFFF"/>
+                </a:highlight>
+                <a:latin typeface="Consolas"/>
+                <a:ea typeface="Consolas"/>
+                <a:cs typeface="Consolas"/>
+                <a:sym typeface="Consolas"/>
+              </a:rPr>
+              <a:t>           </a:t>
+            </a:r>
+            <a:r>
+              <a:rPr lang="en" sz="600">
+                <a:solidFill>
+                  <a:srgbClr val="A71D5D"/>
+                </a:solidFill>
+                <a:highlight>
+                  <a:srgbClr val="FFFFFF"/>
+                </a:highlight>
+                <a:latin typeface="Consolas"/>
+                <a:ea typeface="Consolas"/>
+                <a:cs typeface="Consolas"/>
+                <a:sym typeface="Consolas"/>
+              </a:rPr>
+              <a:t>return</a:t>
+            </a:r>
+            <a:r>
+              <a:rPr lang="en" sz="600">
+                <a:solidFill>
+                  <a:srgbClr val="24292E"/>
+                </a:solidFill>
+                <a:highlight>
+                  <a:srgbClr val="FFFFFF"/>
+                </a:highlight>
+                <a:latin typeface="Consolas"/>
+                <a:ea typeface="Consolas"/>
+                <a:cs typeface="Consolas"/>
+                <a:sym typeface="Consolas"/>
+              </a:rPr>
+              <a:t> (result </a:t>
+            </a:r>
+            <a:r>
+              <a:rPr lang="en" sz="600">
+                <a:solidFill>
+                  <a:srgbClr val="A71D5D"/>
+                </a:solidFill>
+                <a:highlight>
+                  <a:srgbClr val="FFFFFF"/>
+                </a:highlight>
+                <a:latin typeface="Consolas"/>
+                <a:ea typeface="Consolas"/>
+                <a:cs typeface="Consolas"/>
+                <a:sym typeface="Consolas"/>
+              </a:rPr>
+              <a:t>&amp;&amp;</a:t>
+            </a:r>
+            <a:r>
+              <a:rPr lang="en" sz="600">
+                <a:solidFill>
+                  <a:srgbClr val="24292E"/>
+                </a:solidFill>
+                <a:highlight>
+                  <a:srgbClr val="FFFFFF"/>
+                </a:highlight>
+                <a:latin typeface="Consolas"/>
+                <a:ea typeface="Consolas"/>
+                <a:cs typeface="Consolas"/>
+                <a:sym typeface="Consolas"/>
+              </a:rPr>
+              <a:t> </a:t>
+            </a:r>
+            <a:r>
+              <a:rPr lang="en" sz="600">
+                <a:solidFill>
+                  <a:srgbClr val="333333"/>
+                </a:solidFill>
+                <a:highlight>
+                  <a:srgbClr val="FFFFFF"/>
+                </a:highlight>
+                <a:latin typeface="Consolas"/>
+                <a:ea typeface="Consolas"/>
+                <a:cs typeface="Consolas"/>
+                <a:sym typeface="Consolas"/>
+              </a:rPr>
+              <a:t>result</a:t>
+            </a:r>
+            <a:r>
+              <a:rPr lang="en" sz="600">
+                <a:solidFill>
+                  <a:srgbClr val="24292E"/>
+                </a:solidFill>
+                <a:highlight>
+                  <a:srgbClr val="FFFFFF"/>
+                </a:highlight>
+                <a:latin typeface="Consolas"/>
+                <a:ea typeface="Consolas"/>
+                <a:cs typeface="Consolas"/>
+                <a:sym typeface="Consolas"/>
+              </a:rPr>
+              <a:t>.</a:t>
+            </a:r>
+            <a:r>
+              <a:rPr lang="en" sz="600">
+                <a:solidFill>
+                  <a:srgbClr val="333333"/>
+                </a:solidFill>
+                <a:highlight>
+                  <a:srgbClr val="FFFFFF"/>
+                </a:highlight>
+                <a:latin typeface="Consolas"/>
+                <a:ea typeface="Consolas"/>
+                <a:cs typeface="Consolas"/>
+                <a:sym typeface="Consolas"/>
+              </a:rPr>
+              <a:t>is_monad</a:t>
+            </a:r>
+            <a:r>
+              <a:rPr lang="en" sz="600">
+                <a:solidFill>
+                  <a:srgbClr val="24292E"/>
+                </a:solidFill>
+                <a:highlight>
+                  <a:srgbClr val="FFFFFF"/>
+                </a:highlight>
+                <a:latin typeface="Consolas"/>
+                <a:ea typeface="Consolas"/>
+                <a:cs typeface="Consolas"/>
+                <a:sym typeface="Consolas"/>
+              </a:rPr>
+              <a:t> </a:t>
+            </a:r>
+            <a:r>
+              <a:rPr lang="en" sz="600">
+                <a:solidFill>
+                  <a:srgbClr val="A71D5D"/>
+                </a:solidFill>
+                <a:highlight>
+                  <a:srgbClr val="FFFFFF"/>
+                </a:highlight>
+                <a:latin typeface="Consolas"/>
+                <a:ea typeface="Consolas"/>
+                <a:cs typeface="Consolas"/>
+                <a:sym typeface="Consolas"/>
+              </a:rPr>
+              <a:t>===</a:t>
+            </a:r>
+            <a:r>
+              <a:rPr lang="en" sz="600">
+                <a:solidFill>
+                  <a:srgbClr val="24292E"/>
+                </a:solidFill>
+                <a:highlight>
+                  <a:srgbClr val="FFFFFF"/>
+                </a:highlight>
+                <a:latin typeface="Consolas"/>
+                <a:ea typeface="Consolas"/>
+                <a:cs typeface="Consolas"/>
+                <a:sym typeface="Consolas"/>
+              </a:rPr>
+              <a:t> </a:t>
+            </a:r>
+            <a:r>
+              <a:rPr lang="en" sz="600">
+                <a:solidFill>
+                  <a:srgbClr val="0086B3"/>
+                </a:solidFill>
+                <a:highlight>
+                  <a:srgbClr val="FFFFFF"/>
+                </a:highlight>
+                <a:latin typeface="Consolas"/>
+                <a:ea typeface="Consolas"/>
+                <a:cs typeface="Consolas"/>
+                <a:sym typeface="Consolas"/>
+              </a:rPr>
+              <a:t>true</a:t>
+            </a:r>
+            <a:r>
+              <a:rPr lang="en" sz="600">
+                <a:solidFill>
+                  <a:srgbClr val="24292E"/>
+                </a:solidFill>
+                <a:highlight>
+                  <a:srgbClr val="FFFFFF"/>
+                </a:highlight>
+                <a:latin typeface="Consolas"/>
+                <a:ea typeface="Consolas"/>
+                <a:cs typeface="Consolas"/>
+                <a:sym typeface="Consolas"/>
+              </a:rPr>
+              <a:t>)</a:t>
+            </a:r>
+          </a:p>
+          <a:p>
+            <a:pPr lvl="0" rtl="0">
+              <a:lnSpc>
+                <a:spcPct val="142857"/>
+              </a:lnSpc>
+              <a:spcBef>
+                <a:spcPts val="0"/>
+              </a:spcBef>
+              <a:spcAft>
+                <a:spcPts val="0"/>
+              </a:spcAft>
+              <a:buNone/>
+            </a:pPr>
+            <a:r>
+              <a:rPr lang="en" sz="600">
+                <a:solidFill>
+                  <a:srgbClr val="24292E"/>
+                </a:solidFill>
+                <a:highlight>
+                  <a:srgbClr val="FFFFFF"/>
+                </a:highlight>
+                <a:latin typeface="Consolas"/>
+                <a:ea typeface="Consolas"/>
+                <a:cs typeface="Consolas"/>
+                <a:sym typeface="Consolas"/>
+              </a:rPr>
+              <a:t>               </a:t>
+            </a:r>
+            <a:r>
+              <a:rPr lang="en" sz="600">
+                <a:solidFill>
+                  <a:srgbClr val="A71D5D"/>
+                </a:solidFill>
+                <a:highlight>
+                  <a:srgbClr val="FFFFFF"/>
+                </a:highlight>
+                <a:latin typeface="Consolas"/>
+                <a:ea typeface="Consolas"/>
+                <a:cs typeface="Consolas"/>
+                <a:sym typeface="Consolas"/>
+              </a:rPr>
+              <a:t>?</a:t>
+            </a:r>
+            <a:r>
+              <a:rPr lang="en" sz="600">
+                <a:solidFill>
+                  <a:srgbClr val="24292E"/>
+                </a:solidFill>
+                <a:highlight>
+                  <a:srgbClr val="FFFFFF"/>
+                </a:highlight>
+                <a:latin typeface="Consolas"/>
+                <a:ea typeface="Consolas"/>
+                <a:cs typeface="Consolas"/>
+                <a:sym typeface="Consolas"/>
+              </a:rPr>
+              <a:t> result</a:t>
+            </a:r>
+          </a:p>
+          <a:p>
+            <a:pPr lvl="0" rtl="0">
+              <a:lnSpc>
+                <a:spcPct val="142857"/>
+              </a:lnSpc>
+              <a:spcBef>
+                <a:spcPts val="0"/>
+              </a:spcBef>
+              <a:spcAft>
+                <a:spcPts val="0"/>
+              </a:spcAft>
+              <a:buNone/>
+            </a:pPr>
+            <a:r>
+              <a:rPr lang="en" sz="600">
+                <a:solidFill>
+                  <a:srgbClr val="24292E"/>
+                </a:solidFill>
+                <a:highlight>
+                  <a:srgbClr val="FFFFFF"/>
+                </a:highlight>
+                <a:latin typeface="Consolas"/>
+                <a:ea typeface="Consolas"/>
+                <a:cs typeface="Consolas"/>
+                <a:sym typeface="Consolas"/>
+              </a:rPr>
+              <a:t>               </a:t>
+            </a:r>
+            <a:r>
+              <a:rPr lang="en" sz="600">
+                <a:solidFill>
+                  <a:srgbClr val="A71D5D"/>
+                </a:solidFill>
+                <a:highlight>
+                  <a:srgbClr val="FFFFFF"/>
+                </a:highlight>
+                <a:latin typeface="Consolas"/>
+                <a:ea typeface="Consolas"/>
+                <a:cs typeface="Consolas"/>
+                <a:sym typeface="Consolas"/>
+              </a:rPr>
+              <a:t>:</a:t>
+            </a:r>
+            <a:r>
+              <a:rPr lang="en" sz="600">
+                <a:solidFill>
+                  <a:srgbClr val="24292E"/>
+                </a:solidFill>
+                <a:highlight>
+                  <a:srgbClr val="FFFFFF"/>
+                </a:highlight>
+                <a:latin typeface="Consolas"/>
+                <a:ea typeface="Consolas"/>
+                <a:cs typeface="Consolas"/>
+                <a:sym typeface="Consolas"/>
+              </a:rPr>
+              <a:t> </a:t>
+            </a:r>
+            <a:r>
+              <a:rPr lang="en" sz="600">
+                <a:solidFill>
+                  <a:srgbClr val="795DA3"/>
+                </a:solidFill>
+                <a:highlight>
+                  <a:srgbClr val="FFFFFF"/>
+                </a:highlight>
+                <a:latin typeface="Consolas"/>
+                <a:ea typeface="Consolas"/>
+                <a:cs typeface="Consolas"/>
+                <a:sym typeface="Consolas"/>
+              </a:rPr>
+              <a:t>unit</a:t>
+            </a:r>
+            <a:r>
+              <a:rPr lang="en" sz="600">
+                <a:solidFill>
+                  <a:srgbClr val="24292E"/>
+                </a:solidFill>
+                <a:highlight>
+                  <a:srgbClr val="FFFFFF"/>
+                </a:highlight>
+                <a:latin typeface="Consolas"/>
+                <a:ea typeface="Consolas"/>
+                <a:cs typeface="Consolas"/>
+                <a:sym typeface="Consolas"/>
+              </a:rPr>
+              <a:t>(result);</a:t>
+            </a:r>
+          </a:p>
+          <a:p>
+            <a:pPr lvl="0" rtl="0">
+              <a:lnSpc>
+                <a:spcPct val="142857"/>
+              </a:lnSpc>
+              <a:spcBef>
+                <a:spcPts val="0"/>
+              </a:spcBef>
+              <a:spcAft>
+                <a:spcPts val="0"/>
+              </a:spcAft>
+              <a:buNone/>
+            </a:pPr>
+            <a:r>
+              <a:rPr lang="en" sz="600">
+                <a:solidFill>
+                  <a:srgbClr val="24292E"/>
+                </a:solidFill>
+                <a:highlight>
+                  <a:srgbClr val="FFFFFF"/>
+                </a:highlight>
+                <a:latin typeface="Consolas"/>
+                <a:ea typeface="Consolas"/>
+                <a:cs typeface="Consolas"/>
+                <a:sym typeface="Consolas"/>
+              </a:rPr>
+              <a:t>       };</a:t>
+            </a:r>
+          </a:p>
+          <a:p>
+            <a:pPr lvl="0" rtl="0">
+              <a:lnSpc>
+                <a:spcPct val="142857"/>
+              </a:lnSpc>
+              <a:spcBef>
+                <a:spcPts val="0"/>
+              </a:spcBef>
+              <a:spcAft>
+                <a:spcPts val="0"/>
+              </a:spcAft>
+              <a:buNone/>
+            </a:pPr>
+            <a:r>
+              <a:rPr lang="en" sz="600">
+                <a:solidFill>
+                  <a:srgbClr val="24292E"/>
+                </a:solidFill>
+                <a:highlight>
+                  <a:srgbClr val="FFFFFF"/>
+                </a:highlight>
+                <a:latin typeface="Consolas"/>
+                <a:ea typeface="Consolas"/>
+                <a:cs typeface="Consolas"/>
+                <a:sym typeface="Consolas"/>
+              </a:rPr>
+              <a:t>       </a:t>
+            </a:r>
+            <a:r>
+              <a:rPr lang="en" sz="600">
+                <a:solidFill>
+                  <a:srgbClr val="A71D5D"/>
+                </a:solidFill>
+                <a:highlight>
+                  <a:srgbClr val="FFFFFF"/>
+                </a:highlight>
+                <a:latin typeface="Consolas"/>
+                <a:ea typeface="Consolas"/>
+                <a:cs typeface="Consolas"/>
+                <a:sym typeface="Consolas"/>
+              </a:rPr>
+              <a:t>return</a:t>
+            </a:r>
+            <a:r>
+              <a:rPr lang="en" sz="600">
+                <a:solidFill>
+                  <a:srgbClr val="24292E"/>
+                </a:solidFill>
+                <a:highlight>
+                  <a:srgbClr val="FFFFFF"/>
+                </a:highlight>
+                <a:latin typeface="Consolas"/>
+                <a:ea typeface="Consolas"/>
+                <a:cs typeface="Consolas"/>
+                <a:sym typeface="Consolas"/>
+              </a:rPr>
+              <a:t> unit;</a:t>
+            </a:r>
+          </a:p>
+          <a:p>
+            <a:pPr lvl="0" rtl="0">
+              <a:lnSpc>
+                <a:spcPct val="142857"/>
+              </a:lnSpc>
+              <a:spcBef>
+                <a:spcPts val="0"/>
+              </a:spcBef>
+              <a:spcAft>
+                <a:spcPts val="0"/>
+              </a:spcAft>
+              <a:buNone/>
+            </a:pPr>
+            <a:r>
+              <a:rPr lang="en" sz="600">
+                <a:solidFill>
+                  <a:srgbClr val="24292E"/>
+                </a:solidFill>
+                <a:highlight>
+                  <a:srgbClr val="FFFFFF"/>
+                </a:highlight>
+                <a:latin typeface="Consolas"/>
+                <a:ea typeface="Consolas"/>
+                <a:cs typeface="Consolas"/>
+                <a:sym typeface="Consolas"/>
+              </a:rPr>
+              <a:t>   };</a:t>
+            </a:r>
+          </a:p>
+          <a:p>
+            <a:pPr lvl="0" rtl="0">
+              <a:lnSpc>
+                <a:spcPct val="142857"/>
+              </a:lnSpc>
+              <a:spcBef>
+                <a:spcPts val="0"/>
+              </a:spcBef>
+              <a:spcAft>
+                <a:spcPts val="0"/>
+              </a:spcAft>
+              <a:buNone/>
+            </a:pPr>
+            <a:r>
+              <a:rPr lang="en" sz="600">
+                <a:solidFill>
+                  <a:srgbClr val="24292E"/>
+                </a:solidFill>
+                <a:highlight>
+                  <a:srgbClr val="FFFFFF"/>
+                </a:highlight>
+                <a:latin typeface="Consolas"/>
+                <a:ea typeface="Consolas"/>
+                <a:cs typeface="Consolas"/>
+                <a:sym typeface="Consolas"/>
+              </a:rPr>
+              <a:t>   </a:t>
+            </a:r>
+            <a:r>
+              <a:rPr lang="en" sz="600">
+                <a:solidFill>
+                  <a:srgbClr val="A71D5D"/>
+                </a:solidFill>
+                <a:highlight>
+                  <a:srgbClr val="FFFFFF"/>
+                </a:highlight>
+                <a:latin typeface="Consolas"/>
+                <a:ea typeface="Consolas"/>
+                <a:cs typeface="Consolas"/>
+                <a:sym typeface="Consolas"/>
+              </a:rPr>
+              <a:t>return</a:t>
+            </a:r>
+            <a:r>
+              <a:rPr lang="en" sz="600">
+                <a:solidFill>
+                  <a:srgbClr val="24292E"/>
+                </a:solidFill>
+                <a:highlight>
+                  <a:srgbClr val="FFFFFF"/>
+                </a:highlight>
+                <a:latin typeface="Consolas"/>
+                <a:ea typeface="Consolas"/>
+                <a:cs typeface="Consolas"/>
+                <a:sym typeface="Consolas"/>
+              </a:rPr>
+              <a:t> unit;</a:t>
+            </a:r>
+          </a:p>
+          <a:p>
+            <a:pPr lvl="0" rtl="0">
+              <a:lnSpc>
+                <a:spcPct val="142857"/>
+              </a:lnSpc>
+              <a:spcBef>
+                <a:spcPts val="0"/>
+              </a:spcBef>
+              <a:spcAft>
+                <a:spcPts val="0"/>
+              </a:spcAft>
+              <a:buNone/>
+            </a:pPr>
+            <a:r>
+              <a:rPr lang="en" sz="600">
+                <a:solidFill>
+                  <a:srgbClr val="24292E"/>
+                </a:solidFill>
+                <a:highlight>
+                  <a:srgbClr val="FFFFFF"/>
+                </a:highlight>
+                <a:latin typeface="Consolas"/>
+                <a:ea typeface="Consolas"/>
+                <a:cs typeface="Consolas"/>
+                <a:sym typeface="Consolas"/>
+              </a:rPr>
+              <a:t>}</a:t>
+            </a:r>
           </a:p>
         </p:txBody>
       </p:sp>

--- a/PureScript- JS.la presentation.pptx
+++ b/PureScript- JS.la presentation.pptx
@@ -13,16 +13,22 @@
     <p:sldId id="258" r:id="rId7"/>
     <p:sldId id="259" r:id="rId8"/>
     <p:sldId id="260" r:id="rId9"/>
+    <p:sldId id="261" r:id="rId10"/>
+    <p:sldId id="262" r:id="rId11"/>
+    <p:sldId id="263" r:id="rId12"/>
+    <p:sldId id="264" r:id="rId13"/>
+    <p:sldId id="265" r:id="rId14"/>
+    <p:sldId id="266" r:id="rId15"/>
   </p:sldIdLst>
   <p:sldSz cy="5143500" cx="9144000"/>
   <p:notesSz cx="6858000" cy="9144000"/>
   <p:embeddedFontLst>
     <p:embeddedFont>
       <p:font typeface="Proxima Nova"/>
-      <p:regular r:id="rId10"/>
-      <p:bold r:id="rId11"/>
-      <p:italic r:id="rId12"/>
-      <p:boldItalic r:id="rId13"/>
+      <p:regular r:id="rId16"/>
+      <p:bold r:id="rId17"/>
+      <p:italic r:id="rId18"/>
+      <p:boldItalic r:id="rId19"/>
     </p:embeddedFont>
   </p:embeddedFontLst>
   <p:defaultTextStyle>
@@ -474,6 +480,196 @@
 </p:notes>
 </file>
 
+<file path=ppt/notesSlides/notesSlide10.xml><?xml version="1.0" encoding="utf-8"?>
+<p:notes xmlns:a="http://schemas.openxmlformats.org/drawingml/2006/main" xmlns:r="http://schemas.openxmlformats.org/officeDocument/2006/relationships" xmlns:mc="http://schemas.openxmlformats.org/markup-compatibility/2006" xmlns:mv="urn:schemas-microsoft-com:mac:vml" xmlns:p="http://schemas.openxmlformats.org/presentationml/2006/main" xmlns:c="http://schemas.openxmlformats.org/drawingml/2006/chart" xmlns:dgm="http://schemas.openxmlformats.org/drawingml/2006/diagram" xmlns:o="urn:schemas-microsoft-com:office:office" xmlns:v="urn:schemas-microsoft-com:vml" xmlns:pvml="urn:schemas-microsoft-com:office:powerpoint" xmlns:com="http://schemas.openxmlformats.org/drawingml/2006/compatibility" xmlns:p14="http://schemas.microsoft.com/office/powerpoint/2010/main" showMasterPhAnim="0" showMasterSp="0">
+  <p:cSld>
+    <p:spTree>
+      <p:nvGrpSpPr>
+        <p:cNvPr id="117" name="Shape 117"/>
+        <p:cNvGrpSpPr/>
+        <p:nvPr/>
+      </p:nvGrpSpPr>
+      <p:grpSpPr>
+        <a:xfrm>
+          <a:off x="0" y="0"/>
+          <a:ext cx="0" cy="0"/>
+          <a:chOff x="0" y="0"/>
+          <a:chExt cx="0" cy="0"/>
+        </a:xfrm>
+      </p:grpSpPr>
+      <p:sp>
+        <p:nvSpPr>
+          <p:cNvPr id="118" name="Shape 118"/>
+          <p:cNvSpPr/>
+          <p:nvPr>
+            <p:ph idx="2" type="sldImg"/>
+          </p:nvPr>
+        </p:nvSpPr>
+        <p:spPr>
+          <a:xfrm>
+            <a:off x="381300" y="685800"/>
+            <a:ext cx="6096000" cy="3429000"/>
+          </a:xfrm>
+          <a:custGeom>
+            <a:pathLst>
+              <a:path extrusionOk="0" h="120000" w="120000">
+                <a:moveTo>
+                  <a:pt x="0" y="0"/>
+                </a:moveTo>
+                <a:lnTo>
+                  <a:pt x="120000" y="0"/>
+                </a:lnTo>
+                <a:lnTo>
+                  <a:pt x="120000" y="120000"/>
+                </a:lnTo>
+                <a:lnTo>
+                  <a:pt x="0" y="120000"/>
+                </a:lnTo>
+                <a:close/>
+              </a:path>
+            </a:pathLst>
+          </a:custGeom>
+        </p:spPr>
+      </p:sp>
+      <p:sp>
+        <p:nvSpPr>
+          <p:cNvPr id="119" name="Shape 119"/>
+          <p:cNvSpPr txBox="1"/>
+          <p:nvPr>
+            <p:ph idx="1" type="body"/>
+          </p:nvPr>
+        </p:nvSpPr>
+        <p:spPr>
+          <a:xfrm>
+            <a:off x="685800" y="4343400"/>
+            <a:ext cx="5486400" cy="4114800"/>
+          </a:xfrm>
+          <a:prstGeom prst="rect">
+            <a:avLst/>
+          </a:prstGeom>
+        </p:spPr>
+        <p:txBody>
+          <a:bodyPr anchorCtr="0" anchor="t" bIns="91425" lIns="91425" rIns="91425" tIns="91425">
+            <a:noAutofit/>
+          </a:bodyPr>
+          <a:lstStyle/>
+          <a:p>
+            <a:pPr lvl="0">
+              <a:spcBef>
+                <a:spcPts val="0"/>
+              </a:spcBef>
+              <a:buNone/>
+            </a:pPr>
+            <a:r>
+              <a:t/>
+            </a:r>
+            <a:endParaRPr/>
+          </a:p>
+        </p:txBody>
+      </p:sp>
+    </p:spTree>
+  </p:cSld>
+  <p:clrMapOvr>
+    <a:masterClrMapping/>
+  </p:clrMapOvr>
+</p:notes>
+</file>
+
+<file path=ppt/notesSlides/notesSlide11.xml><?xml version="1.0" encoding="utf-8"?>
+<p:notes xmlns:a="http://schemas.openxmlformats.org/drawingml/2006/main" xmlns:r="http://schemas.openxmlformats.org/officeDocument/2006/relationships" xmlns:mc="http://schemas.openxmlformats.org/markup-compatibility/2006" xmlns:mv="urn:schemas-microsoft-com:mac:vml" xmlns:p="http://schemas.openxmlformats.org/presentationml/2006/main" xmlns:c="http://schemas.openxmlformats.org/drawingml/2006/chart" xmlns:dgm="http://schemas.openxmlformats.org/drawingml/2006/diagram" xmlns:o="urn:schemas-microsoft-com:office:office" xmlns:v="urn:schemas-microsoft-com:vml" xmlns:pvml="urn:schemas-microsoft-com:office:powerpoint" xmlns:com="http://schemas.openxmlformats.org/drawingml/2006/compatibility" xmlns:p14="http://schemas.microsoft.com/office/powerpoint/2010/main" showMasterPhAnim="0" showMasterSp="0">
+  <p:cSld>
+    <p:spTree>
+      <p:nvGrpSpPr>
+        <p:cNvPr id="123" name="Shape 123"/>
+        <p:cNvGrpSpPr/>
+        <p:nvPr/>
+      </p:nvGrpSpPr>
+      <p:grpSpPr>
+        <a:xfrm>
+          <a:off x="0" y="0"/>
+          <a:ext cx="0" cy="0"/>
+          <a:chOff x="0" y="0"/>
+          <a:chExt cx="0" cy="0"/>
+        </a:xfrm>
+      </p:grpSpPr>
+      <p:sp>
+        <p:nvSpPr>
+          <p:cNvPr id="124" name="Shape 124"/>
+          <p:cNvSpPr/>
+          <p:nvPr>
+            <p:ph idx="2" type="sldImg"/>
+          </p:nvPr>
+        </p:nvSpPr>
+        <p:spPr>
+          <a:xfrm>
+            <a:off x="381300" y="685800"/>
+            <a:ext cx="6096000" cy="3429000"/>
+          </a:xfrm>
+          <a:custGeom>
+            <a:pathLst>
+              <a:path extrusionOk="0" h="120000" w="120000">
+                <a:moveTo>
+                  <a:pt x="0" y="0"/>
+                </a:moveTo>
+                <a:lnTo>
+                  <a:pt x="120000" y="0"/>
+                </a:lnTo>
+                <a:lnTo>
+                  <a:pt x="120000" y="120000"/>
+                </a:lnTo>
+                <a:lnTo>
+                  <a:pt x="0" y="120000"/>
+                </a:lnTo>
+                <a:close/>
+              </a:path>
+            </a:pathLst>
+          </a:custGeom>
+        </p:spPr>
+      </p:sp>
+      <p:sp>
+        <p:nvSpPr>
+          <p:cNvPr id="125" name="Shape 125"/>
+          <p:cNvSpPr txBox="1"/>
+          <p:nvPr>
+            <p:ph idx="1" type="body"/>
+          </p:nvPr>
+        </p:nvSpPr>
+        <p:spPr>
+          <a:xfrm>
+            <a:off x="685800" y="4343400"/>
+            <a:ext cx="5486400" cy="4114800"/>
+          </a:xfrm>
+          <a:prstGeom prst="rect">
+            <a:avLst/>
+          </a:prstGeom>
+        </p:spPr>
+        <p:txBody>
+          <a:bodyPr anchorCtr="0" anchor="t" bIns="91425" lIns="91425" rIns="91425" tIns="91425">
+            <a:noAutofit/>
+          </a:bodyPr>
+          <a:lstStyle/>
+          <a:p>
+            <a:pPr lvl="0">
+              <a:spcBef>
+                <a:spcPts val="0"/>
+              </a:spcBef>
+              <a:buNone/>
+            </a:pPr>
+            <a:r>
+              <a:t/>
+            </a:r>
+            <a:endParaRPr/>
+          </a:p>
+        </p:txBody>
+      </p:sp>
+    </p:spTree>
+  </p:cSld>
+  <p:clrMapOvr>
+    <a:masterClrMapping/>
+  </p:clrMapOvr>
+</p:notes>
+</file>
+
 <file path=ppt/notesSlides/notesSlide2.xml><?xml version="1.0" encoding="utf-8"?>
 <p:notes xmlns:a="http://schemas.openxmlformats.org/drawingml/2006/main" xmlns:r="http://schemas.openxmlformats.org/officeDocument/2006/relationships" xmlns:mc="http://schemas.openxmlformats.org/markup-compatibility/2006" xmlns:mv="urn:schemas-microsoft-com:mac:vml" xmlns:p="http://schemas.openxmlformats.org/presentationml/2006/main" xmlns:c="http://schemas.openxmlformats.org/drawingml/2006/chart" xmlns:dgm="http://schemas.openxmlformats.org/drawingml/2006/diagram" xmlns:o="urn:schemas-microsoft-com:office:office" xmlns:v="urn:schemas-microsoft-com:vml" xmlns:pvml="urn:schemas-microsoft-com:office:powerpoint" xmlns:com="http://schemas.openxmlformats.org/drawingml/2006/compatibility" xmlns:p14="http://schemas.microsoft.com/office/powerpoint/2010/main" showMasterPhAnim="0" showMasterSp="0">
   <p:cSld>
@@ -813,6 +1009,386 @@
       <p:sp>
         <p:nvSpPr>
           <p:cNvPr id="89" name="Shape 89"/>
+          <p:cNvSpPr txBox="1"/>
+          <p:nvPr>
+            <p:ph idx="1" type="body"/>
+          </p:nvPr>
+        </p:nvSpPr>
+        <p:spPr>
+          <a:xfrm>
+            <a:off x="685800" y="4343400"/>
+            <a:ext cx="5486400" cy="4114800"/>
+          </a:xfrm>
+          <a:prstGeom prst="rect">
+            <a:avLst/>
+          </a:prstGeom>
+        </p:spPr>
+        <p:txBody>
+          <a:bodyPr anchorCtr="0" anchor="t" bIns="91425" lIns="91425" rIns="91425" tIns="91425">
+            <a:noAutofit/>
+          </a:bodyPr>
+          <a:lstStyle/>
+          <a:p>
+            <a:pPr lvl="0">
+              <a:spcBef>
+                <a:spcPts val="0"/>
+              </a:spcBef>
+              <a:buNone/>
+            </a:pPr>
+            <a:r>
+              <a:t/>
+            </a:r>
+            <a:endParaRPr/>
+          </a:p>
+        </p:txBody>
+      </p:sp>
+    </p:spTree>
+  </p:cSld>
+  <p:clrMapOvr>
+    <a:masterClrMapping/>
+  </p:clrMapOvr>
+</p:notes>
+</file>
+
+<file path=ppt/notesSlides/notesSlide6.xml><?xml version="1.0" encoding="utf-8"?>
+<p:notes xmlns:a="http://schemas.openxmlformats.org/drawingml/2006/main" xmlns:r="http://schemas.openxmlformats.org/officeDocument/2006/relationships" xmlns:mc="http://schemas.openxmlformats.org/markup-compatibility/2006" xmlns:mv="urn:schemas-microsoft-com:mac:vml" xmlns:p="http://schemas.openxmlformats.org/presentationml/2006/main" xmlns:c="http://schemas.openxmlformats.org/drawingml/2006/chart" xmlns:dgm="http://schemas.openxmlformats.org/drawingml/2006/diagram" xmlns:o="urn:schemas-microsoft-com:office:office" xmlns:v="urn:schemas-microsoft-com:vml" xmlns:pvml="urn:schemas-microsoft-com:office:powerpoint" xmlns:com="http://schemas.openxmlformats.org/drawingml/2006/compatibility" xmlns:p14="http://schemas.microsoft.com/office/powerpoint/2010/main" showMasterPhAnim="0" showMasterSp="0">
+  <p:cSld>
+    <p:spTree>
+      <p:nvGrpSpPr>
+        <p:cNvPr id="93" name="Shape 93"/>
+        <p:cNvGrpSpPr/>
+        <p:nvPr/>
+      </p:nvGrpSpPr>
+      <p:grpSpPr>
+        <a:xfrm>
+          <a:off x="0" y="0"/>
+          <a:ext cx="0" cy="0"/>
+          <a:chOff x="0" y="0"/>
+          <a:chExt cx="0" cy="0"/>
+        </a:xfrm>
+      </p:grpSpPr>
+      <p:sp>
+        <p:nvSpPr>
+          <p:cNvPr id="94" name="Shape 94"/>
+          <p:cNvSpPr/>
+          <p:nvPr>
+            <p:ph idx="2" type="sldImg"/>
+          </p:nvPr>
+        </p:nvSpPr>
+        <p:spPr>
+          <a:xfrm>
+            <a:off x="381300" y="685800"/>
+            <a:ext cx="6096000" cy="3429000"/>
+          </a:xfrm>
+          <a:custGeom>
+            <a:pathLst>
+              <a:path extrusionOk="0" h="120000" w="120000">
+                <a:moveTo>
+                  <a:pt x="0" y="0"/>
+                </a:moveTo>
+                <a:lnTo>
+                  <a:pt x="120000" y="0"/>
+                </a:lnTo>
+                <a:lnTo>
+                  <a:pt x="120000" y="120000"/>
+                </a:lnTo>
+                <a:lnTo>
+                  <a:pt x="0" y="120000"/>
+                </a:lnTo>
+                <a:close/>
+              </a:path>
+            </a:pathLst>
+          </a:custGeom>
+        </p:spPr>
+      </p:sp>
+      <p:sp>
+        <p:nvSpPr>
+          <p:cNvPr id="95" name="Shape 95"/>
+          <p:cNvSpPr txBox="1"/>
+          <p:nvPr>
+            <p:ph idx="1" type="body"/>
+          </p:nvPr>
+        </p:nvSpPr>
+        <p:spPr>
+          <a:xfrm>
+            <a:off x="685800" y="4343400"/>
+            <a:ext cx="5486400" cy="4114800"/>
+          </a:xfrm>
+          <a:prstGeom prst="rect">
+            <a:avLst/>
+          </a:prstGeom>
+        </p:spPr>
+        <p:txBody>
+          <a:bodyPr anchorCtr="0" anchor="t" bIns="91425" lIns="91425" rIns="91425" tIns="91425">
+            <a:noAutofit/>
+          </a:bodyPr>
+          <a:lstStyle/>
+          <a:p>
+            <a:pPr lvl="0">
+              <a:spcBef>
+                <a:spcPts val="0"/>
+              </a:spcBef>
+              <a:buNone/>
+            </a:pPr>
+            <a:r>
+              <a:t/>
+            </a:r>
+            <a:endParaRPr/>
+          </a:p>
+        </p:txBody>
+      </p:sp>
+    </p:spTree>
+  </p:cSld>
+  <p:clrMapOvr>
+    <a:masterClrMapping/>
+  </p:clrMapOvr>
+</p:notes>
+</file>
+
+<file path=ppt/notesSlides/notesSlide7.xml><?xml version="1.0" encoding="utf-8"?>
+<p:notes xmlns:a="http://schemas.openxmlformats.org/drawingml/2006/main" xmlns:r="http://schemas.openxmlformats.org/officeDocument/2006/relationships" xmlns:mc="http://schemas.openxmlformats.org/markup-compatibility/2006" xmlns:mv="urn:schemas-microsoft-com:mac:vml" xmlns:p="http://schemas.openxmlformats.org/presentationml/2006/main" xmlns:c="http://schemas.openxmlformats.org/drawingml/2006/chart" xmlns:dgm="http://schemas.openxmlformats.org/drawingml/2006/diagram" xmlns:o="urn:schemas-microsoft-com:office:office" xmlns:v="urn:schemas-microsoft-com:vml" xmlns:pvml="urn:schemas-microsoft-com:office:powerpoint" xmlns:com="http://schemas.openxmlformats.org/drawingml/2006/compatibility" xmlns:p14="http://schemas.microsoft.com/office/powerpoint/2010/main" showMasterPhAnim="0" showMasterSp="0">
+  <p:cSld>
+    <p:spTree>
+      <p:nvGrpSpPr>
+        <p:cNvPr id="99" name="Shape 99"/>
+        <p:cNvGrpSpPr/>
+        <p:nvPr/>
+      </p:nvGrpSpPr>
+      <p:grpSpPr>
+        <a:xfrm>
+          <a:off x="0" y="0"/>
+          <a:ext cx="0" cy="0"/>
+          <a:chOff x="0" y="0"/>
+          <a:chExt cx="0" cy="0"/>
+        </a:xfrm>
+      </p:grpSpPr>
+      <p:sp>
+        <p:nvSpPr>
+          <p:cNvPr id="100" name="Shape 100"/>
+          <p:cNvSpPr/>
+          <p:nvPr>
+            <p:ph idx="2" type="sldImg"/>
+          </p:nvPr>
+        </p:nvSpPr>
+        <p:spPr>
+          <a:xfrm>
+            <a:off x="381300" y="685800"/>
+            <a:ext cx="6096000" cy="3429000"/>
+          </a:xfrm>
+          <a:custGeom>
+            <a:pathLst>
+              <a:path extrusionOk="0" h="120000" w="120000">
+                <a:moveTo>
+                  <a:pt x="0" y="0"/>
+                </a:moveTo>
+                <a:lnTo>
+                  <a:pt x="120000" y="0"/>
+                </a:lnTo>
+                <a:lnTo>
+                  <a:pt x="120000" y="120000"/>
+                </a:lnTo>
+                <a:lnTo>
+                  <a:pt x="0" y="120000"/>
+                </a:lnTo>
+                <a:close/>
+              </a:path>
+            </a:pathLst>
+          </a:custGeom>
+        </p:spPr>
+      </p:sp>
+      <p:sp>
+        <p:nvSpPr>
+          <p:cNvPr id="101" name="Shape 101"/>
+          <p:cNvSpPr txBox="1"/>
+          <p:nvPr>
+            <p:ph idx="1" type="body"/>
+          </p:nvPr>
+        </p:nvSpPr>
+        <p:spPr>
+          <a:xfrm>
+            <a:off x="685800" y="4343400"/>
+            <a:ext cx="5486400" cy="4114800"/>
+          </a:xfrm>
+          <a:prstGeom prst="rect">
+            <a:avLst/>
+          </a:prstGeom>
+        </p:spPr>
+        <p:txBody>
+          <a:bodyPr anchorCtr="0" anchor="t" bIns="91425" lIns="91425" rIns="91425" tIns="91425">
+            <a:noAutofit/>
+          </a:bodyPr>
+          <a:lstStyle/>
+          <a:p>
+            <a:pPr lvl="0">
+              <a:spcBef>
+                <a:spcPts val="0"/>
+              </a:spcBef>
+              <a:buNone/>
+            </a:pPr>
+            <a:r>
+              <a:t/>
+            </a:r>
+            <a:endParaRPr/>
+          </a:p>
+        </p:txBody>
+      </p:sp>
+    </p:spTree>
+  </p:cSld>
+  <p:clrMapOvr>
+    <a:masterClrMapping/>
+  </p:clrMapOvr>
+</p:notes>
+</file>
+
+<file path=ppt/notesSlides/notesSlide8.xml><?xml version="1.0" encoding="utf-8"?>
+<p:notes xmlns:a="http://schemas.openxmlformats.org/drawingml/2006/main" xmlns:r="http://schemas.openxmlformats.org/officeDocument/2006/relationships" xmlns:mc="http://schemas.openxmlformats.org/markup-compatibility/2006" xmlns:mv="urn:schemas-microsoft-com:mac:vml" xmlns:p="http://schemas.openxmlformats.org/presentationml/2006/main" xmlns:c="http://schemas.openxmlformats.org/drawingml/2006/chart" xmlns:dgm="http://schemas.openxmlformats.org/drawingml/2006/diagram" xmlns:o="urn:schemas-microsoft-com:office:office" xmlns:v="urn:schemas-microsoft-com:vml" xmlns:pvml="urn:schemas-microsoft-com:office:powerpoint" xmlns:com="http://schemas.openxmlformats.org/drawingml/2006/compatibility" xmlns:p14="http://schemas.microsoft.com/office/powerpoint/2010/main" showMasterPhAnim="0" showMasterSp="0">
+  <p:cSld>
+    <p:spTree>
+      <p:nvGrpSpPr>
+        <p:cNvPr id="105" name="Shape 105"/>
+        <p:cNvGrpSpPr/>
+        <p:nvPr/>
+      </p:nvGrpSpPr>
+      <p:grpSpPr>
+        <a:xfrm>
+          <a:off x="0" y="0"/>
+          <a:ext cx="0" cy="0"/>
+          <a:chOff x="0" y="0"/>
+          <a:chExt cx="0" cy="0"/>
+        </a:xfrm>
+      </p:grpSpPr>
+      <p:sp>
+        <p:nvSpPr>
+          <p:cNvPr id="106" name="Shape 106"/>
+          <p:cNvSpPr/>
+          <p:nvPr>
+            <p:ph idx="2" type="sldImg"/>
+          </p:nvPr>
+        </p:nvSpPr>
+        <p:spPr>
+          <a:xfrm>
+            <a:off x="381300" y="685800"/>
+            <a:ext cx="6096000" cy="3429000"/>
+          </a:xfrm>
+          <a:custGeom>
+            <a:pathLst>
+              <a:path extrusionOk="0" h="120000" w="120000">
+                <a:moveTo>
+                  <a:pt x="0" y="0"/>
+                </a:moveTo>
+                <a:lnTo>
+                  <a:pt x="120000" y="0"/>
+                </a:lnTo>
+                <a:lnTo>
+                  <a:pt x="120000" y="120000"/>
+                </a:lnTo>
+                <a:lnTo>
+                  <a:pt x="0" y="120000"/>
+                </a:lnTo>
+                <a:close/>
+              </a:path>
+            </a:pathLst>
+          </a:custGeom>
+        </p:spPr>
+      </p:sp>
+      <p:sp>
+        <p:nvSpPr>
+          <p:cNvPr id="107" name="Shape 107"/>
+          <p:cNvSpPr txBox="1"/>
+          <p:nvPr>
+            <p:ph idx="1" type="body"/>
+          </p:nvPr>
+        </p:nvSpPr>
+        <p:spPr>
+          <a:xfrm>
+            <a:off x="685800" y="4343400"/>
+            <a:ext cx="5486400" cy="4114800"/>
+          </a:xfrm>
+          <a:prstGeom prst="rect">
+            <a:avLst/>
+          </a:prstGeom>
+        </p:spPr>
+        <p:txBody>
+          <a:bodyPr anchorCtr="0" anchor="t" bIns="91425" lIns="91425" rIns="91425" tIns="91425">
+            <a:noAutofit/>
+          </a:bodyPr>
+          <a:lstStyle/>
+          <a:p>
+            <a:pPr lvl="0">
+              <a:spcBef>
+                <a:spcPts val="0"/>
+              </a:spcBef>
+              <a:buNone/>
+            </a:pPr>
+            <a:r>
+              <a:t/>
+            </a:r>
+            <a:endParaRPr/>
+          </a:p>
+        </p:txBody>
+      </p:sp>
+    </p:spTree>
+  </p:cSld>
+  <p:clrMapOvr>
+    <a:masterClrMapping/>
+  </p:clrMapOvr>
+</p:notes>
+</file>
+
+<file path=ppt/notesSlides/notesSlide9.xml><?xml version="1.0" encoding="utf-8"?>
+<p:notes xmlns:a="http://schemas.openxmlformats.org/drawingml/2006/main" xmlns:r="http://schemas.openxmlformats.org/officeDocument/2006/relationships" xmlns:mc="http://schemas.openxmlformats.org/markup-compatibility/2006" xmlns:mv="urn:schemas-microsoft-com:mac:vml" xmlns:p="http://schemas.openxmlformats.org/presentationml/2006/main" xmlns:c="http://schemas.openxmlformats.org/drawingml/2006/chart" xmlns:dgm="http://schemas.openxmlformats.org/drawingml/2006/diagram" xmlns:o="urn:schemas-microsoft-com:office:office" xmlns:v="urn:schemas-microsoft-com:vml" xmlns:pvml="urn:schemas-microsoft-com:office:powerpoint" xmlns:com="http://schemas.openxmlformats.org/drawingml/2006/compatibility" xmlns:p14="http://schemas.microsoft.com/office/powerpoint/2010/main" showMasterPhAnim="0" showMasterSp="0">
+  <p:cSld>
+    <p:spTree>
+      <p:nvGrpSpPr>
+        <p:cNvPr id="111" name="Shape 111"/>
+        <p:cNvGrpSpPr/>
+        <p:nvPr/>
+      </p:nvGrpSpPr>
+      <p:grpSpPr>
+        <a:xfrm>
+          <a:off x="0" y="0"/>
+          <a:ext cx="0" cy="0"/>
+          <a:chOff x="0" y="0"/>
+          <a:chExt cx="0" cy="0"/>
+        </a:xfrm>
+      </p:grpSpPr>
+      <p:sp>
+        <p:nvSpPr>
+          <p:cNvPr id="112" name="Shape 112"/>
+          <p:cNvSpPr/>
+          <p:nvPr>
+            <p:ph idx="2" type="sldImg"/>
+          </p:nvPr>
+        </p:nvSpPr>
+        <p:spPr>
+          <a:xfrm>
+            <a:off x="381300" y="685800"/>
+            <a:ext cx="6096000" cy="3429000"/>
+          </a:xfrm>
+          <a:custGeom>
+            <a:pathLst>
+              <a:path extrusionOk="0" h="120000" w="120000">
+                <a:moveTo>
+                  <a:pt x="0" y="0"/>
+                </a:moveTo>
+                <a:lnTo>
+                  <a:pt x="120000" y="0"/>
+                </a:lnTo>
+                <a:lnTo>
+                  <a:pt x="120000" y="120000"/>
+                </a:lnTo>
+                <a:lnTo>
+                  <a:pt x="0" y="120000"/>
+                </a:lnTo>
+                <a:close/>
+              </a:path>
+            </a:pathLst>
+          </a:custGeom>
+        </p:spPr>
+      </p:sp>
+      <p:sp>
+        <p:nvSpPr>
+          <p:cNvPr id="113" name="Shape 113"/>
           <p:cNvSpPr txBox="1"/>
           <p:nvPr>
             <p:ph idx="1" type="body"/>
@@ -4795,6 +5371,200 @@
 </p:sld>
 </file>
 
+<file path=ppt/slides/slide10.xml><?xml version="1.0" encoding="utf-8"?>
+<p:sld xmlns:a="http://schemas.openxmlformats.org/drawingml/2006/main" xmlns:r="http://schemas.openxmlformats.org/officeDocument/2006/relationships" xmlns:mc="http://schemas.openxmlformats.org/markup-compatibility/2006" xmlns:mv="urn:schemas-microsoft-com:mac:vml" xmlns:p="http://schemas.openxmlformats.org/presentationml/2006/main" xmlns:c="http://schemas.openxmlformats.org/drawingml/2006/chart" xmlns:dgm="http://schemas.openxmlformats.org/drawingml/2006/diagram" xmlns:o="urn:schemas-microsoft-com:office:office" xmlns:v="urn:schemas-microsoft-com:vml" xmlns:pvml="urn:schemas-microsoft-com:office:powerpoint" xmlns:com="http://schemas.openxmlformats.org/drawingml/2006/compatibility" xmlns:p14="http://schemas.microsoft.com/office/powerpoint/2010/main">
+  <p:cSld>
+    <p:spTree>
+      <p:nvGrpSpPr>
+        <p:cNvPr id="120" name="Shape 120"/>
+        <p:cNvGrpSpPr/>
+        <p:nvPr/>
+      </p:nvGrpSpPr>
+      <p:grpSpPr>
+        <a:xfrm>
+          <a:off x="0" y="0"/>
+          <a:ext cx="0" cy="0"/>
+          <a:chOff x="0" y="0"/>
+          <a:chExt cx="0" cy="0"/>
+        </a:xfrm>
+      </p:grpSpPr>
+      <p:sp>
+        <p:nvSpPr>
+          <p:cNvPr id="121" name="Shape 121"/>
+          <p:cNvSpPr txBox="1"/>
+          <p:nvPr>
+            <p:ph type="title"/>
+          </p:nvPr>
+        </p:nvSpPr>
+        <p:spPr>
+          <a:xfrm>
+            <a:off x="311700" y="445025"/>
+            <a:ext cx="8520600" cy="572700"/>
+          </a:xfrm>
+          <a:prstGeom prst="rect">
+            <a:avLst/>
+          </a:prstGeom>
+        </p:spPr>
+        <p:txBody>
+          <a:bodyPr anchorCtr="0" anchor="t" bIns="91425" lIns="91425" rIns="91425" tIns="91425">
+            <a:noAutofit/>
+          </a:bodyPr>
+          <a:lstStyle/>
+          <a:p>
+            <a:pPr lvl="0">
+              <a:spcBef>
+                <a:spcPts val="0"/>
+              </a:spcBef>
+              <a:buNone/>
+            </a:pPr>
+            <a:r>
+              <a:rPr lang="en"/>
+              <a:t>Monads</a:t>
+            </a:r>
+          </a:p>
+        </p:txBody>
+      </p:sp>
+      <p:sp>
+        <p:nvSpPr>
+          <p:cNvPr id="122" name="Shape 122"/>
+          <p:cNvSpPr txBox="1"/>
+          <p:nvPr>
+            <p:ph idx="1" type="body"/>
+          </p:nvPr>
+        </p:nvSpPr>
+        <p:spPr>
+          <a:xfrm>
+            <a:off x="311700" y="1152475"/>
+            <a:ext cx="8520600" cy="3416400"/>
+          </a:xfrm>
+          <a:prstGeom prst="rect">
+            <a:avLst/>
+          </a:prstGeom>
+        </p:spPr>
+        <p:txBody>
+          <a:bodyPr anchorCtr="0" anchor="t" bIns="91425" lIns="91425" rIns="91425" tIns="91425">
+            <a:noAutofit/>
+          </a:bodyPr>
+          <a:lstStyle/>
+          <a:p>
+            <a:pPr lvl="0">
+              <a:spcBef>
+                <a:spcPts val="0"/>
+              </a:spcBef>
+              <a:buNone/>
+            </a:pPr>
+            <a:r>
+              <a:t/>
+            </a:r>
+            <a:endParaRPr/>
+          </a:p>
+        </p:txBody>
+      </p:sp>
+    </p:spTree>
+  </p:cSld>
+  <p:clrMapOvr>
+    <a:masterClrMapping/>
+  </p:clrMapOvr>
+</p:sld>
+</file>
+
+<file path=ppt/slides/slide11.xml><?xml version="1.0" encoding="utf-8"?>
+<p:sld xmlns:a="http://schemas.openxmlformats.org/drawingml/2006/main" xmlns:r="http://schemas.openxmlformats.org/officeDocument/2006/relationships" xmlns:mc="http://schemas.openxmlformats.org/markup-compatibility/2006" xmlns:mv="urn:schemas-microsoft-com:mac:vml" xmlns:p="http://schemas.openxmlformats.org/presentationml/2006/main" xmlns:c="http://schemas.openxmlformats.org/drawingml/2006/chart" xmlns:dgm="http://schemas.openxmlformats.org/drawingml/2006/diagram" xmlns:o="urn:schemas-microsoft-com:office:office" xmlns:v="urn:schemas-microsoft-com:vml" xmlns:pvml="urn:schemas-microsoft-com:office:powerpoint" xmlns:com="http://schemas.openxmlformats.org/drawingml/2006/compatibility" xmlns:p14="http://schemas.microsoft.com/office/powerpoint/2010/main">
+  <p:cSld>
+    <p:spTree>
+      <p:nvGrpSpPr>
+        <p:cNvPr id="126" name="Shape 126"/>
+        <p:cNvGrpSpPr/>
+        <p:nvPr/>
+      </p:nvGrpSpPr>
+      <p:grpSpPr>
+        <a:xfrm>
+          <a:off x="0" y="0"/>
+          <a:ext cx="0" cy="0"/>
+          <a:chOff x="0" y="0"/>
+          <a:chExt cx="0" cy="0"/>
+        </a:xfrm>
+      </p:grpSpPr>
+      <p:sp>
+        <p:nvSpPr>
+          <p:cNvPr id="127" name="Shape 127"/>
+          <p:cNvSpPr txBox="1"/>
+          <p:nvPr>
+            <p:ph type="title"/>
+          </p:nvPr>
+        </p:nvSpPr>
+        <p:spPr>
+          <a:xfrm>
+            <a:off x="311700" y="445025"/>
+            <a:ext cx="8520600" cy="572700"/>
+          </a:xfrm>
+          <a:prstGeom prst="rect">
+            <a:avLst/>
+          </a:prstGeom>
+        </p:spPr>
+        <p:txBody>
+          <a:bodyPr anchorCtr="0" anchor="t" bIns="91425" lIns="91425" rIns="91425" tIns="91425">
+            <a:noAutofit/>
+          </a:bodyPr>
+          <a:lstStyle/>
+          <a:p>
+            <a:pPr lvl="0">
+              <a:spcBef>
+                <a:spcPts val="0"/>
+              </a:spcBef>
+              <a:buNone/>
+            </a:pPr>
+            <a:r>
+              <a:t/>
+            </a:r>
+            <a:endParaRPr/>
+          </a:p>
+        </p:txBody>
+      </p:sp>
+      <p:sp>
+        <p:nvSpPr>
+          <p:cNvPr id="128" name="Shape 128"/>
+          <p:cNvSpPr txBox="1"/>
+          <p:nvPr>
+            <p:ph idx="1" type="body"/>
+          </p:nvPr>
+        </p:nvSpPr>
+        <p:spPr>
+          <a:xfrm>
+            <a:off x="311700" y="1152475"/>
+            <a:ext cx="8520600" cy="3416400"/>
+          </a:xfrm>
+          <a:prstGeom prst="rect">
+            <a:avLst/>
+          </a:prstGeom>
+        </p:spPr>
+        <p:txBody>
+          <a:bodyPr anchorCtr="0" anchor="t" bIns="91425" lIns="91425" rIns="91425" tIns="91425">
+            <a:noAutofit/>
+          </a:bodyPr>
+          <a:lstStyle/>
+          <a:p>
+            <a:pPr lvl="0">
+              <a:spcBef>
+                <a:spcPts val="0"/>
+              </a:spcBef>
+              <a:buNone/>
+            </a:pPr>
+            <a:r>
+              <a:t/>
+            </a:r>
+            <a:endParaRPr/>
+          </a:p>
+        </p:txBody>
+      </p:sp>
+    </p:spTree>
+  </p:cSld>
+  <p:clrMapOvr>
+    <a:masterClrMapping/>
+  </p:clrMapOvr>
+</p:sld>
+</file>
+
 <file path=ppt/slides/slide2.xml><?xml version="1.0" encoding="utf-8"?>
 <p:sld xmlns:a="http://schemas.openxmlformats.org/drawingml/2006/main" xmlns:r="http://schemas.openxmlformats.org/officeDocument/2006/relationships" xmlns:mc="http://schemas.openxmlformats.org/markup-compatibility/2006" xmlns:mv="urn:schemas-microsoft-com:mac:vml" xmlns:p="http://schemas.openxmlformats.org/presentationml/2006/main" xmlns:c="http://schemas.openxmlformats.org/drawingml/2006/chart" xmlns:dgm="http://schemas.openxmlformats.org/drawingml/2006/diagram" xmlns:o="urn:schemas-microsoft-com:office:office" xmlns:v="urn:schemas-microsoft-com:vml" xmlns:pvml="urn:schemas-microsoft-com:office:powerpoint" xmlns:com="http://schemas.openxmlformats.org/drawingml/2006/compatibility" xmlns:p14="http://schemas.microsoft.com/office/powerpoint/2010/main">
   <p:cSld>
@@ -11188,7 +11958,674 @@
 </p:sld>
 </file>
 
+<file path=ppt/slides/slide6.xml><?xml version="1.0" encoding="utf-8"?>
+<p:sld xmlns:a="http://schemas.openxmlformats.org/drawingml/2006/main" xmlns:r="http://schemas.openxmlformats.org/officeDocument/2006/relationships" xmlns:mc="http://schemas.openxmlformats.org/markup-compatibility/2006" xmlns:mv="urn:schemas-microsoft-com:mac:vml" xmlns:p="http://schemas.openxmlformats.org/presentationml/2006/main" xmlns:c="http://schemas.openxmlformats.org/drawingml/2006/chart" xmlns:dgm="http://schemas.openxmlformats.org/drawingml/2006/diagram" xmlns:o="urn:schemas-microsoft-com:office:office" xmlns:v="urn:schemas-microsoft-com:vml" xmlns:pvml="urn:schemas-microsoft-com:office:powerpoint" xmlns:com="http://schemas.openxmlformats.org/drawingml/2006/compatibility" xmlns:p14="http://schemas.microsoft.com/office/powerpoint/2010/main">
+  <p:cSld>
+    <p:spTree>
+      <p:nvGrpSpPr>
+        <p:cNvPr id="96" name="Shape 96"/>
+        <p:cNvGrpSpPr/>
+        <p:nvPr/>
+      </p:nvGrpSpPr>
+      <p:grpSpPr>
+        <a:xfrm>
+          <a:off x="0" y="0"/>
+          <a:ext cx="0" cy="0"/>
+          <a:chOff x="0" y="0"/>
+          <a:chExt cx="0" cy="0"/>
+        </a:xfrm>
+      </p:grpSpPr>
+      <p:sp>
+        <p:nvSpPr>
+          <p:cNvPr id="97" name="Shape 97"/>
+          <p:cNvSpPr txBox="1"/>
+          <p:nvPr>
+            <p:ph type="title"/>
+          </p:nvPr>
+        </p:nvSpPr>
+        <p:spPr>
+          <a:xfrm>
+            <a:off x="311700" y="445025"/>
+            <a:ext cx="8520600" cy="572700"/>
+          </a:xfrm>
+          <a:prstGeom prst="rect">
+            <a:avLst/>
+          </a:prstGeom>
+        </p:spPr>
+        <p:txBody>
+          <a:bodyPr anchorCtr="0" anchor="t" bIns="91425" lIns="91425" rIns="91425" tIns="91425">
+            <a:noAutofit/>
+          </a:bodyPr>
+          <a:lstStyle/>
+          <a:p>
+            <a:pPr lvl="0">
+              <a:spcBef>
+                <a:spcPts val="0"/>
+              </a:spcBef>
+              <a:buNone/>
+            </a:pPr>
+            <a:r>
+              <a:rPr lang="en"/>
+              <a:t>What is Purely Functional Coding</a:t>
+            </a:r>
+          </a:p>
+        </p:txBody>
+      </p:sp>
+      <p:sp>
+        <p:nvSpPr>
+          <p:cNvPr id="98" name="Shape 98"/>
+          <p:cNvSpPr txBox="1"/>
+          <p:nvPr>
+            <p:ph idx="1" type="body"/>
+          </p:nvPr>
+        </p:nvSpPr>
+        <p:spPr>
+          <a:xfrm>
+            <a:off x="311700" y="1152475"/>
+            <a:ext cx="8520600" cy="3416400"/>
+          </a:xfrm>
+          <a:prstGeom prst="rect">
+            <a:avLst/>
+          </a:prstGeom>
+        </p:spPr>
+        <p:txBody>
+          <a:bodyPr anchorCtr="0" anchor="t" bIns="91425" lIns="91425" rIns="91425" tIns="91425">
+            <a:noAutofit/>
+          </a:bodyPr>
+          <a:lstStyle/>
+          <a:p>
+            <a:pPr lvl="0">
+              <a:spcBef>
+                <a:spcPts val="0"/>
+              </a:spcBef>
+              <a:buNone/>
+            </a:pPr>
+            <a:r>
+              <a:t/>
+            </a:r>
+            <a:endParaRPr/>
+          </a:p>
+        </p:txBody>
+      </p:sp>
+    </p:spTree>
+  </p:cSld>
+  <p:clrMapOvr>
+    <a:masterClrMapping/>
+  </p:clrMapOvr>
+</p:sld>
+</file>
+
+<file path=ppt/slides/slide7.xml><?xml version="1.0" encoding="utf-8"?>
+<p:sld xmlns:a="http://schemas.openxmlformats.org/drawingml/2006/main" xmlns:r="http://schemas.openxmlformats.org/officeDocument/2006/relationships" xmlns:mc="http://schemas.openxmlformats.org/markup-compatibility/2006" xmlns:mv="urn:schemas-microsoft-com:mac:vml" xmlns:p="http://schemas.openxmlformats.org/presentationml/2006/main" xmlns:c="http://schemas.openxmlformats.org/drawingml/2006/chart" xmlns:dgm="http://schemas.openxmlformats.org/drawingml/2006/diagram" xmlns:o="urn:schemas-microsoft-com:office:office" xmlns:v="urn:schemas-microsoft-com:vml" xmlns:pvml="urn:schemas-microsoft-com:office:powerpoint" xmlns:com="http://schemas.openxmlformats.org/drawingml/2006/compatibility" xmlns:p14="http://schemas.microsoft.com/office/powerpoint/2010/main">
+  <p:cSld>
+    <p:spTree>
+      <p:nvGrpSpPr>
+        <p:cNvPr id="102" name="Shape 102"/>
+        <p:cNvGrpSpPr/>
+        <p:nvPr/>
+      </p:nvGrpSpPr>
+      <p:grpSpPr>
+        <a:xfrm>
+          <a:off x="0" y="0"/>
+          <a:ext cx="0" cy="0"/>
+          <a:chOff x="0" y="0"/>
+          <a:chExt cx="0" cy="0"/>
+        </a:xfrm>
+      </p:grpSpPr>
+      <p:sp>
+        <p:nvSpPr>
+          <p:cNvPr id="103" name="Shape 103"/>
+          <p:cNvSpPr txBox="1"/>
+          <p:nvPr>
+            <p:ph type="title"/>
+          </p:nvPr>
+        </p:nvSpPr>
+        <p:spPr>
+          <a:xfrm>
+            <a:off x="311700" y="445025"/>
+            <a:ext cx="8520600" cy="572700"/>
+          </a:xfrm>
+          <a:prstGeom prst="rect">
+            <a:avLst/>
+          </a:prstGeom>
+        </p:spPr>
+        <p:txBody>
+          <a:bodyPr anchorCtr="0" anchor="t" bIns="91425" lIns="91425" rIns="91425" tIns="91425">
+            <a:noAutofit/>
+          </a:bodyPr>
+          <a:lstStyle/>
+          <a:p>
+            <a:pPr lvl="0">
+              <a:spcBef>
+                <a:spcPts val="0"/>
+              </a:spcBef>
+              <a:buNone/>
+            </a:pPr>
+            <a:r>
+              <a:rPr lang="en"/>
+              <a:t>Functors</a:t>
+            </a:r>
+          </a:p>
+        </p:txBody>
+      </p:sp>
+      <p:sp>
+        <p:nvSpPr>
+          <p:cNvPr id="104" name="Shape 104"/>
+          <p:cNvSpPr txBox="1"/>
+          <p:nvPr>
+            <p:ph idx="1" type="body"/>
+          </p:nvPr>
+        </p:nvSpPr>
+        <p:spPr>
+          <a:xfrm>
+            <a:off x="311700" y="1152475"/>
+            <a:ext cx="8520600" cy="3416400"/>
+          </a:xfrm>
+          <a:prstGeom prst="rect">
+            <a:avLst/>
+          </a:prstGeom>
+        </p:spPr>
+        <p:txBody>
+          <a:bodyPr anchorCtr="0" anchor="t" bIns="91425" lIns="91425" rIns="91425" tIns="91425">
+            <a:noAutofit/>
+          </a:bodyPr>
+          <a:lstStyle/>
+          <a:p>
+            <a:pPr lvl="0">
+              <a:spcBef>
+                <a:spcPts val="0"/>
+              </a:spcBef>
+              <a:buNone/>
+            </a:pPr>
+            <a:r>
+              <a:t/>
+            </a:r>
+            <a:endParaRPr/>
+          </a:p>
+        </p:txBody>
+      </p:sp>
+    </p:spTree>
+  </p:cSld>
+  <p:clrMapOvr>
+    <a:masterClrMapping/>
+  </p:clrMapOvr>
+</p:sld>
+</file>
+
+<file path=ppt/slides/slide8.xml><?xml version="1.0" encoding="utf-8"?>
+<p:sld xmlns:a="http://schemas.openxmlformats.org/drawingml/2006/main" xmlns:r="http://schemas.openxmlformats.org/officeDocument/2006/relationships" xmlns:mc="http://schemas.openxmlformats.org/markup-compatibility/2006" xmlns:mv="urn:schemas-microsoft-com:mac:vml" xmlns:p="http://schemas.openxmlformats.org/presentationml/2006/main" xmlns:c="http://schemas.openxmlformats.org/drawingml/2006/chart" xmlns:dgm="http://schemas.openxmlformats.org/drawingml/2006/diagram" xmlns:o="urn:schemas-microsoft-com:office:office" xmlns:v="urn:schemas-microsoft-com:vml" xmlns:pvml="urn:schemas-microsoft-com:office:powerpoint" xmlns:com="http://schemas.openxmlformats.org/drawingml/2006/compatibility" xmlns:p14="http://schemas.microsoft.com/office/powerpoint/2010/main">
+  <p:cSld>
+    <p:spTree>
+      <p:nvGrpSpPr>
+        <p:cNvPr id="108" name="Shape 108"/>
+        <p:cNvGrpSpPr/>
+        <p:nvPr/>
+      </p:nvGrpSpPr>
+      <p:grpSpPr>
+        <a:xfrm>
+          <a:off x="0" y="0"/>
+          <a:ext cx="0" cy="0"/>
+          <a:chOff x="0" y="0"/>
+          <a:chExt cx="0" cy="0"/>
+        </a:xfrm>
+      </p:grpSpPr>
+      <p:sp>
+        <p:nvSpPr>
+          <p:cNvPr id="109" name="Shape 109"/>
+          <p:cNvSpPr txBox="1"/>
+          <p:nvPr>
+            <p:ph type="title"/>
+          </p:nvPr>
+        </p:nvSpPr>
+        <p:spPr>
+          <a:xfrm>
+            <a:off x="311700" y="445025"/>
+            <a:ext cx="8520600" cy="572700"/>
+          </a:xfrm>
+          <a:prstGeom prst="rect">
+            <a:avLst/>
+          </a:prstGeom>
+        </p:spPr>
+        <p:txBody>
+          <a:bodyPr anchorCtr="0" anchor="t" bIns="91425" lIns="91425" rIns="91425" tIns="91425">
+            <a:noAutofit/>
+          </a:bodyPr>
+          <a:lstStyle/>
+          <a:p>
+            <a:pPr lvl="0">
+              <a:spcBef>
+                <a:spcPts val="0"/>
+              </a:spcBef>
+              <a:buNone/>
+            </a:pPr>
+            <a:r>
+              <a:rPr lang="en"/>
+              <a:t>Applicative Functors</a:t>
+            </a:r>
+          </a:p>
+        </p:txBody>
+      </p:sp>
+      <p:sp>
+        <p:nvSpPr>
+          <p:cNvPr id="110" name="Shape 110"/>
+          <p:cNvSpPr txBox="1"/>
+          <p:nvPr>
+            <p:ph idx="1" type="body"/>
+          </p:nvPr>
+        </p:nvSpPr>
+        <p:spPr>
+          <a:xfrm>
+            <a:off x="311700" y="1152475"/>
+            <a:ext cx="8520600" cy="3416400"/>
+          </a:xfrm>
+          <a:prstGeom prst="rect">
+            <a:avLst/>
+          </a:prstGeom>
+        </p:spPr>
+        <p:txBody>
+          <a:bodyPr anchorCtr="0" anchor="t" bIns="91425" lIns="91425" rIns="91425" tIns="91425">
+            <a:noAutofit/>
+          </a:bodyPr>
+          <a:lstStyle/>
+          <a:p>
+            <a:pPr lvl="0">
+              <a:spcBef>
+                <a:spcPts val="0"/>
+              </a:spcBef>
+              <a:buNone/>
+            </a:pPr>
+            <a:r>
+              <a:t/>
+            </a:r>
+            <a:endParaRPr/>
+          </a:p>
+        </p:txBody>
+      </p:sp>
+    </p:spTree>
+  </p:cSld>
+  <p:clrMapOvr>
+    <a:masterClrMapping/>
+  </p:clrMapOvr>
+</p:sld>
+</file>
+
+<file path=ppt/slides/slide9.xml><?xml version="1.0" encoding="utf-8"?>
+<p:sld xmlns:a="http://schemas.openxmlformats.org/drawingml/2006/main" xmlns:r="http://schemas.openxmlformats.org/officeDocument/2006/relationships" xmlns:mc="http://schemas.openxmlformats.org/markup-compatibility/2006" xmlns:mv="urn:schemas-microsoft-com:mac:vml" xmlns:p="http://schemas.openxmlformats.org/presentationml/2006/main" xmlns:c="http://schemas.openxmlformats.org/drawingml/2006/chart" xmlns:dgm="http://schemas.openxmlformats.org/drawingml/2006/diagram" xmlns:o="urn:schemas-microsoft-com:office:office" xmlns:v="urn:schemas-microsoft-com:vml" xmlns:pvml="urn:schemas-microsoft-com:office:powerpoint" xmlns:com="http://schemas.openxmlformats.org/drawingml/2006/compatibility" xmlns:p14="http://schemas.microsoft.com/office/powerpoint/2010/main">
+  <p:cSld>
+    <p:spTree>
+      <p:nvGrpSpPr>
+        <p:cNvPr id="114" name="Shape 114"/>
+        <p:cNvGrpSpPr/>
+        <p:nvPr/>
+      </p:nvGrpSpPr>
+      <p:grpSpPr>
+        <a:xfrm>
+          <a:off x="0" y="0"/>
+          <a:ext cx="0" cy="0"/>
+          <a:chOff x="0" y="0"/>
+          <a:chExt cx="0" cy="0"/>
+        </a:xfrm>
+      </p:grpSpPr>
+      <p:sp>
+        <p:nvSpPr>
+          <p:cNvPr id="115" name="Shape 115"/>
+          <p:cNvSpPr txBox="1"/>
+          <p:nvPr>
+            <p:ph type="title"/>
+          </p:nvPr>
+        </p:nvSpPr>
+        <p:spPr>
+          <a:xfrm>
+            <a:off x="311700" y="445025"/>
+            <a:ext cx="8520600" cy="572700"/>
+          </a:xfrm>
+          <a:prstGeom prst="rect">
+            <a:avLst/>
+          </a:prstGeom>
+        </p:spPr>
+        <p:txBody>
+          <a:bodyPr anchorCtr="0" anchor="t" bIns="91425" lIns="91425" rIns="91425" tIns="91425">
+            <a:noAutofit/>
+          </a:bodyPr>
+          <a:lstStyle/>
+          <a:p>
+            <a:pPr lvl="0">
+              <a:spcBef>
+                <a:spcPts val="0"/>
+              </a:spcBef>
+              <a:buNone/>
+            </a:pPr>
+            <a:r>
+              <a:rPr lang="en"/>
+              <a:t>Monoid</a:t>
+            </a:r>
+          </a:p>
+        </p:txBody>
+      </p:sp>
+      <p:sp>
+        <p:nvSpPr>
+          <p:cNvPr id="116" name="Shape 116"/>
+          <p:cNvSpPr txBox="1"/>
+          <p:nvPr>
+            <p:ph idx="1" type="body"/>
+          </p:nvPr>
+        </p:nvSpPr>
+        <p:spPr>
+          <a:xfrm>
+            <a:off x="311700" y="1152475"/>
+            <a:ext cx="8520600" cy="3416400"/>
+          </a:xfrm>
+          <a:prstGeom prst="rect">
+            <a:avLst/>
+          </a:prstGeom>
+        </p:spPr>
+        <p:txBody>
+          <a:bodyPr anchorCtr="0" anchor="t" bIns="91425" lIns="91425" rIns="91425" tIns="91425">
+            <a:noAutofit/>
+          </a:bodyPr>
+          <a:lstStyle/>
+          <a:p>
+            <a:pPr lvl="0">
+              <a:spcBef>
+                <a:spcPts val="0"/>
+              </a:spcBef>
+              <a:buNone/>
+            </a:pPr>
+            <a:r>
+              <a:t/>
+            </a:r>
+            <a:endParaRPr/>
+          </a:p>
+        </p:txBody>
+      </p:sp>
+    </p:spTree>
+  </p:cSld>
+  <p:clrMapOvr>
+    <a:masterClrMapping/>
+  </p:clrMapOvr>
+</p:sld>
+</file>
+
 <file path=ppt/theme/theme1.xml><?xml version="1.0" encoding="utf-8"?>
+<a:theme xmlns:a="http://schemas.openxmlformats.org/drawingml/2006/main" xmlns:r="http://schemas.openxmlformats.org/officeDocument/2006/relationships" name="Custom Theme">
+  <a:themeElements>
+    <a:clrScheme name="Default">
+      <a:dk1>
+        <a:srgbClr val="000000"/>
+      </a:dk1>
+      <a:lt1>
+        <a:srgbClr val="FFFFFF"/>
+      </a:lt1>
+      <a:dk2>
+        <a:srgbClr val="158158"/>
+      </a:dk2>
+      <a:lt2>
+        <a:srgbClr val="F3F3F3"/>
+      </a:lt2>
+      <a:accent1>
+        <a:srgbClr val="058DC7"/>
+      </a:accent1>
+      <a:accent2>
+        <a:srgbClr val="50B432"/>
+      </a:accent2>
+      <a:accent3>
+        <a:srgbClr val="ED561B"/>
+      </a:accent3>
+      <a:accent4>
+        <a:srgbClr val="EDEF00"/>
+      </a:accent4>
+      <a:accent5>
+        <a:srgbClr val="24CBE5"/>
+      </a:accent5>
+      <a:accent6>
+        <a:srgbClr val="64E572"/>
+      </a:accent6>
+      <a:hlink>
+        <a:srgbClr val="2200CC"/>
+      </a:hlink>
+      <a:folHlink>
+        <a:srgbClr val="551A8B"/>
+      </a:folHlink>
+    </a:clrScheme>
+    <a:fontScheme name="Office">
+      <a:majorFont>
+        <a:latin typeface="Arial"/>
+        <a:ea typeface=""/>
+        <a:cs typeface=""/>
+        <a:font script="Jpan" typeface="ＭＳ Ｐゴシック"/>
+        <a:font script="Hang" typeface="맑은 고딕"/>
+        <a:font script="Hans" typeface="宋体"/>
+        <a:font script="Hant" typeface="新細明體"/>
+        <a:font script="Arab" typeface="Times New Roman"/>
+        <a:font script="Hebr" typeface="Times New Roman"/>
+        <a:font script="Thai" typeface="Angsana New"/>
+        <a:font script="Ethi" typeface="Nyala"/>
+        <a:font script="Beng" typeface="Vrinda"/>
+        <a:font script="Gujr" typeface="Shruti"/>
+        <a:font script="Khmr" typeface="MoolBoran"/>
+        <a:font script="Knda" typeface="Tunga"/>
+        <a:font script="Guru" typeface="Raavi"/>
+        <a:font script="Cans" typeface="Euphemia"/>
+        <a:font script="Cher" typeface="Plantagenet Cherokee"/>
+        <a:font script="Yiii" typeface="Microsoft Yi Baiti"/>
+        <a:font script="Tibt" typeface="Microsoft Himalaya"/>
+        <a:font script="Thaa" typeface="MV Boli"/>
+        <a:font script="Deva" typeface="Mangal"/>
+        <a:font script="Telu" typeface="Gautami"/>
+        <a:font script="Taml" typeface="Latha"/>
+        <a:font script="Syrc" typeface="Estrangelo Edessa"/>
+        <a:font script="Orya" typeface="Kalinga"/>
+        <a:font script="Mlym" typeface="Kartika"/>
+        <a:font script="Laoo" typeface="DokChampa"/>
+        <a:font script="Sinh" typeface="Iskoola Pota"/>
+        <a:font script="Mong" typeface="Mongolian Baiti"/>
+        <a:font script="Viet" typeface="Times New Roman"/>
+        <a:font script="Uigh" typeface="Microsoft Uighur"/>
+        <a:font script="Geor" typeface="Sylfaen"/>
+      </a:majorFont>
+      <a:minorFont>
+        <a:latin typeface="Arial"/>
+        <a:ea typeface=""/>
+        <a:cs typeface=""/>
+        <a:font script="Jpan" typeface="ＭＳ Ｐゴシック"/>
+        <a:font script="Hang" typeface="맑은 고딕"/>
+        <a:font script="Hans" typeface="宋体"/>
+        <a:font script="Hant" typeface="新細明體"/>
+        <a:font script="Arab" typeface="Arial"/>
+        <a:font script="Hebr" typeface="Arial"/>
+        <a:font script="Thai" typeface="Cordia New"/>
+        <a:font script="Ethi" typeface="Nyala"/>
+        <a:font script="Beng" typeface="Vrinda"/>
+        <a:font script="Gujr" typeface="Shruti"/>
+        <a:font script="Khmr" typeface="DaunPenh"/>
+        <a:font script="Knda" typeface="Tunga"/>
+        <a:font script="Guru" typeface="Raavi"/>
+        <a:font script="Cans" typeface="Euphemia"/>
+        <a:font script="Cher" typeface="Plantagenet Cherokee"/>
+        <a:font script="Yiii" typeface="Microsoft Yi Baiti"/>
+        <a:font script="Tibt" typeface="Microsoft Himalaya"/>
+        <a:font script="Thaa" typeface="MV Boli"/>
+        <a:font script="Deva" typeface="Mangal"/>
+        <a:font script="Telu" typeface="Gautami"/>
+        <a:font script="Taml" typeface="Latha"/>
+        <a:font script="Syrc" typeface="Estrangelo Edessa"/>
+        <a:font script="Orya" typeface="Kalinga"/>
+        <a:font script="Mlym" typeface="Kartika"/>
+        <a:font script="Laoo" typeface="DokChampa"/>
+        <a:font script="Sinh" typeface="Iskoola Pota"/>
+        <a:font script="Mong" typeface="Mongolian Baiti"/>
+        <a:font script="Viet" typeface="Arial"/>
+        <a:font script="Uigh" typeface="Microsoft Uighur"/>
+        <a:font script="Geor" typeface="Sylfaen"/>
+      </a:minorFont>
+    </a:fontScheme>
+    <a:fmtScheme name="Office">
+      <a:fillStyleLst>
+        <a:solidFill>
+          <a:schemeClr val="phClr"/>
+        </a:solidFill>
+        <a:gradFill rotWithShape="1">
+          <a:gsLst>
+            <a:gs pos="0">
+              <a:schemeClr val="phClr">
+                <a:tint val="50000"/>
+                <a:satMod val="300000"/>
+              </a:schemeClr>
+            </a:gs>
+            <a:gs pos="35000">
+              <a:schemeClr val="phClr">
+                <a:tint val="37000"/>
+                <a:satMod val="300000"/>
+              </a:schemeClr>
+            </a:gs>
+            <a:gs pos="100000">
+              <a:schemeClr val="phClr">
+                <a:tint val="15000"/>
+                <a:satMod val="350000"/>
+              </a:schemeClr>
+            </a:gs>
+          </a:gsLst>
+          <a:lin ang="16200000" scaled="1"/>
+        </a:gradFill>
+        <a:gradFill rotWithShape="1">
+          <a:gsLst>
+            <a:gs pos="0">
+              <a:schemeClr val="phClr">
+                <a:tint val="100000"/>
+                <a:shade val="100000"/>
+                <a:satMod val="130000"/>
+              </a:schemeClr>
+            </a:gs>
+            <a:gs pos="100000">
+              <a:schemeClr val="phClr">
+                <a:tint val="50000"/>
+                <a:shade val="100000"/>
+                <a:satMod val="350000"/>
+              </a:schemeClr>
+            </a:gs>
+          </a:gsLst>
+          <a:lin ang="16200000" scaled="0"/>
+        </a:gradFill>
+      </a:fillStyleLst>
+      <a:lnStyleLst>
+        <a:ln w="9525" cap="flat" cmpd="sng" algn="ctr">
+          <a:solidFill>
+            <a:schemeClr val="phClr">
+              <a:shade val="95000"/>
+              <a:satMod val="105000"/>
+            </a:schemeClr>
+          </a:solidFill>
+          <a:prstDash val="solid"/>
+        </a:ln>
+        <a:ln w="25400" cap="flat" cmpd="sng" algn="ctr">
+          <a:solidFill>
+            <a:schemeClr val="phClr"/>
+          </a:solidFill>
+          <a:prstDash val="solid"/>
+        </a:ln>
+        <a:ln w="38100" cap="flat" cmpd="sng" algn="ctr">
+          <a:solidFill>
+            <a:schemeClr val="phClr"/>
+          </a:solidFill>
+          <a:prstDash val="solid"/>
+        </a:ln>
+      </a:lnStyleLst>
+      <a:effectStyleLst>
+        <a:effectStyle>
+          <a:effectLst>
+            <a:outerShdw blurRad="40000" dist="20000" dir="5400000" rotWithShape="0">
+              <a:srgbClr val="000000">
+                <a:alpha val="38000"/>
+              </a:srgbClr>
+            </a:outerShdw>
+          </a:effectLst>
+        </a:effectStyle>
+        <a:effectStyle>
+          <a:effectLst>
+            <a:outerShdw blurRad="40000" dist="23000" dir="5400000" rotWithShape="0">
+              <a:srgbClr val="000000">
+                <a:alpha val="35000"/>
+              </a:srgbClr>
+            </a:outerShdw>
+          </a:effectLst>
+        </a:effectStyle>
+        <a:effectStyle>
+          <a:effectLst>
+            <a:outerShdw blurRad="40000" dist="23000" dir="5400000" rotWithShape="0">
+              <a:srgbClr val="000000">
+                <a:alpha val="35000"/>
+              </a:srgbClr>
+            </a:outerShdw>
+          </a:effectLst>
+          <a:scene3d>
+            <a:camera prst="orthographicFront">
+              <a:rot lat="0" lon="0" rev="0"/>
+            </a:camera>
+            <a:lightRig rig="threePt" dir="t">
+              <a:rot lat="0" lon="0" rev="1200000"/>
+            </a:lightRig>
+          </a:scene3d>
+          <a:sp3d>
+            <a:bevelT w="63500" h="25400"/>
+          </a:sp3d>
+        </a:effectStyle>
+      </a:effectStyleLst>
+      <a:bgFillStyleLst>
+        <a:solidFill>
+          <a:schemeClr val="phClr"/>
+        </a:solidFill>
+        <a:gradFill rotWithShape="1">
+          <a:gsLst>
+            <a:gs pos="0">
+              <a:schemeClr val="phClr">
+                <a:tint val="40000"/>
+                <a:satMod val="350000"/>
+              </a:schemeClr>
+            </a:gs>
+            <a:gs pos="40000">
+              <a:schemeClr val="phClr">
+                <a:tint val="45000"/>
+                <a:shade val="99000"/>
+                <a:satMod val="350000"/>
+              </a:schemeClr>
+            </a:gs>
+            <a:gs pos="100000">
+              <a:schemeClr val="phClr">
+                <a:shade val="20000"/>
+                <a:satMod val="255000"/>
+              </a:schemeClr>
+            </a:gs>
+          </a:gsLst>
+          <a:path path="circle">
+            <a:fillToRect l="50000" t="-80000" r="50000" b="180000"/>
+          </a:path>
+        </a:gradFill>
+        <a:gradFill rotWithShape="1">
+          <a:gsLst>
+            <a:gs pos="0">
+              <a:schemeClr val="phClr">
+                <a:tint val="80000"/>
+                <a:satMod val="300000"/>
+              </a:schemeClr>
+            </a:gs>
+            <a:gs pos="100000">
+              <a:schemeClr val="phClr">
+                <a:shade val="30000"/>
+                <a:satMod val="200000"/>
+              </a:schemeClr>
+            </a:gs>
+          </a:gsLst>
+          <a:path path="circle">
+            <a:fillToRect l="50000" t="50000" r="50000" b="50000"/>
+          </a:path>
+        </a:gradFill>
+      </a:bgFillStyleLst>
+    </a:fmtScheme>
+  </a:themeElements>
+</a:theme>
+</file>
+
+<file path=ppt/theme/theme2.xml><?xml version="1.0" encoding="utf-8"?>
 <a:theme xmlns:a="http://schemas.openxmlformats.org/drawingml/2006/main" xmlns:r="http://schemas.openxmlformats.org/officeDocument/2006/relationships" name="spearmint">
   <a:themeElements>
     <a:clrScheme name="Spearmint">
@@ -11465,283 +12902,4 @@
     </a:fmtScheme>
   </a:themeElements>
 </a:theme>
-</file>
-
-<file path=ppt/theme/theme2.xml><?xml version="1.0" encoding="utf-8"?>
-<a:theme xmlns:a="http://schemas.openxmlformats.org/drawingml/2006/main" xmlns:r="http://schemas.openxmlformats.org/officeDocument/2006/relationships" name="Custom Theme">
-  <a:themeElements>
-    <a:clrScheme name="Default">
-      <a:dk1>
-        <a:srgbClr val="000000"/>
-      </a:dk1>
-      <a:lt1>
-        <a:srgbClr val="FFFFFF"/>
-      </a:lt1>
-      <a:dk2>
-        <a:srgbClr val="158158"/>
-      </a:dk2>
-      <a:lt2>
-        <a:srgbClr val="F3F3F3"/>
-      </a:lt2>
-      <a:accent1>
-        <a:srgbClr val="058DC7"/>
-      </a:accent1>
-      <a:accent2>
-        <a:srgbClr val="50B432"/>
-      </a:accent2>
-      <a:accent3>
-        <a:srgbClr val="ED561B"/>
-      </a:accent3>
-      <a:accent4>
-        <a:srgbClr val="EDEF00"/>
-      </a:accent4>
-      <a:accent5>
-        <a:srgbClr val="24CBE5"/>
-      </a:accent5>
-      <a:accent6>
-        <a:srgbClr val="64E572"/>
-      </a:accent6>
-      <a:hlink>
-        <a:srgbClr val="2200CC"/>
-      </a:hlink>
-      <a:folHlink>
-        <a:srgbClr val="551A8B"/>
-      </a:folHlink>
-    </a:clrScheme>
-    <a:fontScheme name="Office">
-      <a:majorFont>
-        <a:latin typeface="Arial"/>
-        <a:ea typeface=""/>
-        <a:cs typeface=""/>
-        <a:font script="Jpan" typeface="ＭＳ Ｐゴシック"/>
-        <a:font script="Hang" typeface="맑은 고딕"/>
-        <a:font script="Hans" typeface="宋体"/>
-        <a:font script="Hant" typeface="新細明體"/>
-        <a:font script="Arab" typeface="Times New Roman"/>
-        <a:font script="Hebr" typeface="Times New Roman"/>
-        <a:font script="Thai" typeface="Angsana New"/>
-        <a:font script="Ethi" typeface="Nyala"/>
-        <a:font script="Beng" typeface="Vrinda"/>
-        <a:font script="Gujr" typeface="Shruti"/>
-        <a:font script="Khmr" typeface="MoolBoran"/>
-        <a:font script="Knda" typeface="Tunga"/>
-        <a:font script="Guru" typeface="Raavi"/>
-        <a:font script="Cans" typeface="Euphemia"/>
-        <a:font script="Cher" typeface="Plantagenet Cherokee"/>
-        <a:font script="Yiii" typeface="Microsoft Yi Baiti"/>
-        <a:font script="Tibt" typeface="Microsoft Himalaya"/>
-        <a:font script="Thaa" typeface="MV Boli"/>
-        <a:font script="Deva" typeface="Mangal"/>
-        <a:font script="Telu" typeface="Gautami"/>
-        <a:font script="Taml" typeface="Latha"/>
-        <a:font script="Syrc" typeface="Estrangelo Edessa"/>
-        <a:font script="Orya" typeface="Kalinga"/>
-        <a:font script="Mlym" typeface="Kartika"/>
-        <a:font script="Laoo" typeface="DokChampa"/>
-        <a:font script="Sinh" typeface="Iskoola Pota"/>
-        <a:font script="Mong" typeface="Mongolian Baiti"/>
-        <a:font script="Viet" typeface="Times New Roman"/>
-        <a:font script="Uigh" typeface="Microsoft Uighur"/>
-        <a:font script="Geor" typeface="Sylfaen"/>
-      </a:majorFont>
-      <a:minorFont>
-        <a:latin typeface="Arial"/>
-        <a:ea typeface=""/>
-        <a:cs typeface=""/>
-        <a:font script="Jpan" typeface="ＭＳ Ｐゴシック"/>
-        <a:font script="Hang" typeface="맑은 고딕"/>
-        <a:font script="Hans" typeface="宋体"/>
-        <a:font script="Hant" typeface="新細明體"/>
-        <a:font script="Arab" typeface="Arial"/>
-        <a:font script="Hebr" typeface="Arial"/>
-        <a:font script="Thai" typeface="Cordia New"/>
-        <a:font script="Ethi" typeface="Nyala"/>
-        <a:font script="Beng" typeface="Vrinda"/>
-        <a:font script="Gujr" typeface="Shruti"/>
-        <a:font script="Khmr" typeface="DaunPenh"/>
-        <a:font script="Knda" typeface="Tunga"/>
-        <a:font script="Guru" typeface="Raavi"/>
-        <a:font script="Cans" typeface="Euphemia"/>
-        <a:font script="Cher" typeface="Plantagenet Cherokee"/>
-        <a:font script="Yiii" typeface="Microsoft Yi Baiti"/>
-        <a:font script="Tibt" typeface="Microsoft Himalaya"/>
-        <a:font script="Thaa" typeface="MV Boli"/>
-        <a:font script="Deva" typeface="Mangal"/>
-        <a:font script="Telu" typeface="Gautami"/>
-        <a:font script="Taml" typeface="Latha"/>
-        <a:font script="Syrc" typeface="Estrangelo Edessa"/>
-        <a:font script="Orya" typeface="Kalinga"/>
-        <a:font script="Mlym" typeface="Kartika"/>
-        <a:font script="Laoo" typeface="DokChampa"/>
-        <a:font script="Sinh" typeface="Iskoola Pota"/>
-        <a:font script="Mong" typeface="Mongolian Baiti"/>
-        <a:font script="Viet" typeface="Arial"/>
-        <a:font script="Uigh" typeface="Microsoft Uighur"/>
-        <a:font script="Geor" typeface="Sylfaen"/>
-      </a:minorFont>
-    </a:fontScheme>
-    <a:fmtScheme name="Office">
-      <a:fillStyleLst>
-        <a:solidFill>
-          <a:schemeClr val="phClr"/>
-        </a:solidFill>
-        <a:gradFill rotWithShape="1">
-          <a:gsLst>
-            <a:gs pos="0">
-              <a:schemeClr val="phClr">
-                <a:tint val="50000"/>
-                <a:satMod val="300000"/>
-              </a:schemeClr>
-            </a:gs>
-            <a:gs pos="35000">
-              <a:schemeClr val="phClr">
-                <a:tint val="37000"/>
-                <a:satMod val="300000"/>
-              </a:schemeClr>
-            </a:gs>
-            <a:gs pos="100000">
-              <a:schemeClr val="phClr">
-                <a:tint val="15000"/>
-                <a:satMod val="350000"/>
-              </a:schemeClr>
-            </a:gs>
-          </a:gsLst>
-          <a:lin ang="16200000" scaled="1"/>
-        </a:gradFill>
-        <a:gradFill rotWithShape="1">
-          <a:gsLst>
-            <a:gs pos="0">
-              <a:schemeClr val="phClr">
-                <a:tint val="100000"/>
-                <a:shade val="100000"/>
-                <a:satMod val="130000"/>
-              </a:schemeClr>
-            </a:gs>
-            <a:gs pos="100000">
-              <a:schemeClr val="phClr">
-                <a:tint val="50000"/>
-                <a:shade val="100000"/>
-                <a:satMod val="350000"/>
-              </a:schemeClr>
-            </a:gs>
-          </a:gsLst>
-          <a:lin ang="16200000" scaled="0"/>
-        </a:gradFill>
-      </a:fillStyleLst>
-      <a:lnStyleLst>
-        <a:ln w="9525" cap="flat" cmpd="sng" algn="ctr">
-          <a:solidFill>
-            <a:schemeClr val="phClr">
-              <a:shade val="95000"/>
-              <a:satMod val="105000"/>
-            </a:schemeClr>
-          </a:solidFill>
-          <a:prstDash val="solid"/>
-        </a:ln>
-        <a:ln w="25400" cap="flat" cmpd="sng" algn="ctr">
-          <a:solidFill>
-            <a:schemeClr val="phClr"/>
-          </a:solidFill>
-          <a:prstDash val="solid"/>
-        </a:ln>
-        <a:ln w="38100" cap="flat" cmpd="sng" algn="ctr">
-          <a:solidFill>
-            <a:schemeClr val="phClr"/>
-          </a:solidFill>
-          <a:prstDash val="solid"/>
-        </a:ln>
-      </a:lnStyleLst>
-      <a:effectStyleLst>
-        <a:effectStyle>
-          <a:effectLst>
-            <a:outerShdw blurRad="40000" dist="20000" dir="5400000" rotWithShape="0">
-              <a:srgbClr val="000000">
-                <a:alpha val="38000"/>
-              </a:srgbClr>
-            </a:outerShdw>
-          </a:effectLst>
-        </a:effectStyle>
-        <a:effectStyle>
-          <a:effectLst>
-            <a:outerShdw blurRad="40000" dist="23000" dir="5400000" rotWithShape="0">
-              <a:srgbClr val="000000">
-                <a:alpha val="35000"/>
-              </a:srgbClr>
-            </a:outerShdw>
-          </a:effectLst>
-        </a:effectStyle>
-        <a:effectStyle>
-          <a:effectLst>
-            <a:outerShdw blurRad="40000" dist="23000" dir="5400000" rotWithShape="0">
-              <a:srgbClr val="000000">
-                <a:alpha val="35000"/>
-              </a:srgbClr>
-            </a:outerShdw>
-          </a:effectLst>
-          <a:scene3d>
-            <a:camera prst="orthographicFront">
-              <a:rot lat="0" lon="0" rev="0"/>
-            </a:camera>
-            <a:lightRig rig="threePt" dir="t">
-              <a:rot lat="0" lon="0" rev="1200000"/>
-            </a:lightRig>
-          </a:scene3d>
-          <a:sp3d>
-            <a:bevelT w="63500" h="25400"/>
-          </a:sp3d>
-        </a:effectStyle>
-      </a:effectStyleLst>
-      <a:bgFillStyleLst>
-        <a:solidFill>
-          <a:schemeClr val="phClr"/>
-        </a:solidFill>
-        <a:gradFill rotWithShape="1">
-          <a:gsLst>
-            <a:gs pos="0">
-              <a:schemeClr val="phClr">
-                <a:tint val="40000"/>
-                <a:satMod val="350000"/>
-              </a:schemeClr>
-            </a:gs>
-            <a:gs pos="40000">
-              <a:schemeClr val="phClr">
-                <a:tint val="45000"/>
-                <a:shade val="99000"/>
-                <a:satMod val="350000"/>
-              </a:schemeClr>
-            </a:gs>
-            <a:gs pos="100000">
-              <a:schemeClr val="phClr">
-                <a:shade val="20000"/>
-                <a:satMod val="255000"/>
-              </a:schemeClr>
-            </a:gs>
-          </a:gsLst>
-          <a:path path="circle">
-            <a:fillToRect l="50000" t="-80000" r="50000" b="180000"/>
-          </a:path>
-        </a:gradFill>
-        <a:gradFill rotWithShape="1">
-          <a:gsLst>
-            <a:gs pos="0">
-              <a:schemeClr val="phClr">
-                <a:tint val="80000"/>
-                <a:satMod val="300000"/>
-              </a:schemeClr>
-            </a:gs>
-            <a:gs pos="100000">
-              <a:schemeClr val="phClr">
-                <a:shade val="30000"/>
-                <a:satMod val="200000"/>
-              </a:schemeClr>
-            </a:gs>
-          </a:gsLst>
-          <a:path path="circle">
-            <a:fillToRect l="50000" t="50000" r="50000" b="50000"/>
-          </a:path>
-        </a:gradFill>
-      </a:bgFillStyleLst>
-    </a:fmtScheme>
-  </a:themeElements>
-</a:theme>
 </file>